--- a/2023.01.30_RNAseq.i4TB/welcome.pptx
+++ b/2023.01.30_RNAseq.i4TB/welcome.pptx
@@ -5953,7 +5953,7 @@
           <a:p>
             <a:fld id="{88E640F0-257D-0F49-B2E6-A4C31CE005C4}" type="datetimeFigureOut">
               <a:rPr lang="en-US" smtClean="0"/>
-              <a:t>1/18/23</a:t>
+              <a:t>1/30/23</a:t>
             </a:fld>
             <a:endParaRPr lang="en-US"/>
           </a:p>
@@ -6151,7 +6151,7 @@
           <a:p>
             <a:fld id="{88E640F0-257D-0F49-B2E6-A4C31CE005C4}" type="datetimeFigureOut">
               <a:rPr lang="en-US" smtClean="0"/>
-              <a:t>1/18/23</a:t>
+              <a:t>1/30/23</a:t>
             </a:fld>
             <a:endParaRPr lang="en-US"/>
           </a:p>
@@ -6359,7 +6359,7 @@
           <a:p>
             <a:fld id="{88E640F0-257D-0F49-B2E6-A4C31CE005C4}" type="datetimeFigureOut">
               <a:rPr lang="en-US" smtClean="0"/>
-              <a:t>1/18/23</a:t>
+              <a:t>1/30/23</a:t>
             </a:fld>
             <a:endParaRPr lang="en-US"/>
           </a:p>
@@ -6557,7 +6557,7 @@
           <a:p>
             <a:fld id="{88E640F0-257D-0F49-B2E6-A4C31CE005C4}" type="datetimeFigureOut">
               <a:rPr lang="en-US" smtClean="0"/>
-              <a:t>1/18/23</a:t>
+              <a:t>1/30/23</a:t>
             </a:fld>
             <a:endParaRPr lang="en-US"/>
           </a:p>
@@ -6832,7 +6832,7 @@
           <a:p>
             <a:fld id="{88E640F0-257D-0F49-B2E6-A4C31CE005C4}" type="datetimeFigureOut">
               <a:rPr lang="en-US" smtClean="0"/>
-              <a:t>1/18/23</a:t>
+              <a:t>1/30/23</a:t>
             </a:fld>
             <a:endParaRPr lang="en-US"/>
           </a:p>
@@ -7097,7 +7097,7 @@
           <a:p>
             <a:fld id="{88E640F0-257D-0F49-B2E6-A4C31CE005C4}" type="datetimeFigureOut">
               <a:rPr lang="en-US" smtClean="0"/>
-              <a:t>1/18/23</a:t>
+              <a:t>1/30/23</a:t>
             </a:fld>
             <a:endParaRPr lang="en-US"/>
           </a:p>
@@ -7509,7 +7509,7 @@
           <a:p>
             <a:fld id="{88E640F0-257D-0F49-B2E6-A4C31CE005C4}" type="datetimeFigureOut">
               <a:rPr lang="en-US" smtClean="0"/>
-              <a:t>1/18/23</a:t>
+              <a:t>1/30/23</a:t>
             </a:fld>
             <a:endParaRPr lang="en-US"/>
           </a:p>
@@ -7650,7 +7650,7 @@
           <a:p>
             <a:fld id="{88E640F0-257D-0F49-B2E6-A4C31CE005C4}" type="datetimeFigureOut">
               <a:rPr lang="en-US" smtClean="0"/>
-              <a:t>1/18/23</a:t>
+              <a:t>1/30/23</a:t>
             </a:fld>
             <a:endParaRPr lang="en-US"/>
           </a:p>
@@ -7763,7 +7763,7 @@
           <a:p>
             <a:fld id="{88E640F0-257D-0F49-B2E6-A4C31CE005C4}" type="datetimeFigureOut">
               <a:rPr lang="en-US" smtClean="0"/>
-              <a:t>1/18/23</a:t>
+              <a:t>1/30/23</a:t>
             </a:fld>
             <a:endParaRPr lang="en-US"/>
           </a:p>
@@ -8074,7 +8074,7 @@
           <a:p>
             <a:fld id="{88E640F0-257D-0F49-B2E6-A4C31CE005C4}" type="datetimeFigureOut">
               <a:rPr lang="en-US" smtClean="0"/>
-              <a:t>1/18/23</a:t>
+              <a:t>1/30/23</a:t>
             </a:fld>
             <a:endParaRPr lang="en-US"/>
           </a:p>
@@ -8362,7 +8362,7 @@
           <a:p>
             <a:fld id="{88E640F0-257D-0F49-B2E6-A4C31CE005C4}" type="datetimeFigureOut">
               <a:rPr lang="en-US" smtClean="0"/>
-              <a:t>1/18/23</a:t>
+              <a:t>1/30/23</a:t>
             </a:fld>
             <a:endParaRPr lang="en-US"/>
           </a:p>
@@ -8603,7 +8603,7 @@
           <a:p>
             <a:fld id="{88E640F0-257D-0F49-B2E6-A4C31CE005C4}" type="datetimeFigureOut">
               <a:rPr lang="en-US" smtClean="0"/>
-              <a:t>1/18/23</a:t>
+              <a:t>1/30/23</a:t>
             </a:fld>
             <a:endParaRPr lang="en-US"/>
           </a:p>
@@ -9085,32 +9085,9 @@
                 <a:solidFill>
                   <a:srgbClr val="0070C0"/>
                 </a:solidFill>
+                <a:hlinkClick r:id="rId2"/>
               </a:rPr>
-              <a:t>https://github.com/</a:t>
-            </a:r>
-            <a:r>
-              <a:rPr lang="en-US" dirty="0" err="1">
-                <a:solidFill>
-                  <a:srgbClr val="0070C0"/>
-                </a:solidFill>
-              </a:rPr>
-              <a:t>BIGslu</a:t>
-            </a:r>
-            <a:r>
-              <a:rPr lang="en-US" dirty="0">
-                <a:solidFill>
-                  <a:srgbClr val="0070C0"/>
-                </a:solidFill>
-              </a:rPr>
-              <a:t>/2023.01.30_RNAseq.i4TB/blob/main/data/</a:t>
-            </a:r>
-            <a:r>
-              <a:rPr lang="en-US" dirty="0" err="1">
-                <a:solidFill>
-                  <a:srgbClr val="0070C0"/>
-                </a:solidFill>
-              </a:rPr>
-              <a:t>data.zip</a:t>
+              <a:t>https://github.com/BIGslu/workshops/raw/main/2023.01.30_RNAseq.i4TB/data/dat_voom.RData</a:t>
             </a:r>
             <a:endParaRPr lang="en-US" dirty="0">
               <a:solidFill>
@@ -9187,7 +9164,7 @@
                 <a:latin typeface="Courier New" panose="02070309020205020404" pitchFamily="49" charset="0"/>
                 <a:cs typeface="Courier New" panose="02070309020205020404" pitchFamily="49" charset="0"/>
               </a:rPr>
-              <a:t>", "</a:t>
+              <a:t>”, "</a:t>
             </a:r>
             <a:r>
               <a:rPr lang="en-US" sz="1600" dirty="0" err="1">
@@ -9201,7 +9178,7 @@
                 <a:latin typeface="Courier New" panose="02070309020205020404" pitchFamily="49" charset="0"/>
                 <a:cs typeface="Courier New" panose="02070309020205020404" pitchFamily="49" charset="0"/>
               </a:rPr>
-              <a:t>", "</a:t>
+              <a:t>”, "</a:t>
             </a:r>
             <a:r>
               <a:rPr lang="en-US" sz="1600" dirty="0" err="1">
@@ -9326,7 +9303,125 @@
                 <a:latin typeface="Courier New" panose="02070309020205020404" pitchFamily="49" charset="0"/>
                 <a:cs typeface="Courier New" panose="02070309020205020404" pitchFamily="49" charset="0"/>
               </a:rPr>
+              <a:t>RNAetc</a:t>
+            </a:r>
+            <a:r>
+              <a:rPr lang="en-US" sz="1600" dirty="0">
+                <a:latin typeface="Courier New" panose="02070309020205020404" pitchFamily="49" charset="0"/>
+                <a:cs typeface="Courier New" panose="02070309020205020404" pitchFamily="49" charset="0"/>
+              </a:rPr>
+              <a:t>")</a:t>
+            </a:r>
+          </a:p>
+          <a:p>
+            <a:pPr lvl="1"/>
+            <a:r>
+              <a:rPr lang="en-US" sz="1600" dirty="0" err="1">
+                <a:latin typeface="Courier New" panose="02070309020205020404" pitchFamily="49" charset="0"/>
+                <a:cs typeface="Courier New" panose="02070309020205020404" pitchFamily="49" charset="0"/>
+              </a:rPr>
+              <a:t>devtools</a:t>
+            </a:r>
+            <a:r>
+              <a:rPr lang="en-US" sz="1600" dirty="0">
+                <a:latin typeface="Courier New" panose="02070309020205020404" pitchFamily="49" charset="0"/>
+                <a:cs typeface="Courier New" panose="02070309020205020404" pitchFamily="49" charset="0"/>
+              </a:rPr>
+              <a:t>::</a:t>
+            </a:r>
+            <a:r>
+              <a:rPr lang="en-US" sz="1600" dirty="0" err="1">
+                <a:latin typeface="Courier New" panose="02070309020205020404" pitchFamily="49" charset="0"/>
+                <a:cs typeface="Courier New" panose="02070309020205020404" pitchFamily="49" charset="0"/>
+              </a:rPr>
+              <a:t>install_github</a:t>
+            </a:r>
+            <a:r>
+              <a:rPr lang="en-US" sz="1600" dirty="0">
+                <a:latin typeface="Courier New" panose="02070309020205020404" pitchFamily="49" charset="0"/>
+                <a:cs typeface="Courier New" panose="02070309020205020404" pitchFamily="49" charset="0"/>
+              </a:rPr>
+              <a:t>("</a:t>
+            </a:r>
+            <a:r>
+              <a:rPr lang="en-US" sz="1600" dirty="0" err="1">
+                <a:latin typeface="Courier New" panose="02070309020205020404" pitchFamily="49" charset="0"/>
+                <a:cs typeface="Courier New" panose="02070309020205020404" pitchFamily="49" charset="0"/>
+              </a:rPr>
+              <a:t>BIGslu</a:t>
+            </a:r>
+            <a:r>
+              <a:rPr lang="en-US" sz="1600" dirty="0">
+                <a:latin typeface="Courier New" panose="02070309020205020404" pitchFamily="49" charset="0"/>
+                <a:cs typeface="Courier New" panose="02070309020205020404" pitchFamily="49" charset="0"/>
+              </a:rPr>
+              <a:t>/</a:t>
+            </a:r>
+            <a:r>
+              <a:rPr lang="en-US" sz="1600" dirty="0" err="1">
+                <a:latin typeface="Courier New" panose="02070309020205020404" pitchFamily="49" charset="0"/>
+                <a:cs typeface="Courier New" panose="02070309020205020404" pitchFamily="49" charset="0"/>
+              </a:rPr>
               <a:t>kimma</a:t>
+            </a:r>
+            <a:r>
+              <a:rPr lang="en-US" sz="1600" dirty="0">
+                <a:latin typeface="Courier New" panose="02070309020205020404" pitchFamily="49" charset="0"/>
+                <a:cs typeface="Courier New" panose="02070309020205020404" pitchFamily="49" charset="0"/>
+              </a:rPr>
+              <a:t>")</a:t>
+            </a:r>
+          </a:p>
+          <a:p>
+            <a:pPr lvl="1"/>
+            <a:r>
+              <a:rPr lang="en-US" sz="1600" dirty="0" err="1">
+                <a:latin typeface="Courier New" panose="02070309020205020404" pitchFamily="49" charset="0"/>
+                <a:cs typeface="Courier New" panose="02070309020205020404" pitchFamily="49" charset="0"/>
+              </a:rPr>
+              <a:t>devtools</a:t>
+            </a:r>
+            <a:r>
+              <a:rPr lang="en-US" sz="1600" dirty="0">
+                <a:latin typeface="Courier New" panose="02070309020205020404" pitchFamily="49" charset="0"/>
+                <a:cs typeface="Courier New" panose="02070309020205020404" pitchFamily="49" charset="0"/>
+              </a:rPr>
+              <a:t>::</a:t>
+            </a:r>
+            <a:r>
+              <a:rPr lang="en-US" sz="1600" dirty="0" err="1">
+                <a:latin typeface="Courier New" panose="02070309020205020404" pitchFamily="49" charset="0"/>
+                <a:cs typeface="Courier New" panose="02070309020205020404" pitchFamily="49" charset="0"/>
+              </a:rPr>
+              <a:t>install_github</a:t>
+            </a:r>
+            <a:r>
+              <a:rPr lang="en-US" sz="1600" dirty="0">
+                <a:latin typeface="Courier New" panose="02070309020205020404" pitchFamily="49" charset="0"/>
+                <a:cs typeface="Courier New" panose="02070309020205020404" pitchFamily="49" charset="0"/>
+              </a:rPr>
+              <a:t>("</a:t>
+            </a:r>
+            <a:r>
+              <a:rPr lang="en-US" sz="1600" dirty="0" err="1">
+                <a:latin typeface="Courier New" panose="02070309020205020404" pitchFamily="49" charset="0"/>
+                <a:cs typeface="Courier New" panose="02070309020205020404" pitchFamily="49" charset="0"/>
+              </a:rPr>
+              <a:t>BIGslu</a:t>
+            </a:r>
+            <a:r>
+              <a:rPr lang="en-US" sz="1600" dirty="0">
+                <a:latin typeface="Courier New" panose="02070309020205020404" pitchFamily="49" charset="0"/>
+                <a:cs typeface="Courier New" panose="02070309020205020404" pitchFamily="49" charset="0"/>
+              </a:rPr>
+              <a:t>/</a:t>
+            </a:r>
+            <a:r>
+              <a:rPr lang="en-US" sz="1600" dirty="0" err="1">
+                <a:latin typeface="Courier New" panose="02070309020205020404" pitchFamily="49" charset="0"/>
+                <a:cs typeface="Courier New" panose="02070309020205020404" pitchFamily="49" charset="0"/>
+              </a:rPr>
+              <a:t>SEARchways</a:t>
             </a:r>
             <a:r>
               <a:rPr lang="en-US" sz="1600" dirty="0">
@@ -9394,13 +9489,6 @@
               </a:rPr>
               <a:t>")</a:t>
             </a:r>
-          </a:p>
-          <a:p>
-            <a:pPr lvl="1"/>
-            <a:endParaRPr lang="en-US" sz="1600" dirty="0">
-              <a:latin typeface="Courier New" panose="02070309020205020404" pitchFamily="49" charset="0"/>
-              <a:cs typeface="Courier New" panose="02070309020205020404" pitchFamily="49" charset="0"/>
-            </a:endParaRPr>
           </a:p>
         </p:txBody>
       </p:sp>
@@ -9754,7 +9842,7 @@
             <p:ph idx="1"/>
             <p:extLst>
               <p:ext uri="{D42A27DB-BD31-4B8C-83A1-F6EECF244321}">
-                <p14:modId xmlns:p14="http://schemas.microsoft.com/office/powerpoint/2010/main" val="2679207922"/>
+                <p14:modId xmlns:p14="http://schemas.microsoft.com/office/powerpoint/2010/main" val="2659842310"/>
               </p:ext>
             </p:extLst>
           </p:nvPr>
@@ -9881,7 +9969,7 @@
                     <a:bodyPr/>
                     <a:lstStyle/>
                     <a:p>
-                      <a:pPr algn="l" fontAlgn="b"/>
+                      <a:pPr algn="ctr" fontAlgn="b"/>
                       <a:r>
                         <a:rPr lang="en-US" sz="2000" b="0" i="0" u="none" strike="noStrike" dirty="0">
                           <a:solidFill>
@@ -9938,7 +10026,7 @@
                     <a:bodyPr/>
                     <a:lstStyle/>
                     <a:p>
-                      <a:pPr algn="l" fontAlgn="b"/>
+                      <a:pPr algn="ctr" fontAlgn="b"/>
                       <a:r>
                         <a:rPr lang="en-US" sz="2000" b="0" i="0" u="none" strike="noStrike">
                           <a:solidFill>
@@ -9995,7 +10083,7 @@
                     <a:bodyPr/>
                     <a:lstStyle/>
                     <a:p>
-                      <a:pPr algn="l" fontAlgn="b"/>
+                      <a:pPr algn="ctr" fontAlgn="b"/>
                       <a:r>
                         <a:rPr lang="en-US" sz="2000" b="0" i="0" u="none" strike="noStrike">
                           <a:solidFill>
@@ -10052,7 +10140,7 @@
                     <a:bodyPr/>
                     <a:lstStyle/>
                     <a:p>
-                      <a:pPr algn="l" fontAlgn="b"/>
+                      <a:pPr algn="ctr" fontAlgn="b"/>
                       <a:r>
                         <a:rPr lang="en-US" sz="2000" b="0" i="0" u="none" strike="noStrike">
                           <a:solidFill>
@@ -10230,7 +10318,7 @@
                     <a:bodyPr/>
                     <a:lstStyle/>
                     <a:p>
-                      <a:pPr algn="r" fontAlgn="b"/>
+                      <a:pPr algn="ctr" fontAlgn="b"/>
                       <a:r>
                         <a:rPr lang="en-US" sz="2000" b="0" i="0" u="none" strike="noStrike" dirty="0">
                           <a:solidFill>
@@ -10287,7 +10375,7 @@
                     <a:bodyPr/>
                     <a:lstStyle/>
                     <a:p>
-                      <a:pPr algn="r" fontAlgn="b"/>
+                      <a:pPr algn="ctr" fontAlgn="b"/>
                       <a:r>
                         <a:rPr lang="en-US" sz="2000" b="0" i="0" u="none" strike="noStrike" dirty="0">
                           <a:solidFill>
@@ -10344,7 +10432,7 @@
                     <a:bodyPr/>
                     <a:lstStyle/>
                     <a:p>
-                      <a:pPr algn="r" fontAlgn="b"/>
+                      <a:pPr algn="ctr" fontAlgn="b"/>
                       <a:r>
                         <a:rPr lang="en-US" sz="2000" b="0" i="0" u="none" strike="noStrike">
                           <a:solidFill>
@@ -10401,7 +10489,7 @@
                     <a:bodyPr/>
                     <a:lstStyle/>
                     <a:p>
-                      <a:pPr algn="r" fontAlgn="b"/>
+                      <a:pPr algn="ctr" fontAlgn="b"/>
                       <a:r>
                         <a:rPr lang="en-US" sz="2000" b="0" i="0" u="none" strike="noStrike">
                           <a:solidFill>
@@ -10576,7 +10664,7 @@
                     <a:bodyPr/>
                     <a:lstStyle/>
                     <a:p>
-                      <a:pPr algn="r" fontAlgn="b"/>
+                      <a:pPr algn="ctr" fontAlgn="b"/>
                       <a:r>
                         <a:rPr lang="en-US" sz="2000" b="0" i="0" u="none" strike="noStrike">
                           <a:solidFill>
@@ -10633,7 +10721,7 @@
                     <a:bodyPr/>
                     <a:lstStyle/>
                     <a:p>
-                      <a:pPr algn="r" fontAlgn="b"/>
+                      <a:pPr algn="ctr" fontAlgn="b"/>
                       <a:r>
                         <a:rPr lang="en-US" sz="2000" b="0" i="0" u="none" strike="noStrike" dirty="0">
                           <a:solidFill>
@@ -10690,7 +10778,7 @@
                     <a:bodyPr/>
                     <a:lstStyle/>
                     <a:p>
-                      <a:pPr algn="r" fontAlgn="b"/>
+                      <a:pPr algn="ctr" fontAlgn="b"/>
                       <a:r>
                         <a:rPr lang="en-US" sz="2000" b="0" i="0" u="none" strike="noStrike" dirty="0">
                           <a:solidFill>
@@ -10747,7 +10835,7 @@
                     <a:bodyPr/>
                     <a:lstStyle/>
                     <a:p>
-                      <a:pPr algn="r" fontAlgn="b"/>
+                      <a:pPr algn="ctr" fontAlgn="b"/>
                       <a:r>
                         <a:rPr lang="en-US" sz="2000" b="0" i="0" u="none" strike="noStrike">
                           <a:solidFill>
@@ -10922,7 +11010,7 @@
                     <a:bodyPr/>
                     <a:lstStyle/>
                     <a:p>
-                      <a:pPr algn="r" fontAlgn="b"/>
+                      <a:pPr algn="ctr" fontAlgn="b"/>
                       <a:r>
                         <a:rPr lang="en-US" sz="2000" b="0" i="0" u="none" strike="noStrike">
                           <a:solidFill>
@@ -10979,7 +11067,7 @@
                     <a:bodyPr/>
                     <a:lstStyle/>
                     <a:p>
-                      <a:pPr algn="r" fontAlgn="b"/>
+                      <a:pPr algn="ctr" fontAlgn="b"/>
                       <a:r>
                         <a:rPr lang="en-US" sz="2000" b="0" i="0" u="none" strike="noStrike">
                           <a:solidFill>
@@ -11036,7 +11124,7 @@
                     <a:bodyPr/>
                     <a:lstStyle/>
                     <a:p>
-                      <a:pPr algn="r" fontAlgn="b"/>
+                      <a:pPr algn="ctr" fontAlgn="b"/>
                       <a:r>
                         <a:rPr lang="en-US" sz="2000" b="0" i="0" u="none" strike="noStrike" dirty="0">
                           <a:solidFill>
@@ -11093,7 +11181,7 @@
                     <a:bodyPr/>
                     <a:lstStyle/>
                     <a:p>
-                      <a:pPr algn="r" fontAlgn="b"/>
+                      <a:pPr algn="ctr" fontAlgn="b"/>
                       <a:r>
                         <a:rPr lang="en-US" sz="2000" b="0" i="0" u="none" strike="noStrike" dirty="0">
                           <a:solidFill>
@@ -11268,7 +11356,7 @@
                     <a:bodyPr/>
                     <a:lstStyle/>
                     <a:p>
-                      <a:pPr algn="r" fontAlgn="b"/>
+                      <a:pPr algn="ctr" fontAlgn="b"/>
                       <a:r>
                         <a:rPr lang="en-US" sz="2000" b="0" i="0" u="none" strike="noStrike" dirty="0">
                           <a:solidFill>
@@ -11325,7 +11413,7 @@
                     <a:bodyPr/>
                     <a:lstStyle/>
                     <a:p>
-                      <a:pPr algn="r" fontAlgn="b"/>
+                      <a:pPr algn="ctr" fontAlgn="b"/>
                       <a:r>
                         <a:rPr lang="en-US" sz="2000" b="0" i="0" u="none" strike="noStrike">
                           <a:solidFill>
@@ -11382,9 +11470,9 @@
                     <a:bodyPr/>
                     <a:lstStyle/>
                     <a:p>
-                      <a:pPr algn="r" fontAlgn="b"/>
+                      <a:pPr algn="ctr" fontAlgn="b"/>
                       <a:r>
-                        <a:rPr lang="en-US" sz="2000" b="0" i="0" u="none" strike="noStrike">
+                        <a:rPr lang="en-US" sz="2000" b="0" i="0" u="none" strike="noStrike" dirty="0">
                           <a:solidFill>
                             <a:srgbClr val="000000"/>
                           </a:solidFill>
@@ -11439,7 +11527,7 @@
                     <a:bodyPr/>
                     <a:lstStyle/>
                     <a:p>
-                      <a:pPr algn="r" fontAlgn="b"/>
+                      <a:pPr algn="ctr" fontAlgn="b"/>
                       <a:r>
                         <a:rPr lang="en-US" sz="2000" b="0" i="0" u="none" strike="noStrike" dirty="0">
                           <a:solidFill>
@@ -11614,7 +11702,7 @@
                     <a:bodyPr/>
                     <a:lstStyle/>
                     <a:p>
-                      <a:pPr algn="r" fontAlgn="b"/>
+                      <a:pPr algn="ctr" fontAlgn="b"/>
                       <a:r>
                         <a:rPr lang="en-US" sz="2000" b="0" i="0" u="none" strike="noStrike">
                           <a:solidFill>
@@ -11671,7 +11759,7 @@
                     <a:bodyPr/>
                     <a:lstStyle/>
                     <a:p>
-                      <a:pPr algn="r" fontAlgn="b"/>
+                      <a:pPr algn="ctr" fontAlgn="b"/>
                       <a:r>
                         <a:rPr lang="en-US" sz="2000" b="0" i="0" u="none" strike="noStrike">
                           <a:solidFill>
@@ -11728,9 +11816,9 @@
                     <a:bodyPr/>
                     <a:lstStyle/>
                     <a:p>
-                      <a:pPr algn="r" fontAlgn="b"/>
+                      <a:pPr algn="ctr" fontAlgn="b"/>
                       <a:r>
-                        <a:rPr lang="en-US" sz="2000" b="0" i="0" u="none" strike="noStrike">
+                        <a:rPr lang="en-US" sz="2000" b="0" i="0" u="none" strike="noStrike" dirty="0">
                           <a:solidFill>
                             <a:srgbClr val="000000"/>
                           </a:solidFill>
@@ -11785,7 +11873,7 @@
                     <a:bodyPr/>
                     <a:lstStyle/>
                     <a:p>
-                      <a:pPr algn="r" fontAlgn="b"/>
+                      <a:pPr algn="ctr" fontAlgn="b"/>
                       <a:r>
                         <a:rPr lang="en-US" sz="2000" b="0" i="0" u="none" strike="noStrike" dirty="0">
                           <a:solidFill>
@@ -11960,7 +12048,7 @@
                     <a:bodyPr/>
                     <a:lstStyle/>
                     <a:p>
-                      <a:pPr algn="r" fontAlgn="b"/>
+                      <a:pPr algn="ctr" fontAlgn="b"/>
                       <a:r>
                         <a:rPr lang="en-US" sz="2000" b="0" i="0" u="none" strike="noStrike">
                           <a:solidFill>
@@ -12017,7 +12105,7 @@
                     <a:bodyPr/>
                     <a:lstStyle/>
                     <a:p>
-                      <a:pPr algn="r" fontAlgn="b"/>
+                      <a:pPr algn="ctr" fontAlgn="b"/>
                       <a:r>
                         <a:rPr lang="en-US" sz="2000" b="0" i="0" u="none" strike="noStrike">
                           <a:solidFill>
@@ -12074,9 +12162,9 @@
                     <a:bodyPr/>
                     <a:lstStyle/>
                     <a:p>
-                      <a:pPr algn="r" fontAlgn="b"/>
+                      <a:pPr algn="ctr" fontAlgn="b"/>
                       <a:r>
-                        <a:rPr lang="en-US" sz="2000" b="0" i="0" u="none" strike="noStrike">
+                        <a:rPr lang="en-US" sz="2000" b="0" i="0" u="none" strike="noStrike" dirty="0">
                           <a:solidFill>
                             <a:srgbClr val="000000"/>
                           </a:solidFill>
@@ -12131,7 +12219,7 @@
                     <a:bodyPr/>
                     <a:lstStyle/>
                     <a:p>
-                      <a:pPr algn="r" fontAlgn="b"/>
+                      <a:pPr algn="ctr" fontAlgn="b"/>
                       <a:r>
                         <a:rPr lang="en-US" sz="2000" b="0" i="0" u="none" strike="noStrike" dirty="0">
                           <a:solidFill>
@@ -12306,7 +12394,7 @@
                     <a:bodyPr/>
                     <a:lstStyle/>
                     <a:p>
-                      <a:pPr algn="r" fontAlgn="b"/>
+                      <a:pPr algn="ctr" fontAlgn="b"/>
                       <a:r>
                         <a:rPr lang="en-US" sz="2000" b="0" i="0" u="none" strike="noStrike">
                           <a:solidFill>
@@ -12363,7 +12451,7 @@
                     <a:bodyPr/>
                     <a:lstStyle/>
                     <a:p>
-                      <a:pPr algn="r" fontAlgn="b"/>
+                      <a:pPr algn="ctr" fontAlgn="b"/>
                       <a:r>
                         <a:rPr lang="en-US" sz="2000" b="0" i="0" u="none" strike="noStrike">
                           <a:solidFill>
@@ -12420,7 +12508,7 @@
                     <a:bodyPr/>
                     <a:lstStyle/>
                     <a:p>
-                      <a:pPr algn="r" fontAlgn="b"/>
+                      <a:pPr algn="ctr" fontAlgn="b"/>
                       <a:r>
                         <a:rPr lang="en-US" sz="2000" b="0" i="0" u="none" strike="noStrike">
                           <a:solidFill>
@@ -12477,7 +12565,7 @@
                     <a:bodyPr/>
                     <a:lstStyle/>
                     <a:p>
-                      <a:pPr algn="r" fontAlgn="b"/>
+                      <a:pPr algn="ctr" fontAlgn="b"/>
                       <a:r>
                         <a:rPr lang="en-US" sz="2000" b="0" i="0" u="none" strike="noStrike" dirty="0">
                           <a:solidFill>
@@ -12652,7 +12740,7 @@
                     <a:bodyPr/>
                     <a:lstStyle/>
                     <a:p>
-                      <a:pPr algn="r" fontAlgn="b"/>
+                      <a:pPr algn="ctr" fontAlgn="b"/>
                       <a:r>
                         <a:rPr lang="en-US" sz="2000" b="0" i="0" u="none" strike="noStrike">
                           <a:solidFill>
@@ -12709,7 +12797,7 @@
                     <a:bodyPr/>
                     <a:lstStyle/>
                     <a:p>
-                      <a:pPr algn="r" fontAlgn="b"/>
+                      <a:pPr algn="ctr" fontAlgn="b"/>
                       <a:r>
                         <a:rPr lang="en-US" sz="2000" b="0" i="0" u="none" strike="noStrike">
                           <a:solidFill>
@@ -12766,7 +12854,7 @@
                     <a:bodyPr/>
                     <a:lstStyle/>
                     <a:p>
-                      <a:pPr algn="r" fontAlgn="b"/>
+                      <a:pPr algn="ctr" fontAlgn="b"/>
                       <a:r>
                         <a:rPr lang="en-US" sz="2000" b="0" i="0" u="none" strike="noStrike">
                           <a:solidFill>
@@ -12823,7 +12911,7 @@
                     <a:bodyPr/>
                     <a:lstStyle/>
                     <a:p>
-                      <a:pPr algn="r" fontAlgn="b"/>
+                      <a:pPr algn="ctr" fontAlgn="b"/>
                       <a:r>
                         <a:rPr lang="en-US" sz="2000" b="0" i="0" u="none" strike="noStrike" dirty="0">
                           <a:solidFill>
@@ -13347,7 +13435,7 @@
             <p:ph idx="1"/>
             <p:extLst>
               <p:ext uri="{D42A27DB-BD31-4B8C-83A1-F6EECF244321}">
-                <p14:modId xmlns:p14="http://schemas.microsoft.com/office/powerpoint/2010/main" val="2274979991"/>
+                <p14:modId xmlns:p14="http://schemas.microsoft.com/office/powerpoint/2010/main" val="2159653706"/>
               </p:ext>
             </p:extLst>
           </p:nvPr>
@@ -13488,9 +13576,9 @@
                     <a:bodyPr/>
                     <a:lstStyle/>
                     <a:p>
-                      <a:pPr algn="l" fontAlgn="b"/>
+                      <a:pPr algn="ctr" fontAlgn="b"/>
                       <a:r>
-                        <a:rPr lang="en-US" sz="2000" b="0" i="0" u="none" strike="noStrike">
+                        <a:rPr lang="en-US" sz="2000" b="0" i="0" u="none" strike="noStrike" dirty="0" err="1">
                           <a:solidFill>
                             <a:srgbClr val="000000"/>
                           </a:solidFill>
@@ -13499,6 +13587,13 @@
                         </a:rPr>
                         <a:t>ptID</a:t>
                       </a:r>
+                      <a:endParaRPr lang="en-US" sz="2000" b="0" i="0" u="none" strike="noStrike" dirty="0">
+                        <a:solidFill>
+                          <a:srgbClr val="000000"/>
+                        </a:solidFill>
+                        <a:effectLst/>
+                        <a:latin typeface="Calibri" panose="020F0502020204030204" pitchFamily="34" charset="0"/>
+                      </a:endParaRPr>
                     </a:p>
                   </a:txBody>
                   <a:tcPr marL="9525" marR="9525" marT="9525" marB="0" anchor="b">
@@ -13545,9 +13640,9 @@
                     <a:bodyPr/>
                     <a:lstStyle/>
                     <a:p>
-                      <a:pPr algn="l" fontAlgn="b"/>
+                      <a:pPr algn="ctr" fontAlgn="b"/>
                       <a:r>
-                        <a:rPr lang="en-US" sz="2000" b="0" i="0" u="none" strike="noStrike">
+                        <a:rPr lang="en-US" sz="2000" b="0" i="0" u="none" strike="noStrike" dirty="0">
                           <a:solidFill>
                             <a:srgbClr val="000000"/>
                           </a:solidFill>
@@ -13602,9 +13697,9 @@
                     <a:bodyPr/>
                     <a:lstStyle/>
                     <a:p>
-                      <a:pPr algn="l" fontAlgn="b"/>
+                      <a:pPr algn="ctr" fontAlgn="b"/>
                       <a:r>
-                        <a:rPr lang="en-US" sz="2000" b="0" i="0" u="none" strike="noStrike">
+                        <a:rPr lang="en-US" sz="2000" b="0" i="0" u="none" strike="noStrike" dirty="0" err="1">
                           <a:solidFill>
                             <a:srgbClr val="000000"/>
                           </a:solidFill>
@@ -13613,6 +13708,13 @@
                         </a:rPr>
                         <a:t>age_dys</a:t>
                       </a:r>
+                      <a:endParaRPr lang="en-US" sz="2000" b="0" i="0" u="none" strike="noStrike" dirty="0">
+                        <a:solidFill>
+                          <a:srgbClr val="000000"/>
+                        </a:solidFill>
+                        <a:effectLst/>
+                        <a:latin typeface="Calibri" panose="020F0502020204030204" pitchFamily="34" charset="0"/>
+                      </a:endParaRPr>
                     </a:p>
                   </a:txBody>
                   <a:tcPr marL="9525" marR="9525" marT="9525" marB="0" anchor="b">
@@ -13659,9 +13761,9 @@
                     <a:bodyPr/>
                     <a:lstStyle/>
                     <a:p>
-                      <a:pPr algn="l" fontAlgn="b"/>
+                      <a:pPr algn="ctr" fontAlgn="b"/>
                       <a:r>
-                        <a:rPr lang="en-US" sz="2000" b="0" i="0" u="none" strike="noStrike">
+                        <a:rPr lang="en-US" sz="2000" b="0" i="0" u="none" strike="noStrike" dirty="0">
                           <a:solidFill>
                             <a:srgbClr val="000000"/>
                           </a:solidFill>
@@ -13716,7 +13818,7 @@
                     <a:bodyPr/>
                     <a:lstStyle/>
                     <a:p>
-                      <a:pPr algn="l" fontAlgn="b"/>
+                      <a:pPr algn="ctr" fontAlgn="b"/>
                       <a:r>
                         <a:rPr lang="en-US" sz="2000" b="0" i="0" u="none" strike="noStrike">
                           <a:solidFill>
@@ -13773,7 +13875,7 @@
                     <a:bodyPr/>
                     <a:lstStyle/>
                     <a:p>
-                      <a:pPr algn="l" fontAlgn="b"/>
+                      <a:pPr algn="ctr" fontAlgn="b"/>
                       <a:r>
                         <a:rPr lang="en-US" sz="2000" b="0" i="0" u="none" strike="noStrike">
                           <a:solidFill>
@@ -13830,7 +13932,7 @@
                     <a:bodyPr/>
                     <a:lstStyle/>
                     <a:p>
-                      <a:pPr algn="l" fontAlgn="b"/>
+                      <a:pPr algn="ctr" fontAlgn="b"/>
                       <a:r>
                         <a:rPr lang="en-US" sz="2000" b="0" i="0" u="none" strike="noStrike" dirty="0">
                           <a:solidFill>
@@ -13887,7 +13989,7 @@
                     <a:bodyPr/>
                     <a:lstStyle/>
                     <a:p>
-                      <a:pPr algn="l" fontAlgn="b"/>
+                      <a:pPr algn="ctr" fontAlgn="b"/>
                       <a:r>
                         <a:rPr lang="en-US" sz="2000" b="0" i="0" u="none" strike="noStrike">
                           <a:solidFill>
@@ -14008,7 +14110,7 @@
                     <a:bodyPr/>
                     <a:lstStyle/>
                     <a:p>
-                      <a:pPr algn="l" fontAlgn="b"/>
+                      <a:pPr algn="ctr" fontAlgn="b"/>
                       <a:r>
                         <a:rPr lang="en-US" sz="2000" b="0" i="0" u="none" strike="noStrike">
                           <a:solidFill>
@@ -14065,7 +14167,7 @@
                     <a:bodyPr/>
                     <a:lstStyle/>
                     <a:p>
-                      <a:pPr algn="l" fontAlgn="b"/>
+                      <a:pPr algn="ctr" fontAlgn="b"/>
                       <a:r>
                         <a:rPr lang="en-US" sz="2000" b="0" i="0" u="none" strike="noStrike" dirty="0">
                           <a:solidFill>
@@ -14122,7 +14224,7 @@
                     <a:bodyPr/>
                     <a:lstStyle/>
                     <a:p>
-                      <a:pPr algn="r" fontAlgn="b"/>
+                      <a:pPr algn="ctr" fontAlgn="b"/>
                       <a:r>
                         <a:rPr lang="en-US" sz="2000" b="0" i="0" u="none" strike="noStrike">
                           <a:solidFill>
@@ -14179,7 +14281,7 @@
                     <a:bodyPr/>
                     <a:lstStyle/>
                     <a:p>
-                      <a:pPr algn="l" fontAlgn="b"/>
+                      <a:pPr algn="ctr" fontAlgn="b"/>
                       <a:r>
                         <a:rPr lang="en-US" sz="2000" b="0" i="0" u="none" strike="noStrike">
                           <a:solidFill>
@@ -14236,9 +14338,9 @@
                     <a:bodyPr/>
                     <a:lstStyle/>
                     <a:p>
-                      <a:pPr algn="l" fontAlgn="b"/>
+                      <a:pPr algn="ctr" fontAlgn="b"/>
                       <a:r>
-                        <a:rPr lang="en-US" sz="2000" b="0" i="0" u="none" strike="noStrike">
+                        <a:rPr lang="en-US" sz="2000" b="0" i="0" u="none" strike="noStrike" dirty="0">
                           <a:solidFill>
                             <a:srgbClr val="000000"/>
                           </a:solidFill>
@@ -14407,7 +14509,7 @@
                     <a:bodyPr/>
                     <a:lstStyle/>
                     <a:p>
-                      <a:pPr algn="r" fontAlgn="b"/>
+                      <a:pPr algn="ctr" fontAlgn="b"/>
                       <a:r>
                         <a:rPr lang="en-US" sz="2000" b="0" i="0" u="none" strike="noStrike">
                           <a:solidFill>
@@ -14528,7 +14630,7 @@
                     <a:bodyPr/>
                     <a:lstStyle/>
                     <a:p>
-                      <a:pPr algn="l" fontAlgn="b"/>
+                      <a:pPr algn="ctr" fontAlgn="b"/>
                       <a:r>
                         <a:rPr lang="en-US" sz="2000" b="0" i="0" u="none" strike="noStrike">
                           <a:solidFill>
@@ -14538,234 +14640,6 @@
                           <a:latin typeface="Calibri" panose="020F0502020204030204" pitchFamily="34" charset="0"/>
                         </a:rPr>
                         <a:t>pt01</a:t>
-                      </a:r>
-                    </a:p>
-                  </a:txBody>
-                  <a:tcPr marL="9525" marR="9525" marT="9525" marB="0" anchor="b">
-                    <a:lnL w="12700" cap="flat" cmpd="sng" algn="ctr">
-                      <a:solidFill>
-                        <a:schemeClr val="tx1"/>
-                      </a:solidFill>
-                      <a:prstDash val="solid"/>
-                      <a:round/>
-                      <a:headEnd type="none" w="med" len="med"/>
-                      <a:tailEnd type="none" w="med" len="med"/>
-                    </a:lnL>
-                    <a:lnR w="12700" cap="flat" cmpd="sng" algn="ctr">
-                      <a:solidFill>
-                        <a:schemeClr val="tx1"/>
-                      </a:solidFill>
-                      <a:prstDash val="solid"/>
-                      <a:round/>
-                      <a:headEnd type="none" w="med" len="med"/>
-                      <a:tailEnd type="none" w="med" len="med"/>
-                    </a:lnR>
-                    <a:lnT w="12700" cap="flat" cmpd="sng" algn="ctr">
-                      <a:solidFill>
-                        <a:schemeClr val="tx1"/>
-                      </a:solidFill>
-                      <a:prstDash val="solid"/>
-                      <a:round/>
-                      <a:headEnd type="none" w="med" len="med"/>
-                      <a:tailEnd type="none" w="med" len="med"/>
-                    </a:lnT>
-                    <a:lnB w="12700" cap="flat" cmpd="sng" algn="ctr">
-                      <a:solidFill>
-                        <a:schemeClr val="tx1"/>
-                      </a:solidFill>
-                      <a:prstDash val="solid"/>
-                      <a:round/>
-                      <a:headEnd type="none" w="med" len="med"/>
-                      <a:tailEnd type="none" w="med" len="med"/>
-                    </a:lnB>
-                  </a:tcPr>
-                </a:tc>
-                <a:tc>
-                  <a:txBody>
-                    <a:bodyPr/>
-                    <a:lstStyle/>
-                    <a:p>
-                      <a:pPr algn="l" fontAlgn="b"/>
-                      <a:r>
-                        <a:rPr lang="en-US" sz="2000" b="0" i="0" u="none" strike="noStrike">
-                          <a:solidFill>
-                            <a:srgbClr val="000000"/>
-                          </a:solidFill>
-                          <a:effectLst/>
-                          <a:latin typeface="Calibri" panose="020F0502020204030204" pitchFamily="34" charset="0"/>
-                        </a:rPr>
-                        <a:t>Mtb</a:t>
-                      </a:r>
-                    </a:p>
-                  </a:txBody>
-                  <a:tcPr marL="9525" marR="9525" marT="9525" marB="0" anchor="b">
-                    <a:lnL w="12700" cap="flat" cmpd="sng" algn="ctr">
-                      <a:solidFill>
-                        <a:schemeClr val="tx1"/>
-                      </a:solidFill>
-                      <a:prstDash val="solid"/>
-                      <a:round/>
-                      <a:headEnd type="none" w="med" len="med"/>
-                      <a:tailEnd type="none" w="med" len="med"/>
-                    </a:lnL>
-                    <a:lnR w="12700" cap="flat" cmpd="sng" algn="ctr">
-                      <a:solidFill>
-                        <a:schemeClr val="tx1"/>
-                      </a:solidFill>
-                      <a:prstDash val="solid"/>
-                      <a:round/>
-                      <a:headEnd type="none" w="med" len="med"/>
-                      <a:tailEnd type="none" w="med" len="med"/>
-                    </a:lnR>
-                    <a:lnT w="12700" cap="flat" cmpd="sng" algn="ctr">
-                      <a:solidFill>
-                        <a:schemeClr val="tx1"/>
-                      </a:solidFill>
-                      <a:prstDash val="solid"/>
-                      <a:round/>
-                      <a:headEnd type="none" w="med" len="med"/>
-                      <a:tailEnd type="none" w="med" len="med"/>
-                    </a:lnT>
-                    <a:lnB w="12700" cap="flat" cmpd="sng" algn="ctr">
-                      <a:solidFill>
-                        <a:schemeClr val="tx1"/>
-                      </a:solidFill>
-                      <a:prstDash val="solid"/>
-                      <a:round/>
-                      <a:headEnd type="none" w="med" len="med"/>
-                      <a:tailEnd type="none" w="med" len="med"/>
-                    </a:lnB>
-                  </a:tcPr>
-                </a:tc>
-                <a:tc>
-                  <a:txBody>
-                    <a:bodyPr/>
-                    <a:lstStyle/>
-                    <a:p>
-                      <a:pPr algn="r" fontAlgn="b"/>
-                      <a:r>
-                        <a:rPr lang="en-US" sz="2000" b="0" i="0" u="none" strike="noStrike">
-                          <a:solidFill>
-                            <a:srgbClr val="000000"/>
-                          </a:solidFill>
-                          <a:effectLst/>
-                          <a:latin typeface="Calibri" panose="020F0502020204030204" pitchFamily="34" charset="0"/>
-                        </a:rPr>
-                        <a:t>12410</a:t>
-                      </a:r>
-                    </a:p>
-                  </a:txBody>
-                  <a:tcPr marL="9525" marR="9525" marT="9525" marB="0" anchor="b">
-                    <a:lnL w="12700" cap="flat" cmpd="sng" algn="ctr">
-                      <a:solidFill>
-                        <a:schemeClr val="tx1"/>
-                      </a:solidFill>
-                      <a:prstDash val="solid"/>
-                      <a:round/>
-                      <a:headEnd type="none" w="med" len="med"/>
-                      <a:tailEnd type="none" w="med" len="med"/>
-                    </a:lnL>
-                    <a:lnR w="12700" cap="flat" cmpd="sng" algn="ctr">
-                      <a:solidFill>
-                        <a:schemeClr val="tx1"/>
-                      </a:solidFill>
-                      <a:prstDash val="solid"/>
-                      <a:round/>
-                      <a:headEnd type="none" w="med" len="med"/>
-                      <a:tailEnd type="none" w="med" len="med"/>
-                    </a:lnR>
-                    <a:lnT w="12700" cap="flat" cmpd="sng" algn="ctr">
-                      <a:solidFill>
-                        <a:schemeClr val="tx1"/>
-                      </a:solidFill>
-                      <a:prstDash val="solid"/>
-                      <a:round/>
-                      <a:headEnd type="none" w="med" len="med"/>
-                      <a:tailEnd type="none" w="med" len="med"/>
-                    </a:lnT>
-                    <a:lnB w="12700" cap="flat" cmpd="sng" algn="ctr">
-                      <a:solidFill>
-                        <a:schemeClr val="tx1"/>
-                      </a:solidFill>
-                      <a:prstDash val="solid"/>
-                      <a:round/>
-                      <a:headEnd type="none" w="med" len="med"/>
-                      <a:tailEnd type="none" w="med" len="med"/>
-                    </a:lnB>
-                  </a:tcPr>
-                </a:tc>
-                <a:tc>
-                  <a:txBody>
-                    <a:bodyPr/>
-                    <a:lstStyle/>
-                    <a:p>
-                      <a:pPr algn="l" fontAlgn="b"/>
-                      <a:r>
-                        <a:rPr lang="en-US" sz="2000" b="0" i="0" u="none" strike="noStrike">
-                          <a:solidFill>
-                            <a:srgbClr val="000000"/>
-                          </a:solidFill>
-                          <a:effectLst/>
-                          <a:latin typeface="Calibri" panose="020F0502020204030204" pitchFamily="34" charset="0"/>
-                        </a:rPr>
-                        <a:t>M</a:t>
-                      </a:r>
-                    </a:p>
-                  </a:txBody>
-                  <a:tcPr marL="9525" marR="9525" marT="9525" marB="0" anchor="b">
-                    <a:lnL w="12700" cap="flat" cmpd="sng" algn="ctr">
-                      <a:solidFill>
-                        <a:schemeClr val="tx1"/>
-                      </a:solidFill>
-                      <a:prstDash val="solid"/>
-                      <a:round/>
-                      <a:headEnd type="none" w="med" len="med"/>
-                      <a:tailEnd type="none" w="med" len="med"/>
-                    </a:lnL>
-                    <a:lnR w="12700" cap="flat" cmpd="sng" algn="ctr">
-                      <a:solidFill>
-                        <a:schemeClr val="tx1"/>
-                      </a:solidFill>
-                      <a:prstDash val="solid"/>
-                      <a:round/>
-                      <a:headEnd type="none" w="med" len="med"/>
-                      <a:tailEnd type="none" w="med" len="med"/>
-                    </a:lnR>
-                    <a:lnT w="12700" cap="flat" cmpd="sng" algn="ctr">
-                      <a:solidFill>
-                        <a:schemeClr val="tx1"/>
-                      </a:solidFill>
-                      <a:prstDash val="solid"/>
-                      <a:round/>
-                      <a:headEnd type="none" w="med" len="med"/>
-                      <a:tailEnd type="none" w="med" len="med"/>
-                    </a:lnT>
-                    <a:lnB w="12700" cap="flat" cmpd="sng" algn="ctr">
-                      <a:solidFill>
-                        <a:schemeClr val="tx1"/>
-                      </a:solidFill>
-                      <a:prstDash val="solid"/>
-                      <a:round/>
-                      <a:headEnd type="none" w="med" len="med"/>
-                      <a:tailEnd type="none" w="med" len="med"/>
-                    </a:lnB>
-                  </a:tcPr>
-                </a:tc>
-                <a:tc>
-                  <a:txBody>
-                    <a:bodyPr/>
-                    <a:lstStyle/>
-                    <a:p>
-                      <a:pPr algn="l" fontAlgn="b"/>
-                      <a:r>
-                        <a:rPr lang="en-US" sz="2000" b="0" i="0" u="none" strike="noStrike">
-                          <a:solidFill>
-                            <a:srgbClr val="000000"/>
-                          </a:solidFill>
-                          <a:effectLst/>
-                          <a:latin typeface="Calibri" panose="020F0502020204030204" pitchFamily="34" charset="0"/>
-                        </a:rPr>
-                        <a:t>pt00001</a:t>
                       </a:r>
                     </a:p>
                   </a:txBody>
@@ -14822,7 +14696,7 @@
                           <a:effectLst/>
                           <a:latin typeface="Calibri" panose="020F0502020204030204" pitchFamily="34" charset="0"/>
                         </a:rPr>
-                        <a:t>TRUE</a:t>
+                        <a:t>Mtb</a:t>
                       </a:r>
                     </a:p>
                   </a:txBody>
@@ -14879,7 +14753,7 @@
                           <a:effectLst/>
                           <a:latin typeface="Calibri" panose="020F0502020204030204" pitchFamily="34" charset="0"/>
                         </a:rPr>
-                        <a:t>FALSE</a:t>
+                        <a:t>12410</a:t>
                       </a:r>
                     </a:p>
                   </a:txBody>
@@ -14927,7 +14801,235 @@
                     <a:bodyPr/>
                     <a:lstStyle/>
                     <a:p>
-                      <a:pPr algn="r" fontAlgn="b"/>
+                      <a:pPr algn="ctr" fontAlgn="b"/>
+                      <a:r>
+                        <a:rPr lang="en-US" sz="2000" b="0" i="0" u="none" strike="noStrike">
+                          <a:solidFill>
+                            <a:srgbClr val="000000"/>
+                          </a:solidFill>
+                          <a:effectLst/>
+                          <a:latin typeface="Calibri" panose="020F0502020204030204" pitchFamily="34" charset="0"/>
+                        </a:rPr>
+                        <a:t>M</a:t>
+                      </a:r>
+                    </a:p>
+                  </a:txBody>
+                  <a:tcPr marL="9525" marR="9525" marT="9525" marB="0" anchor="b">
+                    <a:lnL w="12700" cap="flat" cmpd="sng" algn="ctr">
+                      <a:solidFill>
+                        <a:schemeClr val="tx1"/>
+                      </a:solidFill>
+                      <a:prstDash val="solid"/>
+                      <a:round/>
+                      <a:headEnd type="none" w="med" len="med"/>
+                      <a:tailEnd type="none" w="med" len="med"/>
+                    </a:lnL>
+                    <a:lnR w="12700" cap="flat" cmpd="sng" algn="ctr">
+                      <a:solidFill>
+                        <a:schemeClr val="tx1"/>
+                      </a:solidFill>
+                      <a:prstDash val="solid"/>
+                      <a:round/>
+                      <a:headEnd type="none" w="med" len="med"/>
+                      <a:tailEnd type="none" w="med" len="med"/>
+                    </a:lnR>
+                    <a:lnT w="12700" cap="flat" cmpd="sng" algn="ctr">
+                      <a:solidFill>
+                        <a:schemeClr val="tx1"/>
+                      </a:solidFill>
+                      <a:prstDash val="solid"/>
+                      <a:round/>
+                      <a:headEnd type="none" w="med" len="med"/>
+                      <a:tailEnd type="none" w="med" len="med"/>
+                    </a:lnT>
+                    <a:lnB w="12700" cap="flat" cmpd="sng" algn="ctr">
+                      <a:solidFill>
+                        <a:schemeClr val="tx1"/>
+                      </a:solidFill>
+                      <a:prstDash val="solid"/>
+                      <a:round/>
+                      <a:headEnd type="none" w="med" len="med"/>
+                      <a:tailEnd type="none" w="med" len="med"/>
+                    </a:lnB>
+                  </a:tcPr>
+                </a:tc>
+                <a:tc>
+                  <a:txBody>
+                    <a:bodyPr/>
+                    <a:lstStyle/>
+                    <a:p>
+                      <a:pPr algn="ctr" fontAlgn="b"/>
+                      <a:r>
+                        <a:rPr lang="en-US" sz="2000" b="0" i="0" u="none" strike="noStrike">
+                          <a:solidFill>
+                            <a:srgbClr val="000000"/>
+                          </a:solidFill>
+                          <a:effectLst/>
+                          <a:latin typeface="Calibri" panose="020F0502020204030204" pitchFamily="34" charset="0"/>
+                        </a:rPr>
+                        <a:t>pt00001</a:t>
+                      </a:r>
+                    </a:p>
+                  </a:txBody>
+                  <a:tcPr marL="9525" marR="9525" marT="9525" marB="0" anchor="b">
+                    <a:lnL w="12700" cap="flat" cmpd="sng" algn="ctr">
+                      <a:solidFill>
+                        <a:schemeClr val="tx1"/>
+                      </a:solidFill>
+                      <a:prstDash val="solid"/>
+                      <a:round/>
+                      <a:headEnd type="none" w="med" len="med"/>
+                      <a:tailEnd type="none" w="med" len="med"/>
+                    </a:lnL>
+                    <a:lnR w="12700" cap="flat" cmpd="sng" algn="ctr">
+                      <a:solidFill>
+                        <a:schemeClr val="tx1"/>
+                      </a:solidFill>
+                      <a:prstDash val="solid"/>
+                      <a:round/>
+                      <a:headEnd type="none" w="med" len="med"/>
+                      <a:tailEnd type="none" w="med" len="med"/>
+                    </a:lnR>
+                    <a:lnT w="12700" cap="flat" cmpd="sng" algn="ctr">
+                      <a:solidFill>
+                        <a:schemeClr val="tx1"/>
+                      </a:solidFill>
+                      <a:prstDash val="solid"/>
+                      <a:round/>
+                      <a:headEnd type="none" w="med" len="med"/>
+                      <a:tailEnd type="none" w="med" len="med"/>
+                    </a:lnT>
+                    <a:lnB w="12700" cap="flat" cmpd="sng" algn="ctr">
+                      <a:solidFill>
+                        <a:schemeClr val="tx1"/>
+                      </a:solidFill>
+                      <a:prstDash val="solid"/>
+                      <a:round/>
+                      <a:headEnd type="none" w="med" len="med"/>
+                      <a:tailEnd type="none" w="med" len="med"/>
+                    </a:lnB>
+                  </a:tcPr>
+                </a:tc>
+                <a:tc>
+                  <a:txBody>
+                    <a:bodyPr/>
+                    <a:lstStyle/>
+                    <a:p>
+                      <a:pPr algn="ctr" fontAlgn="b"/>
+                      <a:r>
+                        <a:rPr lang="en-US" sz="2000" b="0" i="0" u="none" strike="noStrike" dirty="0">
+                          <a:solidFill>
+                            <a:srgbClr val="000000"/>
+                          </a:solidFill>
+                          <a:effectLst/>
+                          <a:latin typeface="Calibri" panose="020F0502020204030204" pitchFamily="34" charset="0"/>
+                        </a:rPr>
+                        <a:t>TRUE</a:t>
+                      </a:r>
+                    </a:p>
+                  </a:txBody>
+                  <a:tcPr marL="9525" marR="9525" marT="9525" marB="0" anchor="b">
+                    <a:lnL w="12700" cap="flat" cmpd="sng" algn="ctr">
+                      <a:solidFill>
+                        <a:schemeClr val="tx1"/>
+                      </a:solidFill>
+                      <a:prstDash val="solid"/>
+                      <a:round/>
+                      <a:headEnd type="none" w="med" len="med"/>
+                      <a:tailEnd type="none" w="med" len="med"/>
+                    </a:lnL>
+                    <a:lnR w="12700" cap="flat" cmpd="sng" algn="ctr">
+                      <a:solidFill>
+                        <a:schemeClr val="tx1"/>
+                      </a:solidFill>
+                      <a:prstDash val="solid"/>
+                      <a:round/>
+                      <a:headEnd type="none" w="med" len="med"/>
+                      <a:tailEnd type="none" w="med" len="med"/>
+                    </a:lnR>
+                    <a:lnT w="12700" cap="flat" cmpd="sng" algn="ctr">
+                      <a:solidFill>
+                        <a:schemeClr val="tx1"/>
+                      </a:solidFill>
+                      <a:prstDash val="solid"/>
+                      <a:round/>
+                      <a:headEnd type="none" w="med" len="med"/>
+                      <a:tailEnd type="none" w="med" len="med"/>
+                    </a:lnT>
+                    <a:lnB w="12700" cap="flat" cmpd="sng" algn="ctr">
+                      <a:solidFill>
+                        <a:schemeClr val="tx1"/>
+                      </a:solidFill>
+                      <a:prstDash val="solid"/>
+                      <a:round/>
+                      <a:headEnd type="none" w="med" len="med"/>
+                      <a:tailEnd type="none" w="med" len="med"/>
+                    </a:lnB>
+                  </a:tcPr>
+                </a:tc>
+                <a:tc>
+                  <a:txBody>
+                    <a:bodyPr/>
+                    <a:lstStyle/>
+                    <a:p>
+                      <a:pPr algn="ctr" fontAlgn="b"/>
+                      <a:r>
+                        <a:rPr lang="en-US" sz="2000" b="0" i="0" u="none" strike="noStrike" dirty="0">
+                          <a:solidFill>
+                            <a:srgbClr val="000000"/>
+                          </a:solidFill>
+                          <a:effectLst/>
+                          <a:latin typeface="Calibri" panose="020F0502020204030204" pitchFamily="34" charset="0"/>
+                        </a:rPr>
+                        <a:t>FALSE</a:t>
+                      </a:r>
+                    </a:p>
+                  </a:txBody>
+                  <a:tcPr marL="9525" marR="9525" marT="9525" marB="0" anchor="b">
+                    <a:lnL w="12700" cap="flat" cmpd="sng" algn="ctr">
+                      <a:solidFill>
+                        <a:schemeClr val="tx1"/>
+                      </a:solidFill>
+                      <a:prstDash val="solid"/>
+                      <a:round/>
+                      <a:headEnd type="none" w="med" len="med"/>
+                      <a:tailEnd type="none" w="med" len="med"/>
+                    </a:lnL>
+                    <a:lnR w="12700" cap="flat" cmpd="sng" algn="ctr">
+                      <a:solidFill>
+                        <a:schemeClr val="tx1"/>
+                      </a:solidFill>
+                      <a:prstDash val="solid"/>
+                      <a:round/>
+                      <a:headEnd type="none" w="med" len="med"/>
+                      <a:tailEnd type="none" w="med" len="med"/>
+                    </a:lnR>
+                    <a:lnT w="12700" cap="flat" cmpd="sng" algn="ctr">
+                      <a:solidFill>
+                        <a:schemeClr val="tx1"/>
+                      </a:solidFill>
+                      <a:prstDash val="solid"/>
+                      <a:round/>
+                      <a:headEnd type="none" w="med" len="med"/>
+                      <a:tailEnd type="none" w="med" len="med"/>
+                    </a:lnT>
+                    <a:lnB w="12700" cap="flat" cmpd="sng" algn="ctr">
+                      <a:solidFill>
+                        <a:schemeClr val="tx1"/>
+                      </a:solidFill>
+                      <a:prstDash val="solid"/>
+                      <a:round/>
+                      <a:headEnd type="none" w="med" len="med"/>
+                      <a:tailEnd type="none" w="med" len="med"/>
+                    </a:lnB>
+                  </a:tcPr>
+                </a:tc>
+                <a:tc>
+                  <a:txBody>
+                    <a:bodyPr/>
+                    <a:lstStyle/>
+                    <a:p>
+                      <a:pPr algn="ctr" fontAlgn="b"/>
                       <a:r>
                         <a:rPr lang="en-US" sz="2000" b="0" i="0" u="none" strike="noStrike">
                           <a:solidFill>
@@ -15048,7 +15150,7 @@
                     <a:bodyPr/>
                     <a:lstStyle/>
                     <a:p>
-                      <a:pPr algn="l" fontAlgn="b"/>
+                      <a:pPr algn="ctr" fontAlgn="b"/>
                       <a:r>
                         <a:rPr lang="en-US" sz="2000" b="0" i="0" u="none" strike="noStrike">
                           <a:solidFill>
@@ -15105,7 +15207,7 @@
                     <a:bodyPr/>
                     <a:lstStyle/>
                     <a:p>
-                      <a:pPr algn="l" fontAlgn="b"/>
+                      <a:pPr algn="ctr" fontAlgn="b"/>
                       <a:r>
                         <a:rPr lang="en-US" sz="2000" b="0" i="0" u="none" strike="noStrike">
                           <a:solidFill>
@@ -15162,7 +15264,7 @@
                     <a:bodyPr/>
                     <a:lstStyle/>
                     <a:p>
-                      <a:pPr algn="r" fontAlgn="b"/>
+                      <a:pPr algn="ctr" fontAlgn="b"/>
                       <a:r>
                         <a:rPr lang="en-US" sz="2000" b="0" i="0" u="none" strike="noStrike">
                           <a:solidFill>
@@ -15219,7 +15321,7 @@
                     <a:bodyPr/>
                     <a:lstStyle/>
                     <a:p>
-                      <a:pPr algn="l" fontAlgn="b"/>
+                      <a:pPr algn="ctr" fontAlgn="b"/>
                       <a:r>
                         <a:rPr lang="en-US" sz="2000" b="0" i="0" u="none" strike="noStrike">
                           <a:solidFill>
@@ -15276,7 +15378,7 @@
                     <a:bodyPr/>
                     <a:lstStyle/>
                     <a:p>
-                      <a:pPr algn="l" fontAlgn="b"/>
+                      <a:pPr algn="ctr" fontAlgn="b"/>
                       <a:r>
                         <a:rPr lang="en-US" sz="2000" b="0" i="0" u="none" strike="noStrike">
                           <a:solidFill>
@@ -15392,7 +15494,7 @@
                     <a:p>
                       <a:pPr algn="ctr" fontAlgn="b"/>
                       <a:r>
-                        <a:rPr lang="en-US" sz="2000" b="0" i="0" u="none" strike="noStrike">
+                        <a:rPr lang="en-US" sz="2000" b="0" i="0" u="none" strike="noStrike" dirty="0">
                           <a:solidFill>
                             <a:srgbClr val="000000"/>
                           </a:solidFill>
@@ -15447,9 +15549,9 @@
                     <a:bodyPr/>
                     <a:lstStyle/>
                     <a:p>
-                      <a:pPr algn="r" fontAlgn="b"/>
+                      <a:pPr algn="ctr" fontAlgn="b"/>
                       <a:r>
-                        <a:rPr lang="en-US" sz="2000" b="0" i="0" u="none" strike="noStrike">
+                        <a:rPr lang="en-US" sz="2000" b="0" i="0" u="none" strike="noStrike" dirty="0">
                           <a:solidFill>
                             <a:srgbClr val="000000"/>
                           </a:solidFill>
@@ -15568,7 +15670,7 @@
                     <a:bodyPr/>
                     <a:lstStyle/>
                     <a:p>
-                      <a:pPr algn="l" fontAlgn="b"/>
+                      <a:pPr algn="ctr" fontAlgn="b"/>
                       <a:r>
                         <a:rPr lang="en-US" sz="2000" b="0" i="0" u="none" strike="noStrike">
                           <a:solidFill>
@@ -15625,7 +15727,7 @@
                     <a:bodyPr/>
                     <a:lstStyle/>
                     <a:p>
-                      <a:pPr algn="l" fontAlgn="b"/>
+                      <a:pPr algn="ctr" fontAlgn="b"/>
                       <a:r>
                         <a:rPr lang="en-US" sz="2000" b="0" i="0" u="none" strike="noStrike">
                           <a:solidFill>
@@ -15682,7 +15784,7 @@
                     <a:bodyPr/>
                     <a:lstStyle/>
                     <a:p>
-                      <a:pPr algn="r" fontAlgn="b"/>
+                      <a:pPr algn="ctr" fontAlgn="b"/>
                       <a:r>
                         <a:rPr lang="en-US" sz="2000" b="0" i="0" u="none" strike="noStrike">
                           <a:solidFill>
@@ -15739,7 +15841,7 @@
                     <a:bodyPr/>
                     <a:lstStyle/>
                     <a:p>
-                      <a:pPr algn="l" fontAlgn="b"/>
+                      <a:pPr algn="ctr" fontAlgn="b"/>
                       <a:r>
                         <a:rPr lang="en-US" sz="2000" b="0" i="0" u="none" strike="noStrike">
                           <a:solidFill>
@@ -15796,7 +15898,7 @@
                     <a:bodyPr/>
                     <a:lstStyle/>
                     <a:p>
-                      <a:pPr algn="l" fontAlgn="b"/>
+                      <a:pPr algn="ctr" fontAlgn="b"/>
                       <a:r>
                         <a:rPr lang="en-US" sz="2000" b="0" i="0" u="none" strike="noStrike">
                           <a:solidFill>
@@ -15967,7 +16069,7 @@
                     <a:bodyPr/>
                     <a:lstStyle/>
                     <a:p>
-                      <a:pPr algn="r" fontAlgn="b"/>
+                      <a:pPr algn="ctr" fontAlgn="b"/>
                       <a:r>
                         <a:rPr lang="en-US" sz="2000" b="0" i="0" u="none" strike="noStrike" dirty="0">
                           <a:solidFill>
@@ -16641,7 +16743,7 @@
             </a:r>
             <a:r>
               <a:rPr lang="en-US" i="1" dirty="0"/>
-              <a:t>, Holly Hartman PhD, Candace Williams PhD</a:t>
+              <a:t> MSc, Holly Hartman PhD, Candace Williams PhD</a:t>
             </a:r>
           </a:p>
         </p:txBody>
@@ -17215,7 +17317,7 @@
           <a:p>
             <a:r>
               <a:rPr lang="en-US" dirty="0"/>
-              <a:t>This workshop will be recorded and made publicly available on YouTube</a:t>
+              <a:t>This workshop will be recorded and made available on YouTube</a:t>
             </a:r>
           </a:p>
           <a:p>
@@ -17310,7 +17412,9 @@
           </a:xfrm>
         </p:spPr>
         <p:txBody>
-          <a:bodyPr/>
+          <a:bodyPr>
+            <a:normAutofit fontScale="92500" lnSpcReduction="10000"/>
+          </a:bodyPr>
           <a:lstStyle/>
           <a:p>
             <a:pPr marL="0" indent="0">
@@ -17322,23 +17426,34 @@
                   <a:srgbClr val="0070C0"/>
                 </a:solidFill>
               </a:rPr>
-              <a:t>https://github.com/BIGslu/2022_ASM_Microbe_RNAseq</a:t>
+              <a:t>https://</a:t>
             </a:r>
-          </a:p>
-          <a:p>
-            <a:pPr marL="0" indent="0">
-              <a:buNone/>
-            </a:pPr>
+            <a:r>
+              <a:rPr lang="en-US" dirty="0" err="1">
+                <a:solidFill>
+                  <a:srgbClr val="0070C0"/>
+                </a:solidFill>
+              </a:rPr>
+              <a:t>bigslu.github.io</a:t>
+            </a:r>
+            <a:r>
+              <a:rPr lang="en-US" dirty="0">
+                <a:solidFill>
+                  <a:srgbClr val="0070C0"/>
+                </a:solidFill>
+              </a:rPr>
+              <a:t>/workshops/2023.01.30_RNAseq.i4TB/2_linear_model_rnaseq.html</a:t>
+            </a:r>
             <a:endParaRPr lang="en-US" dirty="0"/>
           </a:p>
         </p:txBody>
       </p:sp>
       <p:pic>
         <p:nvPicPr>
-          <p:cNvPr id="5" name="Picture 4">
+          <p:cNvPr id="6" name="Picture 5" descr="Graphical user interface, text, application&#10;&#10;Description automatically generated">
             <a:extLst>
               <a:ext uri="{FF2B5EF4-FFF2-40B4-BE49-F238E27FC236}">
-                <a16:creationId xmlns:a16="http://schemas.microsoft.com/office/drawing/2014/main" id="{98A33A29-A849-E3BB-8055-17B00473AC2E}"/>
+                <a16:creationId xmlns:a16="http://schemas.microsoft.com/office/drawing/2014/main" id="{F06BAE3D-D925-E23A-494E-B4C6BECDEF0A}"/>
               </a:ext>
             </a:extLst>
           </p:cNvPr>
@@ -17355,8 +17470,8 @@
         </p:blipFill>
         <p:spPr>
           <a:xfrm>
-            <a:off x="2841136" y="2107475"/>
-            <a:ext cx="6636055" cy="4672149"/>
+            <a:off x="2768600" y="2395267"/>
+            <a:ext cx="6654800" cy="4097608"/>
           </a:xfrm>
           <a:prstGeom prst="rect">
             <a:avLst/>

--- a/2023.01.30_RNAseq.i4TB/welcome.pptx
+++ b/2023.01.30_RNAseq.i4TB/welcome.pptx
@@ -17,7 +17,6 @@
     <p:sldId id="265" r:id="rId11"/>
     <p:sldId id="273" r:id="rId12"/>
     <p:sldId id="266" r:id="rId13"/>
-    <p:sldId id="267" r:id="rId14"/>
   </p:sldIdLst>
   <p:sldSz cx="12192000" cy="6858000"/>
   <p:notesSz cx="6858000" cy="9144000"/>
@@ -1760,7 +1759,7 @@
         <a:p>
           <a:r>
             <a:rPr lang="en-US" sz="2400" dirty="0"/>
-            <a:t>Whole blood from individuals with latent tuberculosis infection (LTBI)</a:t>
+            <a:t>Whole blood</a:t>
           </a:r>
         </a:p>
       </dgm:t>
@@ -1809,12 +1808,8 @@
             <a:t>Media or </a:t>
           </a:r>
           <a:r>
-            <a:rPr lang="en-US" sz="2400" i="1" dirty="0"/>
-            <a:t>M. tuberculosis</a:t>
-          </a:r>
-          <a:r>
             <a:rPr lang="en-US" sz="2400" i="0" dirty="0"/>
-            <a:t> infection, 6 </a:t>
+            <a:t>RV infection, 24 </a:t>
           </a:r>
           <a:r>
             <a:rPr lang="en-US" sz="2400" i="0" dirty="0" err="1"/>
@@ -1911,8 +1906,13 @@
         <a:p>
           <a:r>
             <a:rPr lang="en-US" sz="2400" dirty="0"/>
-            <a:t>Isolate CD14+ monocytes from peripheral blood mononuclear cells (PBMC)</a:t>
+            <a:t>Isolate </a:t>
           </a:r>
+          <a:r>
+            <a:rPr lang="en-US" sz="2400" dirty="0" err="1"/>
+            <a:t>pDC</a:t>
+          </a:r>
+          <a:endParaRPr lang="en-US" sz="2400" dirty="0"/>
         </a:p>
       </dgm:t>
     </dgm:pt>
@@ -2391,8 +2391,8 @@
       </dsp:nvSpPr>
       <dsp:spPr>
         <a:xfrm>
-          <a:off x="0" y="60957"/>
-          <a:ext cx="5773130" cy="959676"/>
+          <a:off x="352437" y="58432"/>
+          <a:ext cx="5068256" cy="960614"/>
         </a:xfrm>
         <a:prstGeom prst="roundRect">
           <a:avLst>
@@ -2450,13 +2450,13 @@
           </a:pPr>
           <a:r>
             <a:rPr lang="en-US" sz="2400" kern="1200" dirty="0"/>
-            <a:t>Whole blood from individuals with latent tuberculosis infection (LTBI)</a:t>
+            <a:t>Whole blood</a:t>
           </a:r>
         </a:p>
       </dsp:txBody>
       <dsp:txXfrm>
-        <a:off x="28108" y="89065"/>
-        <a:ext cx="5716914" cy="903460"/>
+        <a:off x="380572" y="86567"/>
+        <a:ext cx="5011986" cy="904344"/>
       </dsp:txXfrm>
     </dsp:sp>
     <dsp:sp modelId="{7FB68BEF-8A9D-9B42-878E-2DFB41A5455E}">
@@ -2466,8 +2466,8 @@
       </dsp:nvSpPr>
       <dsp:spPr>
         <a:xfrm rot="5400000">
-          <a:off x="2706626" y="1044626"/>
-          <a:ext cx="359878" cy="431854"/>
+          <a:off x="2706450" y="1043062"/>
+          <a:ext cx="360230" cy="432276"/>
         </a:xfrm>
         <a:prstGeom prst="rightArrow">
           <a:avLst>
@@ -2519,8 +2519,8 @@
         </a:p>
       </dsp:txBody>
       <dsp:txXfrm rot="-5400000">
-        <a:off x="2757010" y="1080614"/>
-        <a:ext cx="259112" cy="251915"/>
+        <a:off x="2756883" y="1079085"/>
+        <a:ext cx="259366" cy="252161"/>
       </dsp:txXfrm>
     </dsp:sp>
     <dsp:sp modelId="{D2706FFE-C218-F44A-8320-C0C83D04A9F7}">
@@ -2530,8 +2530,8 @@
       </dsp:nvSpPr>
       <dsp:spPr>
         <a:xfrm>
-          <a:off x="0" y="1500472"/>
-          <a:ext cx="5773130" cy="959676"/>
+          <a:off x="352437" y="1499354"/>
+          <a:ext cx="5068256" cy="960614"/>
         </a:xfrm>
         <a:prstGeom prst="roundRect">
           <a:avLst>
@@ -2589,13 +2589,18 @@
           </a:pPr>
           <a:r>
             <a:rPr lang="en-US" sz="2400" kern="1200" dirty="0"/>
-            <a:t>Isolate CD14+ monocytes from peripheral blood mononuclear cells (PBMC)</a:t>
+            <a:t>Isolate </a:t>
           </a:r>
+          <a:r>
+            <a:rPr lang="en-US" sz="2400" kern="1200" dirty="0" err="1"/>
+            <a:t>pDC</a:t>
+          </a:r>
+          <a:endParaRPr lang="en-US" sz="2400" kern="1200" dirty="0"/>
         </a:p>
       </dsp:txBody>
       <dsp:txXfrm>
-        <a:off x="28108" y="1528580"/>
-        <a:ext cx="5716914" cy="903460"/>
+        <a:off x="380572" y="1527489"/>
+        <a:ext cx="5011986" cy="904344"/>
       </dsp:txXfrm>
     </dsp:sp>
     <dsp:sp modelId="{526D378B-F3BF-A341-9A61-B087BDA377D9}">
@@ -2605,8 +2610,8 @@
       </dsp:nvSpPr>
       <dsp:spPr>
         <a:xfrm rot="5400000">
-          <a:off x="2706626" y="2484140"/>
-          <a:ext cx="359878" cy="431854"/>
+          <a:off x="2706450" y="2483984"/>
+          <a:ext cx="360230" cy="432276"/>
         </a:xfrm>
         <a:prstGeom prst="rightArrow">
           <a:avLst>
@@ -2658,8 +2663,8 @@
         </a:p>
       </dsp:txBody>
       <dsp:txXfrm rot="-5400000">
-        <a:off x="2757010" y="2520128"/>
-        <a:ext cx="259112" cy="251915"/>
+        <a:off x="2756883" y="2520007"/>
+        <a:ext cx="259366" cy="252161"/>
       </dsp:txXfrm>
     </dsp:sp>
     <dsp:sp modelId="{EAA068BF-22E7-124E-8E2B-DF1EF6CBF3B6}">
@@ -2669,8 +2674,8 @@
       </dsp:nvSpPr>
       <dsp:spPr>
         <a:xfrm>
-          <a:off x="0" y="2939987"/>
-          <a:ext cx="5773130" cy="959676"/>
+          <a:off x="352437" y="2940276"/>
+          <a:ext cx="5068256" cy="960614"/>
         </a:xfrm>
         <a:prstGeom prst="roundRect">
           <a:avLst>
@@ -2731,12 +2736,8 @@
             <a:t>Media or </a:t>
           </a:r>
           <a:r>
-            <a:rPr lang="en-US" sz="2400" i="1" kern="1200" dirty="0"/>
-            <a:t>M. tuberculosis</a:t>
-          </a:r>
-          <a:r>
             <a:rPr lang="en-US" sz="2400" i="0" kern="1200" dirty="0"/>
-            <a:t> infection, 6 </a:t>
+            <a:t>RV infection, 24 </a:t>
           </a:r>
           <a:r>
             <a:rPr lang="en-US" sz="2400" i="0" kern="1200" dirty="0" err="1"/>
@@ -2746,8 +2747,8 @@
         </a:p>
       </dsp:txBody>
       <dsp:txXfrm>
-        <a:off x="28108" y="2968095"/>
-        <a:ext cx="5716914" cy="903460"/>
+        <a:off x="380572" y="2968411"/>
+        <a:ext cx="5011986" cy="904344"/>
       </dsp:txXfrm>
     </dsp:sp>
     <dsp:sp modelId="{13F2A4BE-8BD5-CF4D-A915-0DED42A45A53}">
@@ -2757,8 +2758,8 @@
       </dsp:nvSpPr>
       <dsp:spPr>
         <a:xfrm rot="5400000">
-          <a:off x="2725613" y="3898338"/>
-          <a:ext cx="321903" cy="431854"/>
+          <a:off x="2726425" y="3898272"/>
+          <a:ext cx="320279" cy="432276"/>
         </a:xfrm>
         <a:prstGeom prst="rightArrow">
           <a:avLst>
@@ -2810,8 +2811,8 @@
         </a:p>
       </dsp:txBody>
       <dsp:txXfrm rot="-5400000">
-        <a:off x="2757009" y="3953314"/>
-        <a:ext cx="259112" cy="225332"/>
+        <a:off x="2756882" y="3954270"/>
+        <a:ext cx="259366" cy="224195"/>
       </dsp:txXfrm>
     </dsp:sp>
     <dsp:sp modelId="{E12CAD89-5F83-DC44-8003-066AEDBACFC3}">
@@ -2821,8 +2822,8 @@
       </dsp:nvSpPr>
       <dsp:spPr>
         <a:xfrm>
-          <a:off x="0" y="4328868"/>
-          <a:ext cx="5773130" cy="959676"/>
+          <a:off x="352437" y="4327930"/>
+          <a:ext cx="5068256" cy="960614"/>
         </a:xfrm>
         <a:prstGeom prst="roundRect">
           <a:avLst>
@@ -2885,8 +2886,8 @@
         </a:p>
       </dsp:txBody>
       <dsp:txXfrm>
-        <a:off x="28108" y="4356976"/>
-        <a:ext cx="5716914" cy="903460"/>
+        <a:off x="380572" y="4356065"/>
+        <a:ext cx="5011986" cy="904344"/>
       </dsp:txXfrm>
     </dsp:sp>
   </dsp:spTree>
@@ -9066,8 +9067,8 @@
         </p:nvSpPr>
         <p:spPr>
           <a:xfrm>
-            <a:off x="838200" y="1491343"/>
-            <a:ext cx="10515600" cy="5001532"/>
+            <a:off x="838200" y="1766455"/>
+            <a:ext cx="10515600" cy="4726420"/>
           </a:xfrm>
         </p:spPr>
         <p:txBody>
@@ -9077,31 +9078,11 @@
           <a:lstStyle/>
           <a:p>
             <a:r>
-              <a:rPr lang="en-US" dirty="0"/>
-              <a:t>Download the data </a:t>
-            </a:r>
-            <a:r>
-              <a:rPr lang="en-US" dirty="0">
-                <a:solidFill>
-                  <a:srgbClr val="0070C0"/>
-                </a:solidFill>
-                <a:hlinkClick r:id="rId2"/>
-              </a:rPr>
-              <a:t>https://github.com/BIGslu/workshops/raw/main/2023.01.30_RNAseq.i4TB/data/dat_voom.RData</a:t>
-            </a:r>
-            <a:endParaRPr lang="en-US" dirty="0">
-              <a:solidFill>
-                <a:srgbClr val="0070C0"/>
-              </a:solidFill>
-            </a:endParaRPr>
-          </a:p>
-          <a:p>
-            <a:r>
-              <a:rPr lang="en-US" dirty="0"/>
+              <a:rPr lang="en-US" sz="3600" dirty="0"/>
               <a:t>Install R </a:t>
             </a:r>
             <a:r>
-              <a:rPr lang="en-US" dirty="0">
+              <a:rPr lang="en-US" sz="3600" dirty="0">
                 <a:solidFill>
                   <a:srgbClr val="0070C0"/>
                 </a:solidFill>
@@ -9111,11 +9092,11 @@
           </a:p>
           <a:p>
             <a:r>
-              <a:rPr lang="en-US" dirty="0"/>
+              <a:rPr lang="en-US" sz="3600" dirty="0"/>
               <a:t>Install RStudio </a:t>
             </a:r>
             <a:r>
-              <a:rPr lang="en-US" dirty="0">
+              <a:rPr lang="en-US" sz="3600" dirty="0">
                 <a:solidFill>
                   <a:srgbClr val="0070C0"/>
                 </a:solidFill>
@@ -9124,14 +9105,14 @@
             </a:r>
           </a:p>
           <a:p>
-            <a:endParaRPr lang="en-US" dirty="0"/>
-          </a:p>
-          <a:p>
-            <a:r>
-              <a:rPr lang="en-US" dirty="0"/>
+            <a:endParaRPr lang="en-US" sz="3600" dirty="0"/>
+          </a:p>
+          <a:p>
+            <a:r>
+              <a:rPr lang="en-US" sz="3600" dirty="0"/>
               <a:t>Install packages in RStudio console</a:t>
             </a:r>
-            <a:endParaRPr lang="en-US" sz="2000" dirty="0">
+            <a:endParaRPr lang="en-US" dirty="0">
               <a:latin typeface="Courier New" panose="02070309020205020404" pitchFamily="49" charset="0"/>
               <a:cs typeface="Courier New" panose="02070309020205020404" pitchFamily="49" charset="0"/>
             </a:endParaRPr>
@@ -9139,56 +9120,56 @@
           <a:p>
             <a:pPr lvl="1"/>
             <a:r>
-              <a:rPr lang="en-US" sz="1600" dirty="0" err="1">
+              <a:rPr lang="en-US" sz="2000" dirty="0" err="1">
                 <a:latin typeface="Courier New" panose="02070309020205020404" pitchFamily="49" charset="0"/>
                 <a:cs typeface="Courier New" panose="02070309020205020404" pitchFamily="49" charset="0"/>
               </a:rPr>
               <a:t>install.packages</a:t>
             </a:r>
             <a:r>
-              <a:rPr lang="en-US" sz="1600" dirty="0">
+              <a:rPr lang="en-US" sz="2000" dirty="0">
                 <a:latin typeface="Courier New" panose="02070309020205020404" pitchFamily="49" charset="0"/>
                 <a:cs typeface="Courier New" panose="02070309020205020404" pitchFamily="49" charset="0"/>
               </a:rPr>
               <a:t>(c("</a:t>
             </a:r>
             <a:r>
-              <a:rPr lang="en-US" sz="1600" dirty="0" err="1">
+              <a:rPr lang="en-US" sz="2000" dirty="0" err="1">
                 <a:latin typeface="Courier New" panose="02070309020205020404" pitchFamily="49" charset="0"/>
                 <a:cs typeface="Courier New" panose="02070309020205020404" pitchFamily="49" charset="0"/>
               </a:rPr>
               <a:t>tidyverse</a:t>
             </a:r>
             <a:r>
-              <a:rPr lang="en-US" sz="1600" dirty="0">
+              <a:rPr lang="en-US" sz="2000" dirty="0">
                 <a:latin typeface="Courier New" panose="02070309020205020404" pitchFamily="49" charset="0"/>
                 <a:cs typeface="Courier New" panose="02070309020205020404" pitchFamily="49" charset="0"/>
               </a:rPr>
               <a:t>”, "</a:t>
             </a:r>
             <a:r>
-              <a:rPr lang="en-US" sz="1600" dirty="0" err="1">
+              <a:rPr lang="en-US" sz="2000" dirty="0" err="1">
                 <a:latin typeface="Courier New" panose="02070309020205020404" pitchFamily="49" charset="0"/>
                 <a:cs typeface="Courier New" panose="02070309020205020404" pitchFamily="49" charset="0"/>
               </a:rPr>
               <a:t>BiocManager</a:t>
             </a:r>
             <a:r>
-              <a:rPr lang="en-US" sz="1600" dirty="0">
+              <a:rPr lang="en-US" sz="2000" dirty="0">
                 <a:latin typeface="Courier New" panose="02070309020205020404" pitchFamily="49" charset="0"/>
                 <a:cs typeface="Courier New" panose="02070309020205020404" pitchFamily="49" charset="0"/>
               </a:rPr>
               <a:t>”, "</a:t>
             </a:r>
             <a:r>
-              <a:rPr lang="en-US" sz="1600" dirty="0" err="1">
+              <a:rPr lang="en-US" sz="2000" dirty="0" err="1">
                 <a:latin typeface="Courier New" panose="02070309020205020404" pitchFamily="49" charset="0"/>
                 <a:cs typeface="Courier New" panose="02070309020205020404" pitchFamily="49" charset="0"/>
               </a:rPr>
               <a:t>devtools</a:t>
             </a:r>
             <a:r>
-              <a:rPr lang="en-US" sz="1600" dirty="0">
+              <a:rPr lang="en-US" sz="2000" dirty="0">
                 <a:latin typeface="Courier New" panose="02070309020205020404" pitchFamily="49" charset="0"/>
                 <a:cs typeface="Courier New" panose="02070309020205020404" pitchFamily="49" charset="0"/>
               </a:rPr>
@@ -9198,56 +9179,56 @@
           <a:p>
             <a:pPr lvl="1"/>
             <a:r>
-              <a:rPr lang="en-US" sz="1600" dirty="0" err="1">
+              <a:rPr lang="en-US" sz="2000" dirty="0" err="1">
                 <a:latin typeface="Courier New" panose="02070309020205020404" pitchFamily="49" charset="0"/>
                 <a:cs typeface="Courier New" panose="02070309020205020404" pitchFamily="49" charset="0"/>
               </a:rPr>
               <a:t>BiocManager</a:t>
             </a:r>
             <a:r>
-              <a:rPr lang="en-US" sz="1600" dirty="0">
+              <a:rPr lang="en-US" sz="2000" dirty="0">
                 <a:latin typeface="Courier New" panose="02070309020205020404" pitchFamily="49" charset="0"/>
                 <a:cs typeface="Courier New" panose="02070309020205020404" pitchFamily="49" charset="0"/>
               </a:rPr>
               <a:t>::install(c("</a:t>
             </a:r>
             <a:r>
-              <a:rPr lang="en-US" sz="1600" dirty="0" err="1">
+              <a:rPr lang="en-US" sz="2000" dirty="0" err="1">
                 <a:latin typeface="Courier New" panose="02070309020205020404" pitchFamily="49" charset="0"/>
                 <a:cs typeface="Courier New" panose="02070309020205020404" pitchFamily="49" charset="0"/>
               </a:rPr>
               <a:t>edgeR</a:t>
             </a:r>
             <a:r>
-              <a:rPr lang="en-US" sz="1600" dirty="0">
+              <a:rPr lang="en-US" sz="2000" dirty="0">
                 <a:latin typeface="Courier New" panose="02070309020205020404" pitchFamily="49" charset="0"/>
                 <a:cs typeface="Courier New" panose="02070309020205020404" pitchFamily="49" charset="0"/>
               </a:rPr>
               <a:t>", "</a:t>
             </a:r>
             <a:r>
-              <a:rPr lang="en-US" sz="1600" dirty="0" err="1">
+              <a:rPr lang="en-US" sz="2000" dirty="0" err="1">
                 <a:latin typeface="Courier New" panose="02070309020205020404" pitchFamily="49" charset="0"/>
                 <a:cs typeface="Courier New" panose="02070309020205020404" pitchFamily="49" charset="0"/>
               </a:rPr>
               <a:t>biomaRt</a:t>
             </a:r>
             <a:r>
-              <a:rPr lang="en-US" sz="1600" dirty="0">
+              <a:rPr lang="en-US" sz="2000" dirty="0">
                 <a:latin typeface="Courier New" panose="02070309020205020404" pitchFamily="49" charset="0"/>
                 <a:cs typeface="Courier New" panose="02070309020205020404" pitchFamily="49" charset="0"/>
               </a:rPr>
               <a:t>", "</a:t>
             </a:r>
             <a:r>
-              <a:rPr lang="en-US" sz="1600" dirty="0" err="1">
+              <a:rPr lang="en-US" sz="2000" dirty="0" err="1">
                 <a:latin typeface="Courier New" panose="02070309020205020404" pitchFamily="49" charset="0"/>
                 <a:cs typeface="Courier New" panose="02070309020205020404" pitchFamily="49" charset="0"/>
               </a:rPr>
               <a:t>limma</a:t>
             </a:r>
             <a:r>
-              <a:rPr lang="en-US" sz="1600" dirty="0">
+              <a:rPr lang="en-US" sz="2000" dirty="0">
                 <a:latin typeface="Courier New" panose="02070309020205020404" pitchFamily="49" charset="0"/>
                 <a:cs typeface="Courier New" panose="02070309020205020404" pitchFamily="49" charset="0"/>
               </a:rPr>
@@ -9257,56 +9238,56 @@
           <a:p>
             <a:pPr lvl="1"/>
             <a:r>
-              <a:rPr lang="en-US" sz="1600" dirty="0" err="1">
+              <a:rPr lang="en-US" sz="2000" dirty="0" err="1">
                 <a:latin typeface="Courier New" panose="02070309020205020404" pitchFamily="49" charset="0"/>
                 <a:cs typeface="Courier New" panose="02070309020205020404" pitchFamily="49" charset="0"/>
               </a:rPr>
               <a:t>devtools</a:t>
             </a:r>
             <a:r>
-              <a:rPr lang="en-US" sz="1600" dirty="0">
+              <a:rPr lang="en-US" sz="2000" dirty="0">
                 <a:latin typeface="Courier New" panose="02070309020205020404" pitchFamily="49" charset="0"/>
                 <a:cs typeface="Courier New" panose="02070309020205020404" pitchFamily="49" charset="0"/>
               </a:rPr>
               <a:t>::</a:t>
             </a:r>
             <a:r>
-              <a:rPr lang="en-US" sz="1600" dirty="0" err="1">
+              <a:rPr lang="en-US" sz="2000" dirty="0" err="1">
                 <a:latin typeface="Courier New" panose="02070309020205020404" pitchFamily="49" charset="0"/>
                 <a:cs typeface="Courier New" panose="02070309020205020404" pitchFamily="49" charset="0"/>
               </a:rPr>
               <a:t>install_github</a:t>
             </a:r>
             <a:r>
-              <a:rPr lang="en-US" sz="1600" dirty="0">
+              <a:rPr lang="en-US" sz="2000" dirty="0">
                 <a:latin typeface="Courier New" panose="02070309020205020404" pitchFamily="49" charset="0"/>
                 <a:cs typeface="Courier New" panose="02070309020205020404" pitchFamily="49" charset="0"/>
               </a:rPr>
               <a:t>("</a:t>
             </a:r>
             <a:r>
-              <a:rPr lang="en-US" sz="1600" dirty="0" err="1">
+              <a:rPr lang="en-US" sz="2000" dirty="0" err="1">
                 <a:latin typeface="Courier New" panose="02070309020205020404" pitchFamily="49" charset="0"/>
                 <a:cs typeface="Courier New" panose="02070309020205020404" pitchFamily="49" charset="0"/>
               </a:rPr>
               <a:t>BIGslu</a:t>
             </a:r>
             <a:r>
-              <a:rPr lang="en-US" sz="1600" dirty="0">
+              <a:rPr lang="en-US" sz="2000" dirty="0">
                 <a:latin typeface="Courier New" panose="02070309020205020404" pitchFamily="49" charset="0"/>
                 <a:cs typeface="Courier New" panose="02070309020205020404" pitchFamily="49" charset="0"/>
               </a:rPr>
               <a:t>/</a:t>
             </a:r>
             <a:r>
-              <a:rPr lang="en-US" sz="1600" dirty="0" err="1">
+              <a:rPr lang="en-US" sz="2000" dirty="0" err="1">
                 <a:latin typeface="Courier New" panose="02070309020205020404" pitchFamily="49" charset="0"/>
                 <a:cs typeface="Courier New" panose="02070309020205020404" pitchFamily="49" charset="0"/>
               </a:rPr>
               <a:t>RNAetc</a:t>
             </a:r>
             <a:r>
-              <a:rPr lang="en-US" sz="1600" dirty="0">
+              <a:rPr lang="en-US" sz="2000" dirty="0">
                 <a:latin typeface="Courier New" panose="02070309020205020404" pitchFamily="49" charset="0"/>
                 <a:cs typeface="Courier New" panose="02070309020205020404" pitchFamily="49" charset="0"/>
               </a:rPr>
@@ -9316,56 +9297,56 @@
           <a:p>
             <a:pPr lvl="1"/>
             <a:r>
-              <a:rPr lang="en-US" sz="1600" dirty="0" err="1">
+              <a:rPr lang="en-US" sz="2000" dirty="0" err="1">
                 <a:latin typeface="Courier New" panose="02070309020205020404" pitchFamily="49" charset="0"/>
                 <a:cs typeface="Courier New" panose="02070309020205020404" pitchFamily="49" charset="0"/>
               </a:rPr>
               <a:t>devtools</a:t>
             </a:r>
             <a:r>
-              <a:rPr lang="en-US" sz="1600" dirty="0">
+              <a:rPr lang="en-US" sz="2000" dirty="0">
                 <a:latin typeface="Courier New" panose="02070309020205020404" pitchFamily="49" charset="0"/>
                 <a:cs typeface="Courier New" panose="02070309020205020404" pitchFamily="49" charset="0"/>
               </a:rPr>
               <a:t>::</a:t>
             </a:r>
             <a:r>
-              <a:rPr lang="en-US" sz="1600" dirty="0" err="1">
+              <a:rPr lang="en-US" sz="2000" dirty="0" err="1">
                 <a:latin typeface="Courier New" panose="02070309020205020404" pitchFamily="49" charset="0"/>
                 <a:cs typeface="Courier New" panose="02070309020205020404" pitchFamily="49" charset="0"/>
               </a:rPr>
               <a:t>install_github</a:t>
             </a:r>
             <a:r>
-              <a:rPr lang="en-US" sz="1600" dirty="0">
+              <a:rPr lang="en-US" sz="2000" dirty="0">
                 <a:latin typeface="Courier New" panose="02070309020205020404" pitchFamily="49" charset="0"/>
                 <a:cs typeface="Courier New" panose="02070309020205020404" pitchFamily="49" charset="0"/>
               </a:rPr>
               <a:t>("</a:t>
             </a:r>
             <a:r>
-              <a:rPr lang="en-US" sz="1600" dirty="0" err="1">
+              <a:rPr lang="en-US" sz="2000" dirty="0" err="1">
                 <a:latin typeface="Courier New" panose="02070309020205020404" pitchFamily="49" charset="0"/>
                 <a:cs typeface="Courier New" panose="02070309020205020404" pitchFamily="49" charset="0"/>
               </a:rPr>
               <a:t>BIGslu</a:t>
             </a:r>
             <a:r>
-              <a:rPr lang="en-US" sz="1600" dirty="0">
+              <a:rPr lang="en-US" sz="2000" dirty="0">
                 <a:latin typeface="Courier New" panose="02070309020205020404" pitchFamily="49" charset="0"/>
                 <a:cs typeface="Courier New" panose="02070309020205020404" pitchFamily="49" charset="0"/>
               </a:rPr>
               <a:t>/</a:t>
             </a:r>
             <a:r>
-              <a:rPr lang="en-US" sz="1600" dirty="0" err="1">
+              <a:rPr lang="en-US" sz="2000" dirty="0" err="1">
                 <a:latin typeface="Courier New" panose="02070309020205020404" pitchFamily="49" charset="0"/>
                 <a:cs typeface="Courier New" panose="02070309020205020404" pitchFamily="49" charset="0"/>
               </a:rPr>
               <a:t>kimma</a:t>
             </a:r>
             <a:r>
-              <a:rPr lang="en-US" sz="1600" dirty="0">
+              <a:rPr lang="en-US" sz="2000" dirty="0">
                 <a:latin typeface="Courier New" panose="02070309020205020404" pitchFamily="49" charset="0"/>
                 <a:cs typeface="Courier New" panose="02070309020205020404" pitchFamily="49" charset="0"/>
               </a:rPr>
@@ -9375,56 +9356,56 @@
           <a:p>
             <a:pPr lvl="1"/>
             <a:r>
-              <a:rPr lang="en-US" sz="1600" dirty="0" err="1">
+              <a:rPr lang="en-US" sz="2000" dirty="0" err="1">
                 <a:latin typeface="Courier New" panose="02070309020205020404" pitchFamily="49" charset="0"/>
                 <a:cs typeface="Courier New" panose="02070309020205020404" pitchFamily="49" charset="0"/>
               </a:rPr>
               <a:t>devtools</a:t>
             </a:r>
             <a:r>
-              <a:rPr lang="en-US" sz="1600" dirty="0">
+              <a:rPr lang="en-US" sz="2000" dirty="0">
                 <a:latin typeface="Courier New" panose="02070309020205020404" pitchFamily="49" charset="0"/>
                 <a:cs typeface="Courier New" panose="02070309020205020404" pitchFamily="49" charset="0"/>
               </a:rPr>
               <a:t>::</a:t>
             </a:r>
             <a:r>
-              <a:rPr lang="en-US" sz="1600" dirty="0" err="1">
+              <a:rPr lang="en-US" sz="2000" dirty="0" err="1">
                 <a:latin typeface="Courier New" panose="02070309020205020404" pitchFamily="49" charset="0"/>
                 <a:cs typeface="Courier New" panose="02070309020205020404" pitchFamily="49" charset="0"/>
               </a:rPr>
               <a:t>install_github</a:t>
             </a:r>
             <a:r>
-              <a:rPr lang="en-US" sz="1600" dirty="0">
+              <a:rPr lang="en-US" sz="2000" dirty="0">
                 <a:latin typeface="Courier New" panose="02070309020205020404" pitchFamily="49" charset="0"/>
                 <a:cs typeface="Courier New" panose="02070309020205020404" pitchFamily="49" charset="0"/>
               </a:rPr>
               <a:t>("</a:t>
             </a:r>
             <a:r>
-              <a:rPr lang="en-US" sz="1600" dirty="0" err="1">
+              <a:rPr lang="en-US" sz="2000" dirty="0" err="1">
                 <a:latin typeface="Courier New" panose="02070309020205020404" pitchFamily="49" charset="0"/>
                 <a:cs typeface="Courier New" panose="02070309020205020404" pitchFamily="49" charset="0"/>
               </a:rPr>
               <a:t>BIGslu</a:t>
             </a:r>
             <a:r>
-              <a:rPr lang="en-US" sz="1600" dirty="0">
+              <a:rPr lang="en-US" sz="2000" dirty="0">
                 <a:latin typeface="Courier New" panose="02070309020205020404" pitchFamily="49" charset="0"/>
                 <a:cs typeface="Courier New" panose="02070309020205020404" pitchFamily="49" charset="0"/>
               </a:rPr>
               <a:t>/</a:t>
             </a:r>
             <a:r>
-              <a:rPr lang="en-US" sz="1600" dirty="0" err="1">
+              <a:rPr lang="en-US" sz="2000" dirty="0" err="1">
                 <a:latin typeface="Courier New" panose="02070309020205020404" pitchFamily="49" charset="0"/>
                 <a:cs typeface="Courier New" panose="02070309020205020404" pitchFamily="49" charset="0"/>
               </a:rPr>
               <a:t>SEARchways</a:t>
             </a:r>
             <a:r>
-              <a:rPr lang="en-US" sz="1600" dirty="0">
+              <a:rPr lang="en-US" sz="2000" dirty="0">
                 <a:latin typeface="Courier New" panose="02070309020205020404" pitchFamily="49" charset="0"/>
                 <a:cs typeface="Courier New" panose="02070309020205020404" pitchFamily="49" charset="0"/>
               </a:rPr>
@@ -9434,56 +9415,56 @@
           <a:p>
             <a:pPr lvl="1"/>
             <a:r>
-              <a:rPr lang="en-US" sz="1600" dirty="0" err="1">
+              <a:rPr lang="en-US" sz="2000" dirty="0" err="1">
                 <a:latin typeface="Courier New" panose="02070309020205020404" pitchFamily="49" charset="0"/>
                 <a:cs typeface="Courier New" panose="02070309020205020404" pitchFamily="49" charset="0"/>
               </a:rPr>
               <a:t>devtools</a:t>
             </a:r>
             <a:r>
-              <a:rPr lang="en-US" sz="1600" dirty="0">
+              <a:rPr lang="en-US" sz="2000" dirty="0">
                 <a:latin typeface="Courier New" panose="02070309020205020404" pitchFamily="49" charset="0"/>
                 <a:cs typeface="Courier New" panose="02070309020205020404" pitchFamily="49" charset="0"/>
               </a:rPr>
               <a:t>::</a:t>
             </a:r>
             <a:r>
-              <a:rPr lang="en-US" sz="1600" dirty="0" err="1">
+              <a:rPr lang="en-US" sz="2000" dirty="0" err="1">
                 <a:latin typeface="Courier New" panose="02070309020205020404" pitchFamily="49" charset="0"/>
                 <a:cs typeface="Courier New" panose="02070309020205020404" pitchFamily="49" charset="0"/>
               </a:rPr>
               <a:t>install_github</a:t>
             </a:r>
             <a:r>
-              <a:rPr lang="en-US" sz="1600" dirty="0">
+              <a:rPr lang="en-US" sz="2000" dirty="0">
                 <a:latin typeface="Courier New" panose="02070309020205020404" pitchFamily="49" charset="0"/>
                 <a:cs typeface="Courier New" panose="02070309020205020404" pitchFamily="49" charset="0"/>
               </a:rPr>
               <a:t>("</a:t>
             </a:r>
             <a:r>
-              <a:rPr lang="en-US" sz="1600" dirty="0" err="1">
+              <a:rPr lang="en-US" sz="2000" dirty="0" err="1">
                 <a:latin typeface="Courier New" panose="02070309020205020404" pitchFamily="49" charset="0"/>
                 <a:cs typeface="Courier New" panose="02070309020205020404" pitchFamily="49" charset="0"/>
               </a:rPr>
               <a:t>BIGslu</a:t>
             </a:r>
             <a:r>
-              <a:rPr lang="en-US" sz="1600" dirty="0">
+              <a:rPr lang="en-US" sz="2000" dirty="0">
                 <a:latin typeface="Courier New" panose="02070309020205020404" pitchFamily="49" charset="0"/>
                 <a:cs typeface="Courier New" panose="02070309020205020404" pitchFamily="49" charset="0"/>
               </a:rPr>
               <a:t>/</a:t>
             </a:r>
             <a:r>
-              <a:rPr lang="en-US" sz="1600" dirty="0" err="1">
+              <a:rPr lang="en-US" sz="2000" dirty="0" err="1">
                 <a:latin typeface="Courier New" panose="02070309020205020404" pitchFamily="49" charset="0"/>
                 <a:cs typeface="Courier New" panose="02070309020205020404" pitchFamily="49" charset="0"/>
               </a:rPr>
               <a:t>BIGpicture</a:t>
             </a:r>
             <a:r>
-              <a:rPr lang="en-US" sz="1600" dirty="0">
+              <a:rPr lang="en-US" sz="2000" dirty="0">
                 <a:latin typeface="Courier New" panose="02070309020205020404" pitchFamily="49" charset="0"/>
                 <a:cs typeface="Courier New" panose="02070309020205020404" pitchFamily="49" charset="0"/>
               </a:rPr>
@@ -9538,7 +9519,7 @@
             <p:ph idx="1"/>
             <p:extLst>
               <p:ext uri="{D42A27DB-BD31-4B8C-83A1-F6EECF244321}">
-                <p14:modId xmlns:p14="http://schemas.microsoft.com/office/powerpoint/2010/main" val="1933107067"/>
+                <p14:modId xmlns:p14="http://schemas.microsoft.com/office/powerpoint/2010/main" val="3987920322"/>
               </p:ext>
             </p:extLst>
           </p:nvPr>
@@ -9842,21 +9823,21 @@
             <p:ph idx="1"/>
             <p:extLst>
               <p:ext uri="{D42A27DB-BD31-4B8C-83A1-F6EECF244321}">
-                <p14:modId xmlns:p14="http://schemas.microsoft.com/office/powerpoint/2010/main" val="2659842310"/>
+                <p14:modId xmlns:p14="http://schemas.microsoft.com/office/powerpoint/2010/main" val="1955439552"/>
               </p:ext>
             </p:extLst>
           </p:nvPr>
         </p:nvGraphicFramePr>
         <p:xfrm>
-          <a:off x="1669722" y="1857375"/>
-          <a:ext cx="8852556" cy="3143250"/>
+          <a:off x="1379528" y="2085975"/>
+          <a:ext cx="9432943" cy="3143250"/>
         </p:xfrm>
         <a:graphic>
           <a:graphicData uri="http://schemas.openxmlformats.org/drawingml/2006/table">
             <a:tbl>
               <a:tblPr/>
               <a:tblGrid>
-                <a:gridCol w="1475426">
+                <a:gridCol w="2055813">
                   <a:extLst>
                     <a:ext uri="{9D8B030D-6E8A-4147-A177-3AD203B41FA5}">
                       <a16:colId xmlns:a16="http://schemas.microsoft.com/office/drawing/2014/main" val="4103064042"/>
@@ -9978,7 +9959,7 @@
                           <a:effectLst/>
                           <a:latin typeface="Calibri" panose="020F0502020204030204" pitchFamily="34" charset="0"/>
                         </a:rPr>
-                        <a:t>pt01_Media</a:t>
+                        <a:t>lib1</a:t>
                       </a:r>
                     </a:p>
                   </a:txBody>
@@ -10028,14 +10009,14 @@
                     <a:p>
                       <a:pPr algn="ctr" fontAlgn="b"/>
                       <a:r>
-                        <a:rPr lang="en-US" sz="2000" b="0" i="0" u="none" strike="noStrike">
+                        <a:rPr lang="en-US" sz="2000" b="0" i="0" u="none" strike="noStrike" dirty="0">
                           <a:solidFill>
                             <a:srgbClr val="000000"/>
                           </a:solidFill>
                           <a:effectLst/>
                           <a:latin typeface="Calibri" panose="020F0502020204030204" pitchFamily="34" charset="0"/>
                         </a:rPr>
-                        <a:t>pt01_Mtb</a:t>
+                        <a:t>lib2</a:t>
                       </a:r>
                     </a:p>
                   </a:txBody>
@@ -10085,14 +10066,14 @@
                     <a:p>
                       <a:pPr algn="ctr" fontAlgn="b"/>
                       <a:r>
-                        <a:rPr lang="en-US" sz="2000" b="0" i="0" u="none" strike="noStrike">
+                        <a:rPr lang="en-US" sz="2000" b="0" i="0" u="none" strike="noStrike" dirty="0">
                           <a:solidFill>
                             <a:srgbClr val="000000"/>
                           </a:solidFill>
                           <a:effectLst/>
                           <a:latin typeface="Calibri" panose="020F0502020204030204" pitchFamily="34" charset="0"/>
                         </a:rPr>
-                        <a:t>pt02_Media</a:t>
+                        <a:t>lib3</a:t>
                       </a:r>
                     </a:p>
                   </a:txBody>
@@ -10142,14 +10123,14 @@
                     <a:p>
                       <a:pPr algn="ctr" fontAlgn="b"/>
                       <a:r>
-                        <a:rPr lang="en-US" sz="2000" b="0" i="0" u="none" strike="noStrike">
+                        <a:rPr lang="en-US" sz="2000" b="0" i="0" u="none" strike="noStrike" dirty="0">
                           <a:solidFill>
                             <a:srgbClr val="000000"/>
                           </a:solidFill>
                           <a:effectLst/>
                           <a:latin typeface="Calibri" panose="020F0502020204030204" pitchFamily="34" charset="0"/>
                         </a:rPr>
-                        <a:t>pt02_Mtb</a:t>
+                        <a:t>lib4</a:t>
                       </a:r>
                     </a:p>
                   </a:txBody>
@@ -10263,14 +10244,14 @@
                     <a:p>
                       <a:pPr algn="l" fontAlgn="b"/>
                       <a:r>
-                        <a:rPr lang="en-US" sz="2000" b="0" i="0" u="none" strike="noStrike">
+                        <a:rPr lang="en-US" sz="2000" b="0" i="0" u="none" strike="noStrike" dirty="0">
                           <a:solidFill>
                             <a:srgbClr val="000000"/>
                           </a:solidFill>
                           <a:effectLst/>
                           <a:latin typeface="Calibri" panose="020F0502020204030204" pitchFamily="34" charset="0"/>
                         </a:rPr>
-                        <a:t>A1BG</a:t>
+                        <a:t>ENSG00000000460</a:t>
                       </a:r>
                     </a:p>
                   </a:txBody>
@@ -10609,14 +10590,14 @@
                     <a:p>
                       <a:pPr algn="l" fontAlgn="b"/>
                       <a:r>
-                        <a:rPr lang="en-US" sz="2000" b="0" i="0" u="none" strike="noStrike">
+                        <a:rPr lang="en-US" sz="2000" b="0" i="0" u="none" strike="noStrike" dirty="0">
                           <a:solidFill>
                             <a:srgbClr val="000000"/>
                           </a:solidFill>
                           <a:effectLst/>
                           <a:latin typeface="Calibri" panose="020F0502020204030204" pitchFamily="34" charset="0"/>
                         </a:rPr>
-                        <a:t>A2M</a:t>
+                        <a:t>ENSG00000001460</a:t>
                       </a:r>
                     </a:p>
                   </a:txBody>
@@ -10955,14 +10936,14 @@
                     <a:p>
                       <a:pPr algn="l" fontAlgn="b"/>
                       <a:r>
-                        <a:rPr lang="en-US" sz="2000" b="0" i="0" u="none" strike="noStrike">
+                        <a:rPr lang="en-US" sz="2000" b="0" i="0" u="none" strike="noStrike" dirty="0">
                           <a:solidFill>
                             <a:srgbClr val="000000"/>
                           </a:solidFill>
                           <a:effectLst/>
                           <a:latin typeface="Calibri" panose="020F0502020204030204" pitchFamily="34" charset="0"/>
                         </a:rPr>
-                        <a:t>A2ML1</a:t>
+                        <a:t>ENSG00000002587</a:t>
                       </a:r>
                     </a:p>
                   </a:txBody>
@@ -11301,14 +11282,14 @@
                     <a:p>
                       <a:pPr algn="l" fontAlgn="b"/>
                       <a:r>
-                        <a:rPr lang="en-US" sz="2000" b="0" i="0" u="none" strike="noStrike">
+                        <a:rPr lang="en-US" sz="2000" b="0" i="0" u="none" strike="noStrike" dirty="0">
                           <a:solidFill>
                             <a:srgbClr val="000000"/>
                           </a:solidFill>
                           <a:effectLst/>
                           <a:latin typeface="Calibri" panose="020F0502020204030204" pitchFamily="34" charset="0"/>
                         </a:rPr>
-                        <a:t>A4GALT</a:t>
+                        <a:t>ENSG00000005189</a:t>
                       </a:r>
                     </a:p>
                   </a:txBody>
@@ -11647,14 +11628,14 @@
                     <a:p>
                       <a:pPr algn="l" fontAlgn="b"/>
                       <a:r>
-                        <a:rPr lang="en-US" sz="2000" b="0" i="0" u="none" strike="noStrike">
+                        <a:rPr lang="en-US" sz="2000" b="0" i="0" u="none" strike="noStrike" dirty="0">
                           <a:solidFill>
                             <a:srgbClr val="000000"/>
                           </a:solidFill>
                           <a:effectLst/>
                           <a:latin typeface="Calibri" panose="020F0502020204030204" pitchFamily="34" charset="0"/>
                         </a:rPr>
-                        <a:t>AAAS</a:t>
+                        <a:t>ENSG00000005801</a:t>
                       </a:r>
                     </a:p>
                   </a:txBody>
@@ -11993,14 +11974,14 @@
                     <a:p>
                       <a:pPr algn="l" fontAlgn="b"/>
                       <a:r>
-                        <a:rPr lang="en-US" sz="2000" b="0" i="0" u="none" strike="noStrike">
+                        <a:rPr lang="en-US" sz="2000" b="0" i="0" u="none" strike="noStrike" dirty="0">
                           <a:solidFill>
                             <a:srgbClr val="000000"/>
                           </a:solidFill>
                           <a:effectLst/>
                           <a:latin typeface="Calibri" panose="020F0502020204030204" pitchFamily="34" charset="0"/>
                         </a:rPr>
-                        <a:t>AACS</a:t>
+                        <a:t>ENSG00000005884</a:t>
                       </a:r>
                     </a:p>
                   </a:txBody>
@@ -12339,14 +12320,14 @@
                     <a:p>
                       <a:pPr algn="l" fontAlgn="b"/>
                       <a:r>
-                        <a:rPr lang="en-US" sz="2000" b="0" i="0" u="none" strike="noStrike">
+                        <a:rPr lang="en-US" sz="2000" b="0" i="0" u="none" strike="noStrike" dirty="0">
                           <a:solidFill>
                             <a:srgbClr val="000000"/>
                           </a:solidFill>
                           <a:effectLst/>
                           <a:latin typeface="Calibri" panose="020F0502020204030204" pitchFamily="34" charset="0"/>
                         </a:rPr>
-                        <a:t>AAGAB</a:t>
+                        <a:t>ENSG00000006025</a:t>
                       </a:r>
                     </a:p>
                   </a:txBody>
@@ -12685,14 +12666,14 @@
                     <a:p>
                       <a:pPr algn="l" fontAlgn="b"/>
                       <a:r>
-                        <a:rPr lang="en-US" sz="2000" b="0" i="0" u="none" strike="noStrike">
+                        <a:rPr lang="en-US" sz="2000" b="0" i="0" u="none" strike="noStrike" dirty="0">
                           <a:solidFill>
                             <a:srgbClr val="000000"/>
                           </a:solidFill>
                           <a:effectLst/>
                           <a:latin typeface="Calibri" panose="020F0502020204030204" pitchFamily="34" charset="0"/>
                         </a:rPr>
-                        <a:t>AAK1</a:t>
+                        <a:t>ENSG00000006118</a:t>
                       </a:r>
                     </a:p>
                   </a:txBody>
@@ -13365,3272 +13346,6 @@
     <p:extLst>
       <p:ext uri="{BB962C8B-B14F-4D97-AF65-F5344CB8AC3E}">
         <p14:creationId xmlns:p14="http://schemas.microsoft.com/office/powerpoint/2010/main" val="3332142177"/>
-      </p:ext>
-    </p:extLst>
-  </p:cSld>
-  <p:clrMapOvr>
-    <a:masterClrMapping/>
-  </p:clrMapOvr>
-</p:sld>
-</file>
-
-<file path=ppt/slides/slide13.xml><?xml version="1.0" encoding="utf-8"?>
-<p:sld xmlns:a="http://schemas.openxmlformats.org/drawingml/2006/main" xmlns:r="http://schemas.openxmlformats.org/officeDocument/2006/relationships" xmlns:p="http://schemas.openxmlformats.org/presentationml/2006/main">
-  <p:cSld>
-    <p:spTree>
-      <p:nvGrpSpPr>
-        <p:cNvPr id="1" name=""/>
-        <p:cNvGrpSpPr/>
-        <p:nvPr/>
-      </p:nvGrpSpPr>
-      <p:grpSpPr>
-        <a:xfrm>
-          <a:off x="0" y="0"/>
-          <a:ext cx="0" cy="0"/>
-          <a:chOff x="0" y="0"/>
-          <a:chExt cx="0" cy="0"/>
-        </a:xfrm>
-      </p:grpSpPr>
-      <p:sp>
-        <p:nvSpPr>
-          <p:cNvPr id="2" name="Title 1">
-            <a:extLst>
-              <a:ext uri="{FF2B5EF4-FFF2-40B4-BE49-F238E27FC236}">
-                <a16:creationId xmlns:a16="http://schemas.microsoft.com/office/drawing/2014/main" id="{4A5EE2E3-6E76-DFDA-CC04-17EE38247798}"/>
-              </a:ext>
-            </a:extLst>
-          </p:cNvPr>
-          <p:cNvSpPr>
-            <a:spLocks noGrp="1"/>
-          </p:cNvSpPr>
-          <p:nvPr>
-            <p:ph type="title"/>
-          </p:nvPr>
-        </p:nvSpPr>
-        <p:spPr/>
-        <p:txBody>
-          <a:bodyPr/>
-          <a:lstStyle/>
-          <a:p>
-            <a:r>
-              <a:rPr lang="en-US" dirty="0"/>
-              <a:t>Sample metadata</a:t>
-            </a:r>
-          </a:p>
-        </p:txBody>
-      </p:sp>
-      <p:graphicFrame>
-        <p:nvGraphicFramePr>
-          <p:cNvPr id="4" name="Content Placeholder 3">
-            <a:extLst>
-              <a:ext uri="{FF2B5EF4-FFF2-40B4-BE49-F238E27FC236}">
-                <a16:creationId xmlns:a16="http://schemas.microsoft.com/office/drawing/2014/main" id="{AC54BC28-C894-8AAE-8B5A-F042B488857C}"/>
-              </a:ext>
-            </a:extLst>
-          </p:cNvPr>
-          <p:cNvGraphicFramePr>
-            <a:graphicFrameLocks noGrp="1"/>
-          </p:cNvGraphicFramePr>
-          <p:nvPr>
-            <p:ph idx="1"/>
-            <p:extLst>
-              <p:ext uri="{D42A27DB-BD31-4B8C-83A1-F6EECF244321}">
-                <p14:modId xmlns:p14="http://schemas.microsoft.com/office/powerpoint/2010/main" val="2159653706"/>
-              </p:ext>
-            </p:extLst>
-          </p:nvPr>
-        </p:nvGraphicFramePr>
-        <p:xfrm>
-          <a:off x="1382584" y="2465649"/>
-          <a:ext cx="9426831" cy="1885950"/>
-        </p:xfrm>
-        <a:graphic>
-          <a:graphicData uri="http://schemas.openxmlformats.org/drawingml/2006/table">
-            <a:tbl>
-              <a:tblPr/>
-              <a:tblGrid>
-                <a:gridCol w="1337120">
-                  <a:extLst>
-                    <a:ext uri="{9D8B030D-6E8A-4147-A177-3AD203B41FA5}">
-                      <a16:colId xmlns:a16="http://schemas.microsoft.com/office/drawing/2014/main" val="4206403527"/>
-                    </a:ext>
-                  </a:extLst>
-                </a:gridCol>
-                <a:gridCol w="825500">
-                  <a:extLst>
-                    <a:ext uri="{9D8B030D-6E8A-4147-A177-3AD203B41FA5}">
-                      <a16:colId xmlns:a16="http://schemas.microsoft.com/office/drawing/2014/main" val="2343923849"/>
-                    </a:ext>
-                  </a:extLst>
-                </a:gridCol>
-                <a:gridCol w="1052005">
-                  <a:extLst>
-                    <a:ext uri="{9D8B030D-6E8A-4147-A177-3AD203B41FA5}">
-                      <a16:colId xmlns:a16="http://schemas.microsoft.com/office/drawing/2014/main" val="1197923815"/>
-                    </a:ext>
-                  </a:extLst>
-                </a:gridCol>
-                <a:gridCol w="914718">
-                  <a:extLst>
-                    <a:ext uri="{9D8B030D-6E8A-4147-A177-3AD203B41FA5}">
-                      <a16:colId xmlns:a16="http://schemas.microsoft.com/office/drawing/2014/main" val="1040053323"/>
-                    </a:ext>
-                  </a:extLst>
-                </a:gridCol>
-                <a:gridCol w="825500">
-                  <a:extLst>
-                    <a:ext uri="{9D8B030D-6E8A-4147-A177-3AD203B41FA5}">
-                      <a16:colId xmlns:a16="http://schemas.microsoft.com/office/drawing/2014/main" val="122326631"/>
-                    </a:ext>
-                  </a:extLst>
-                </a:gridCol>
-                <a:gridCol w="965645">
-                  <a:extLst>
-                    <a:ext uri="{9D8B030D-6E8A-4147-A177-3AD203B41FA5}">
-                      <a16:colId xmlns:a16="http://schemas.microsoft.com/office/drawing/2014/main" val="1263556610"/>
-                    </a:ext>
-                  </a:extLst>
-                </a:gridCol>
-                <a:gridCol w="885825">
-                  <a:extLst>
-                    <a:ext uri="{9D8B030D-6E8A-4147-A177-3AD203B41FA5}">
-                      <a16:colId xmlns:a16="http://schemas.microsoft.com/office/drawing/2014/main" val="1539198443"/>
-                    </a:ext>
-                  </a:extLst>
-                </a:gridCol>
-                <a:gridCol w="1323531">
-                  <a:extLst>
-                    <a:ext uri="{9D8B030D-6E8A-4147-A177-3AD203B41FA5}">
-                      <a16:colId xmlns:a16="http://schemas.microsoft.com/office/drawing/2014/main" val="488351590"/>
-                    </a:ext>
-                  </a:extLst>
-                </a:gridCol>
-                <a:gridCol w="1296987">
-                  <a:extLst>
-                    <a:ext uri="{9D8B030D-6E8A-4147-A177-3AD203B41FA5}">
-                      <a16:colId xmlns:a16="http://schemas.microsoft.com/office/drawing/2014/main" val="4222607032"/>
-                    </a:ext>
-                  </a:extLst>
-                </a:gridCol>
-              </a:tblGrid>
-              <a:tr h="203200">
-                <a:tc>
-                  <a:txBody>
-                    <a:bodyPr/>
-                    <a:lstStyle/>
-                    <a:p>
-                      <a:pPr algn="l" fontAlgn="b"/>
-                      <a:r>
-                        <a:rPr lang="en-US" sz="2000" b="0" i="0" u="none" strike="noStrike">
-                          <a:solidFill>
-                            <a:srgbClr val="000000"/>
-                          </a:solidFill>
-                          <a:effectLst/>
-                          <a:latin typeface="Calibri" panose="020F0502020204030204" pitchFamily="34" charset="0"/>
-                        </a:rPr>
-                        <a:t>libID</a:t>
-                      </a:r>
-                    </a:p>
-                  </a:txBody>
-                  <a:tcPr marL="9525" marR="9525" marT="9525" marB="0" anchor="b">
-                    <a:lnL w="12700" cap="flat" cmpd="sng" algn="ctr">
-                      <a:solidFill>
-                        <a:schemeClr val="tx1"/>
-                      </a:solidFill>
-                      <a:prstDash val="solid"/>
-                      <a:round/>
-                      <a:headEnd type="none" w="med" len="med"/>
-                      <a:tailEnd type="none" w="med" len="med"/>
-                    </a:lnL>
-                    <a:lnR w="12700" cap="flat" cmpd="sng" algn="ctr">
-                      <a:solidFill>
-                        <a:schemeClr val="tx1"/>
-                      </a:solidFill>
-                      <a:prstDash val="solid"/>
-                      <a:round/>
-                      <a:headEnd type="none" w="med" len="med"/>
-                      <a:tailEnd type="none" w="med" len="med"/>
-                    </a:lnR>
-                    <a:lnT w="12700" cap="flat" cmpd="sng" algn="ctr">
-                      <a:solidFill>
-                        <a:schemeClr val="tx1"/>
-                      </a:solidFill>
-                      <a:prstDash val="solid"/>
-                      <a:round/>
-                      <a:headEnd type="none" w="med" len="med"/>
-                      <a:tailEnd type="none" w="med" len="med"/>
-                    </a:lnT>
-                    <a:lnB w="12700" cap="flat" cmpd="sng" algn="ctr">
-                      <a:solidFill>
-                        <a:schemeClr val="tx1"/>
-                      </a:solidFill>
-                      <a:prstDash val="solid"/>
-                      <a:round/>
-                      <a:headEnd type="none" w="med" len="med"/>
-                      <a:tailEnd type="none" w="med" len="med"/>
-                    </a:lnB>
-                  </a:tcPr>
-                </a:tc>
-                <a:tc>
-                  <a:txBody>
-                    <a:bodyPr/>
-                    <a:lstStyle/>
-                    <a:p>
-                      <a:pPr algn="ctr" fontAlgn="b"/>
-                      <a:r>
-                        <a:rPr lang="en-US" sz="2000" b="0" i="0" u="none" strike="noStrike" dirty="0" err="1">
-                          <a:solidFill>
-                            <a:srgbClr val="000000"/>
-                          </a:solidFill>
-                          <a:effectLst/>
-                          <a:latin typeface="Calibri" panose="020F0502020204030204" pitchFamily="34" charset="0"/>
-                        </a:rPr>
-                        <a:t>ptID</a:t>
-                      </a:r>
-                      <a:endParaRPr lang="en-US" sz="2000" b="0" i="0" u="none" strike="noStrike" dirty="0">
-                        <a:solidFill>
-                          <a:srgbClr val="000000"/>
-                        </a:solidFill>
-                        <a:effectLst/>
-                        <a:latin typeface="Calibri" panose="020F0502020204030204" pitchFamily="34" charset="0"/>
-                      </a:endParaRPr>
-                    </a:p>
-                  </a:txBody>
-                  <a:tcPr marL="9525" marR="9525" marT="9525" marB="0" anchor="b">
-                    <a:lnL w="12700" cap="flat" cmpd="sng" algn="ctr">
-                      <a:solidFill>
-                        <a:schemeClr val="tx1"/>
-                      </a:solidFill>
-                      <a:prstDash val="solid"/>
-                      <a:round/>
-                      <a:headEnd type="none" w="med" len="med"/>
-                      <a:tailEnd type="none" w="med" len="med"/>
-                    </a:lnL>
-                    <a:lnR w="12700" cap="flat" cmpd="sng" algn="ctr">
-                      <a:solidFill>
-                        <a:schemeClr val="tx1"/>
-                      </a:solidFill>
-                      <a:prstDash val="solid"/>
-                      <a:round/>
-                      <a:headEnd type="none" w="med" len="med"/>
-                      <a:tailEnd type="none" w="med" len="med"/>
-                    </a:lnR>
-                    <a:lnT w="12700" cap="flat" cmpd="sng" algn="ctr">
-                      <a:solidFill>
-                        <a:schemeClr val="tx1"/>
-                      </a:solidFill>
-                      <a:prstDash val="solid"/>
-                      <a:round/>
-                      <a:headEnd type="none" w="med" len="med"/>
-                      <a:tailEnd type="none" w="med" len="med"/>
-                    </a:lnT>
-                    <a:lnB w="12700" cap="flat" cmpd="sng" algn="ctr">
-                      <a:solidFill>
-                        <a:schemeClr val="tx1"/>
-                      </a:solidFill>
-                      <a:prstDash val="solid"/>
-                      <a:round/>
-                      <a:headEnd type="none" w="med" len="med"/>
-                      <a:tailEnd type="none" w="med" len="med"/>
-                    </a:lnB>
-                  </a:tcPr>
-                </a:tc>
-                <a:tc>
-                  <a:txBody>
-                    <a:bodyPr/>
-                    <a:lstStyle/>
-                    <a:p>
-                      <a:pPr algn="ctr" fontAlgn="b"/>
-                      <a:r>
-                        <a:rPr lang="en-US" sz="2000" b="0" i="0" u="none" strike="noStrike" dirty="0">
-                          <a:solidFill>
-                            <a:srgbClr val="000000"/>
-                          </a:solidFill>
-                          <a:effectLst/>
-                          <a:latin typeface="Calibri" panose="020F0502020204030204" pitchFamily="34" charset="0"/>
-                        </a:rPr>
-                        <a:t>condition</a:t>
-                      </a:r>
-                    </a:p>
-                  </a:txBody>
-                  <a:tcPr marL="9525" marR="9525" marT="9525" marB="0" anchor="b">
-                    <a:lnL w="12700" cap="flat" cmpd="sng" algn="ctr">
-                      <a:solidFill>
-                        <a:schemeClr val="tx1"/>
-                      </a:solidFill>
-                      <a:prstDash val="solid"/>
-                      <a:round/>
-                      <a:headEnd type="none" w="med" len="med"/>
-                      <a:tailEnd type="none" w="med" len="med"/>
-                    </a:lnL>
-                    <a:lnR w="12700" cap="flat" cmpd="sng" algn="ctr">
-                      <a:solidFill>
-                        <a:schemeClr val="tx1"/>
-                      </a:solidFill>
-                      <a:prstDash val="solid"/>
-                      <a:round/>
-                      <a:headEnd type="none" w="med" len="med"/>
-                      <a:tailEnd type="none" w="med" len="med"/>
-                    </a:lnR>
-                    <a:lnT w="12700" cap="flat" cmpd="sng" algn="ctr">
-                      <a:solidFill>
-                        <a:schemeClr val="tx1"/>
-                      </a:solidFill>
-                      <a:prstDash val="solid"/>
-                      <a:round/>
-                      <a:headEnd type="none" w="med" len="med"/>
-                      <a:tailEnd type="none" w="med" len="med"/>
-                    </a:lnT>
-                    <a:lnB w="12700" cap="flat" cmpd="sng" algn="ctr">
-                      <a:solidFill>
-                        <a:schemeClr val="tx1"/>
-                      </a:solidFill>
-                      <a:prstDash val="solid"/>
-                      <a:round/>
-                      <a:headEnd type="none" w="med" len="med"/>
-                      <a:tailEnd type="none" w="med" len="med"/>
-                    </a:lnB>
-                  </a:tcPr>
-                </a:tc>
-                <a:tc>
-                  <a:txBody>
-                    <a:bodyPr/>
-                    <a:lstStyle/>
-                    <a:p>
-                      <a:pPr algn="ctr" fontAlgn="b"/>
-                      <a:r>
-                        <a:rPr lang="en-US" sz="2000" b="0" i="0" u="none" strike="noStrike" dirty="0" err="1">
-                          <a:solidFill>
-                            <a:srgbClr val="000000"/>
-                          </a:solidFill>
-                          <a:effectLst/>
-                          <a:latin typeface="Calibri" panose="020F0502020204030204" pitchFamily="34" charset="0"/>
-                        </a:rPr>
-                        <a:t>age_dys</a:t>
-                      </a:r>
-                      <a:endParaRPr lang="en-US" sz="2000" b="0" i="0" u="none" strike="noStrike" dirty="0">
-                        <a:solidFill>
-                          <a:srgbClr val="000000"/>
-                        </a:solidFill>
-                        <a:effectLst/>
-                        <a:latin typeface="Calibri" panose="020F0502020204030204" pitchFamily="34" charset="0"/>
-                      </a:endParaRPr>
-                    </a:p>
-                  </a:txBody>
-                  <a:tcPr marL="9525" marR="9525" marT="9525" marB="0" anchor="b">
-                    <a:lnL w="12700" cap="flat" cmpd="sng" algn="ctr">
-                      <a:solidFill>
-                        <a:schemeClr val="tx1"/>
-                      </a:solidFill>
-                      <a:prstDash val="solid"/>
-                      <a:round/>
-                      <a:headEnd type="none" w="med" len="med"/>
-                      <a:tailEnd type="none" w="med" len="med"/>
-                    </a:lnL>
-                    <a:lnR w="12700" cap="flat" cmpd="sng" algn="ctr">
-                      <a:solidFill>
-                        <a:schemeClr val="tx1"/>
-                      </a:solidFill>
-                      <a:prstDash val="solid"/>
-                      <a:round/>
-                      <a:headEnd type="none" w="med" len="med"/>
-                      <a:tailEnd type="none" w="med" len="med"/>
-                    </a:lnR>
-                    <a:lnT w="12700" cap="flat" cmpd="sng" algn="ctr">
-                      <a:solidFill>
-                        <a:schemeClr val="tx1"/>
-                      </a:solidFill>
-                      <a:prstDash val="solid"/>
-                      <a:round/>
-                      <a:headEnd type="none" w="med" len="med"/>
-                      <a:tailEnd type="none" w="med" len="med"/>
-                    </a:lnT>
-                    <a:lnB w="12700" cap="flat" cmpd="sng" algn="ctr">
-                      <a:solidFill>
-                        <a:schemeClr val="tx1"/>
-                      </a:solidFill>
-                      <a:prstDash val="solid"/>
-                      <a:round/>
-                      <a:headEnd type="none" w="med" len="med"/>
-                      <a:tailEnd type="none" w="med" len="med"/>
-                    </a:lnB>
-                  </a:tcPr>
-                </a:tc>
-                <a:tc>
-                  <a:txBody>
-                    <a:bodyPr/>
-                    <a:lstStyle/>
-                    <a:p>
-                      <a:pPr algn="ctr" fontAlgn="b"/>
-                      <a:r>
-                        <a:rPr lang="en-US" sz="2000" b="0" i="0" u="none" strike="noStrike" dirty="0">
-                          <a:solidFill>
-                            <a:srgbClr val="000000"/>
-                          </a:solidFill>
-                          <a:effectLst/>
-                          <a:latin typeface="Calibri" panose="020F0502020204030204" pitchFamily="34" charset="0"/>
-                        </a:rPr>
-                        <a:t>sex</a:t>
-                      </a:r>
-                    </a:p>
-                  </a:txBody>
-                  <a:tcPr marL="9525" marR="9525" marT="9525" marB="0" anchor="b">
-                    <a:lnL w="12700" cap="flat" cmpd="sng" algn="ctr">
-                      <a:solidFill>
-                        <a:schemeClr val="tx1"/>
-                      </a:solidFill>
-                      <a:prstDash val="solid"/>
-                      <a:round/>
-                      <a:headEnd type="none" w="med" len="med"/>
-                      <a:tailEnd type="none" w="med" len="med"/>
-                    </a:lnL>
-                    <a:lnR w="12700" cap="flat" cmpd="sng" algn="ctr">
-                      <a:solidFill>
-                        <a:schemeClr val="tx1"/>
-                      </a:solidFill>
-                      <a:prstDash val="solid"/>
-                      <a:round/>
-                      <a:headEnd type="none" w="med" len="med"/>
-                      <a:tailEnd type="none" w="med" len="med"/>
-                    </a:lnR>
-                    <a:lnT w="12700" cap="flat" cmpd="sng" algn="ctr">
-                      <a:solidFill>
-                        <a:schemeClr val="tx1"/>
-                      </a:solidFill>
-                      <a:prstDash val="solid"/>
-                      <a:round/>
-                      <a:headEnd type="none" w="med" len="med"/>
-                      <a:tailEnd type="none" w="med" len="med"/>
-                    </a:lnT>
-                    <a:lnB w="12700" cap="flat" cmpd="sng" algn="ctr">
-                      <a:solidFill>
-                        <a:schemeClr val="tx1"/>
-                      </a:solidFill>
-                      <a:prstDash val="solid"/>
-                      <a:round/>
-                      <a:headEnd type="none" w="med" len="med"/>
-                      <a:tailEnd type="none" w="med" len="med"/>
-                    </a:lnB>
-                  </a:tcPr>
-                </a:tc>
-                <a:tc>
-                  <a:txBody>
-                    <a:bodyPr/>
-                    <a:lstStyle/>
-                    <a:p>
-                      <a:pPr algn="ctr" fontAlgn="b"/>
-                      <a:r>
-                        <a:rPr lang="en-US" sz="2000" b="0" i="0" u="none" strike="noStrike">
-                          <a:solidFill>
-                            <a:srgbClr val="000000"/>
-                          </a:solidFill>
-                          <a:effectLst/>
-                          <a:latin typeface="Calibri" panose="020F0502020204030204" pitchFamily="34" charset="0"/>
-                        </a:rPr>
-                        <a:t>ptID_old</a:t>
-                      </a:r>
-                    </a:p>
-                  </a:txBody>
-                  <a:tcPr marL="9525" marR="9525" marT="9525" marB="0" anchor="b">
-                    <a:lnL w="12700" cap="flat" cmpd="sng" algn="ctr">
-                      <a:solidFill>
-                        <a:schemeClr val="tx1"/>
-                      </a:solidFill>
-                      <a:prstDash val="solid"/>
-                      <a:round/>
-                      <a:headEnd type="none" w="med" len="med"/>
-                      <a:tailEnd type="none" w="med" len="med"/>
-                    </a:lnL>
-                    <a:lnR w="12700" cap="flat" cmpd="sng" algn="ctr">
-                      <a:solidFill>
-                        <a:schemeClr val="tx1"/>
-                      </a:solidFill>
-                      <a:prstDash val="solid"/>
-                      <a:round/>
-                      <a:headEnd type="none" w="med" len="med"/>
-                      <a:tailEnd type="none" w="med" len="med"/>
-                    </a:lnR>
-                    <a:lnT w="12700" cap="flat" cmpd="sng" algn="ctr">
-                      <a:solidFill>
-                        <a:schemeClr val="tx1"/>
-                      </a:solidFill>
-                      <a:prstDash val="solid"/>
-                      <a:round/>
-                      <a:headEnd type="none" w="med" len="med"/>
-                      <a:tailEnd type="none" w="med" len="med"/>
-                    </a:lnT>
-                    <a:lnB w="12700" cap="flat" cmpd="sng" algn="ctr">
-                      <a:solidFill>
-                        <a:schemeClr val="tx1"/>
-                      </a:solidFill>
-                      <a:prstDash val="solid"/>
-                      <a:round/>
-                      <a:headEnd type="none" w="med" len="med"/>
-                      <a:tailEnd type="none" w="med" len="med"/>
-                    </a:lnB>
-                  </a:tcPr>
-                </a:tc>
-                <a:tc>
-                  <a:txBody>
-                    <a:bodyPr/>
-                    <a:lstStyle/>
-                    <a:p>
-                      <a:pPr algn="ctr" fontAlgn="b"/>
-                      <a:r>
-                        <a:rPr lang="en-US" sz="2000" b="0" i="0" u="none" strike="noStrike">
-                          <a:solidFill>
-                            <a:srgbClr val="000000"/>
-                          </a:solidFill>
-                          <a:effectLst/>
-                          <a:latin typeface="Calibri" panose="020F0502020204030204" pitchFamily="34" charset="0"/>
-                        </a:rPr>
-                        <a:t>RNAseq</a:t>
-                      </a:r>
-                    </a:p>
-                  </a:txBody>
-                  <a:tcPr marL="9525" marR="9525" marT="9525" marB="0" anchor="b">
-                    <a:lnL w="12700" cap="flat" cmpd="sng" algn="ctr">
-                      <a:solidFill>
-                        <a:schemeClr val="tx1"/>
-                      </a:solidFill>
-                      <a:prstDash val="solid"/>
-                      <a:round/>
-                      <a:headEnd type="none" w="med" len="med"/>
-                      <a:tailEnd type="none" w="med" len="med"/>
-                    </a:lnL>
-                    <a:lnR w="12700" cap="flat" cmpd="sng" algn="ctr">
-                      <a:solidFill>
-                        <a:schemeClr val="tx1"/>
-                      </a:solidFill>
-                      <a:prstDash val="solid"/>
-                      <a:round/>
-                      <a:headEnd type="none" w="med" len="med"/>
-                      <a:tailEnd type="none" w="med" len="med"/>
-                    </a:lnR>
-                    <a:lnT w="12700" cap="flat" cmpd="sng" algn="ctr">
-                      <a:solidFill>
-                        <a:schemeClr val="tx1"/>
-                      </a:solidFill>
-                      <a:prstDash val="solid"/>
-                      <a:round/>
-                      <a:headEnd type="none" w="med" len="med"/>
-                      <a:tailEnd type="none" w="med" len="med"/>
-                    </a:lnT>
-                    <a:lnB w="12700" cap="flat" cmpd="sng" algn="ctr">
-                      <a:solidFill>
-                        <a:schemeClr val="tx1"/>
-                      </a:solidFill>
-                      <a:prstDash val="solid"/>
-                      <a:round/>
-                      <a:headEnd type="none" w="med" len="med"/>
-                      <a:tailEnd type="none" w="med" len="med"/>
-                    </a:lnB>
-                  </a:tcPr>
-                </a:tc>
-                <a:tc>
-                  <a:txBody>
-                    <a:bodyPr/>
-                    <a:lstStyle/>
-                    <a:p>
-                      <a:pPr algn="ctr" fontAlgn="b"/>
-                      <a:r>
-                        <a:rPr lang="en-US" sz="2000" b="0" i="0" u="none" strike="noStrike" dirty="0">
-                          <a:solidFill>
-                            <a:srgbClr val="000000"/>
-                          </a:solidFill>
-                          <a:effectLst/>
-                          <a:latin typeface="Calibri" panose="020F0502020204030204" pitchFamily="34" charset="0"/>
-                        </a:rPr>
-                        <a:t>methylation</a:t>
-                      </a:r>
-                    </a:p>
-                  </a:txBody>
-                  <a:tcPr marL="9525" marR="9525" marT="9525" marB="0" anchor="b">
-                    <a:lnL w="12700" cap="flat" cmpd="sng" algn="ctr">
-                      <a:solidFill>
-                        <a:schemeClr val="tx1"/>
-                      </a:solidFill>
-                      <a:prstDash val="solid"/>
-                      <a:round/>
-                      <a:headEnd type="none" w="med" len="med"/>
-                      <a:tailEnd type="none" w="med" len="med"/>
-                    </a:lnL>
-                    <a:lnR w="12700" cap="flat" cmpd="sng" algn="ctr">
-                      <a:solidFill>
-                        <a:schemeClr val="tx1"/>
-                      </a:solidFill>
-                      <a:prstDash val="solid"/>
-                      <a:round/>
-                      <a:headEnd type="none" w="med" len="med"/>
-                      <a:tailEnd type="none" w="med" len="med"/>
-                    </a:lnR>
-                    <a:lnT w="12700" cap="flat" cmpd="sng" algn="ctr">
-                      <a:solidFill>
-                        <a:schemeClr val="tx1"/>
-                      </a:solidFill>
-                      <a:prstDash val="solid"/>
-                      <a:round/>
-                      <a:headEnd type="none" w="med" len="med"/>
-                      <a:tailEnd type="none" w="med" len="med"/>
-                    </a:lnT>
-                    <a:lnB w="12700" cap="flat" cmpd="sng" algn="ctr">
-                      <a:solidFill>
-                        <a:schemeClr val="tx1"/>
-                      </a:solidFill>
-                      <a:prstDash val="solid"/>
-                      <a:round/>
-                      <a:headEnd type="none" w="med" len="med"/>
-                      <a:tailEnd type="none" w="med" len="med"/>
-                    </a:lnB>
-                  </a:tcPr>
-                </a:tc>
-                <a:tc>
-                  <a:txBody>
-                    <a:bodyPr/>
-                    <a:lstStyle/>
-                    <a:p>
-                      <a:pPr algn="ctr" fontAlgn="b"/>
-                      <a:r>
-                        <a:rPr lang="en-US" sz="2000" b="0" i="0" u="none" strike="noStrike">
-                          <a:solidFill>
-                            <a:srgbClr val="000000"/>
-                          </a:solidFill>
-                          <a:effectLst/>
-                          <a:latin typeface="Calibri" panose="020F0502020204030204" pitchFamily="34" charset="0"/>
-                        </a:rPr>
-                        <a:t>total_seq</a:t>
-                      </a:r>
-                    </a:p>
-                  </a:txBody>
-                  <a:tcPr marL="9525" marR="9525" marT="9525" marB="0" anchor="b">
-                    <a:lnL w="12700" cap="flat" cmpd="sng" algn="ctr">
-                      <a:solidFill>
-                        <a:schemeClr val="tx1"/>
-                      </a:solidFill>
-                      <a:prstDash val="solid"/>
-                      <a:round/>
-                      <a:headEnd type="none" w="med" len="med"/>
-                      <a:tailEnd type="none" w="med" len="med"/>
-                    </a:lnL>
-                    <a:lnR w="12700" cap="flat" cmpd="sng" algn="ctr">
-                      <a:solidFill>
-                        <a:schemeClr val="tx1"/>
-                      </a:solidFill>
-                      <a:prstDash val="solid"/>
-                      <a:round/>
-                      <a:headEnd type="none" w="med" len="med"/>
-                      <a:tailEnd type="none" w="med" len="med"/>
-                    </a:lnR>
-                    <a:lnT w="12700" cap="flat" cmpd="sng" algn="ctr">
-                      <a:solidFill>
-                        <a:schemeClr val="tx1"/>
-                      </a:solidFill>
-                      <a:prstDash val="solid"/>
-                      <a:round/>
-                      <a:headEnd type="none" w="med" len="med"/>
-                      <a:tailEnd type="none" w="med" len="med"/>
-                    </a:lnT>
-                    <a:lnB w="12700" cap="flat" cmpd="sng" algn="ctr">
-                      <a:solidFill>
-                        <a:schemeClr val="tx1"/>
-                      </a:solidFill>
-                      <a:prstDash val="solid"/>
-                      <a:round/>
-                      <a:headEnd type="none" w="med" len="med"/>
-                      <a:tailEnd type="none" w="med" len="med"/>
-                    </a:lnB>
-                  </a:tcPr>
-                </a:tc>
-                <a:extLst>
-                  <a:ext uri="{0D108BD9-81ED-4DB2-BD59-A6C34878D82A}">
-                    <a16:rowId xmlns:a16="http://schemas.microsoft.com/office/drawing/2014/main" val="1044127475"/>
-                  </a:ext>
-                </a:extLst>
-              </a:tr>
-              <a:tr h="203200">
-                <a:tc>
-                  <a:txBody>
-                    <a:bodyPr/>
-                    <a:lstStyle/>
-                    <a:p>
-                      <a:pPr algn="l" fontAlgn="b"/>
-                      <a:r>
-                        <a:rPr lang="en-US" sz="2000" b="0" i="0" u="none" strike="noStrike">
-                          <a:solidFill>
-                            <a:srgbClr val="000000"/>
-                          </a:solidFill>
-                          <a:effectLst/>
-                          <a:latin typeface="Calibri" panose="020F0502020204030204" pitchFamily="34" charset="0"/>
-                        </a:rPr>
-                        <a:t>pt01_Media</a:t>
-                      </a:r>
-                    </a:p>
-                  </a:txBody>
-                  <a:tcPr marL="9525" marR="9525" marT="9525" marB="0" anchor="b">
-                    <a:lnL w="12700" cap="flat" cmpd="sng" algn="ctr">
-                      <a:solidFill>
-                        <a:schemeClr val="tx1"/>
-                      </a:solidFill>
-                      <a:prstDash val="solid"/>
-                      <a:round/>
-                      <a:headEnd type="none" w="med" len="med"/>
-                      <a:tailEnd type="none" w="med" len="med"/>
-                    </a:lnL>
-                    <a:lnR w="12700" cap="flat" cmpd="sng" algn="ctr">
-                      <a:solidFill>
-                        <a:schemeClr val="tx1"/>
-                      </a:solidFill>
-                      <a:prstDash val="solid"/>
-                      <a:round/>
-                      <a:headEnd type="none" w="med" len="med"/>
-                      <a:tailEnd type="none" w="med" len="med"/>
-                    </a:lnR>
-                    <a:lnT w="12700" cap="flat" cmpd="sng" algn="ctr">
-                      <a:solidFill>
-                        <a:schemeClr val="tx1"/>
-                      </a:solidFill>
-                      <a:prstDash val="solid"/>
-                      <a:round/>
-                      <a:headEnd type="none" w="med" len="med"/>
-                      <a:tailEnd type="none" w="med" len="med"/>
-                    </a:lnT>
-                    <a:lnB w="12700" cap="flat" cmpd="sng" algn="ctr">
-                      <a:solidFill>
-                        <a:schemeClr val="tx1"/>
-                      </a:solidFill>
-                      <a:prstDash val="solid"/>
-                      <a:round/>
-                      <a:headEnd type="none" w="med" len="med"/>
-                      <a:tailEnd type="none" w="med" len="med"/>
-                    </a:lnB>
-                  </a:tcPr>
-                </a:tc>
-                <a:tc>
-                  <a:txBody>
-                    <a:bodyPr/>
-                    <a:lstStyle/>
-                    <a:p>
-                      <a:pPr algn="ctr" fontAlgn="b"/>
-                      <a:r>
-                        <a:rPr lang="en-US" sz="2000" b="0" i="0" u="none" strike="noStrike">
-                          <a:solidFill>
-                            <a:srgbClr val="000000"/>
-                          </a:solidFill>
-                          <a:effectLst/>
-                          <a:latin typeface="Calibri" panose="020F0502020204030204" pitchFamily="34" charset="0"/>
-                        </a:rPr>
-                        <a:t>pt01</a:t>
-                      </a:r>
-                    </a:p>
-                  </a:txBody>
-                  <a:tcPr marL="9525" marR="9525" marT="9525" marB="0" anchor="b">
-                    <a:lnL w="12700" cap="flat" cmpd="sng" algn="ctr">
-                      <a:solidFill>
-                        <a:schemeClr val="tx1"/>
-                      </a:solidFill>
-                      <a:prstDash val="solid"/>
-                      <a:round/>
-                      <a:headEnd type="none" w="med" len="med"/>
-                      <a:tailEnd type="none" w="med" len="med"/>
-                    </a:lnL>
-                    <a:lnR w="12700" cap="flat" cmpd="sng" algn="ctr">
-                      <a:solidFill>
-                        <a:schemeClr val="tx1"/>
-                      </a:solidFill>
-                      <a:prstDash val="solid"/>
-                      <a:round/>
-                      <a:headEnd type="none" w="med" len="med"/>
-                      <a:tailEnd type="none" w="med" len="med"/>
-                    </a:lnR>
-                    <a:lnT w="12700" cap="flat" cmpd="sng" algn="ctr">
-                      <a:solidFill>
-                        <a:schemeClr val="tx1"/>
-                      </a:solidFill>
-                      <a:prstDash val="solid"/>
-                      <a:round/>
-                      <a:headEnd type="none" w="med" len="med"/>
-                      <a:tailEnd type="none" w="med" len="med"/>
-                    </a:lnT>
-                    <a:lnB w="12700" cap="flat" cmpd="sng" algn="ctr">
-                      <a:solidFill>
-                        <a:schemeClr val="tx1"/>
-                      </a:solidFill>
-                      <a:prstDash val="solid"/>
-                      <a:round/>
-                      <a:headEnd type="none" w="med" len="med"/>
-                      <a:tailEnd type="none" w="med" len="med"/>
-                    </a:lnB>
-                  </a:tcPr>
-                </a:tc>
-                <a:tc>
-                  <a:txBody>
-                    <a:bodyPr/>
-                    <a:lstStyle/>
-                    <a:p>
-                      <a:pPr algn="ctr" fontAlgn="b"/>
-                      <a:r>
-                        <a:rPr lang="en-US" sz="2000" b="0" i="0" u="none" strike="noStrike" dirty="0">
-                          <a:solidFill>
-                            <a:srgbClr val="000000"/>
-                          </a:solidFill>
-                          <a:effectLst/>
-                          <a:latin typeface="Calibri" panose="020F0502020204030204" pitchFamily="34" charset="0"/>
-                        </a:rPr>
-                        <a:t>Media</a:t>
-                      </a:r>
-                    </a:p>
-                  </a:txBody>
-                  <a:tcPr marL="9525" marR="9525" marT="9525" marB="0" anchor="b">
-                    <a:lnL w="12700" cap="flat" cmpd="sng" algn="ctr">
-                      <a:solidFill>
-                        <a:schemeClr val="tx1"/>
-                      </a:solidFill>
-                      <a:prstDash val="solid"/>
-                      <a:round/>
-                      <a:headEnd type="none" w="med" len="med"/>
-                      <a:tailEnd type="none" w="med" len="med"/>
-                    </a:lnL>
-                    <a:lnR w="12700" cap="flat" cmpd="sng" algn="ctr">
-                      <a:solidFill>
-                        <a:schemeClr val="tx1"/>
-                      </a:solidFill>
-                      <a:prstDash val="solid"/>
-                      <a:round/>
-                      <a:headEnd type="none" w="med" len="med"/>
-                      <a:tailEnd type="none" w="med" len="med"/>
-                    </a:lnR>
-                    <a:lnT w="12700" cap="flat" cmpd="sng" algn="ctr">
-                      <a:solidFill>
-                        <a:schemeClr val="tx1"/>
-                      </a:solidFill>
-                      <a:prstDash val="solid"/>
-                      <a:round/>
-                      <a:headEnd type="none" w="med" len="med"/>
-                      <a:tailEnd type="none" w="med" len="med"/>
-                    </a:lnT>
-                    <a:lnB w="12700" cap="flat" cmpd="sng" algn="ctr">
-                      <a:solidFill>
-                        <a:schemeClr val="tx1"/>
-                      </a:solidFill>
-                      <a:prstDash val="solid"/>
-                      <a:round/>
-                      <a:headEnd type="none" w="med" len="med"/>
-                      <a:tailEnd type="none" w="med" len="med"/>
-                    </a:lnB>
-                  </a:tcPr>
-                </a:tc>
-                <a:tc>
-                  <a:txBody>
-                    <a:bodyPr/>
-                    <a:lstStyle/>
-                    <a:p>
-                      <a:pPr algn="ctr" fontAlgn="b"/>
-                      <a:r>
-                        <a:rPr lang="en-US" sz="2000" b="0" i="0" u="none" strike="noStrike">
-                          <a:solidFill>
-                            <a:srgbClr val="000000"/>
-                          </a:solidFill>
-                          <a:effectLst/>
-                          <a:latin typeface="Calibri" panose="020F0502020204030204" pitchFamily="34" charset="0"/>
-                        </a:rPr>
-                        <a:t>12410</a:t>
-                      </a:r>
-                    </a:p>
-                  </a:txBody>
-                  <a:tcPr marL="9525" marR="9525" marT="9525" marB="0" anchor="b">
-                    <a:lnL w="12700" cap="flat" cmpd="sng" algn="ctr">
-                      <a:solidFill>
-                        <a:schemeClr val="tx1"/>
-                      </a:solidFill>
-                      <a:prstDash val="solid"/>
-                      <a:round/>
-                      <a:headEnd type="none" w="med" len="med"/>
-                      <a:tailEnd type="none" w="med" len="med"/>
-                    </a:lnL>
-                    <a:lnR w="12700" cap="flat" cmpd="sng" algn="ctr">
-                      <a:solidFill>
-                        <a:schemeClr val="tx1"/>
-                      </a:solidFill>
-                      <a:prstDash val="solid"/>
-                      <a:round/>
-                      <a:headEnd type="none" w="med" len="med"/>
-                      <a:tailEnd type="none" w="med" len="med"/>
-                    </a:lnR>
-                    <a:lnT w="12700" cap="flat" cmpd="sng" algn="ctr">
-                      <a:solidFill>
-                        <a:schemeClr val="tx1"/>
-                      </a:solidFill>
-                      <a:prstDash val="solid"/>
-                      <a:round/>
-                      <a:headEnd type="none" w="med" len="med"/>
-                      <a:tailEnd type="none" w="med" len="med"/>
-                    </a:lnT>
-                    <a:lnB w="12700" cap="flat" cmpd="sng" algn="ctr">
-                      <a:solidFill>
-                        <a:schemeClr val="tx1"/>
-                      </a:solidFill>
-                      <a:prstDash val="solid"/>
-                      <a:round/>
-                      <a:headEnd type="none" w="med" len="med"/>
-                      <a:tailEnd type="none" w="med" len="med"/>
-                    </a:lnB>
-                  </a:tcPr>
-                </a:tc>
-                <a:tc>
-                  <a:txBody>
-                    <a:bodyPr/>
-                    <a:lstStyle/>
-                    <a:p>
-                      <a:pPr algn="ctr" fontAlgn="b"/>
-                      <a:r>
-                        <a:rPr lang="en-US" sz="2000" b="0" i="0" u="none" strike="noStrike">
-                          <a:solidFill>
-                            <a:srgbClr val="000000"/>
-                          </a:solidFill>
-                          <a:effectLst/>
-                          <a:latin typeface="Calibri" panose="020F0502020204030204" pitchFamily="34" charset="0"/>
-                        </a:rPr>
-                        <a:t>M</a:t>
-                      </a:r>
-                    </a:p>
-                  </a:txBody>
-                  <a:tcPr marL="9525" marR="9525" marT="9525" marB="0" anchor="b">
-                    <a:lnL w="12700" cap="flat" cmpd="sng" algn="ctr">
-                      <a:solidFill>
-                        <a:schemeClr val="tx1"/>
-                      </a:solidFill>
-                      <a:prstDash val="solid"/>
-                      <a:round/>
-                      <a:headEnd type="none" w="med" len="med"/>
-                      <a:tailEnd type="none" w="med" len="med"/>
-                    </a:lnL>
-                    <a:lnR w="12700" cap="flat" cmpd="sng" algn="ctr">
-                      <a:solidFill>
-                        <a:schemeClr val="tx1"/>
-                      </a:solidFill>
-                      <a:prstDash val="solid"/>
-                      <a:round/>
-                      <a:headEnd type="none" w="med" len="med"/>
-                      <a:tailEnd type="none" w="med" len="med"/>
-                    </a:lnR>
-                    <a:lnT w="12700" cap="flat" cmpd="sng" algn="ctr">
-                      <a:solidFill>
-                        <a:schemeClr val="tx1"/>
-                      </a:solidFill>
-                      <a:prstDash val="solid"/>
-                      <a:round/>
-                      <a:headEnd type="none" w="med" len="med"/>
-                      <a:tailEnd type="none" w="med" len="med"/>
-                    </a:lnT>
-                    <a:lnB w="12700" cap="flat" cmpd="sng" algn="ctr">
-                      <a:solidFill>
-                        <a:schemeClr val="tx1"/>
-                      </a:solidFill>
-                      <a:prstDash val="solid"/>
-                      <a:round/>
-                      <a:headEnd type="none" w="med" len="med"/>
-                      <a:tailEnd type="none" w="med" len="med"/>
-                    </a:lnB>
-                  </a:tcPr>
-                </a:tc>
-                <a:tc>
-                  <a:txBody>
-                    <a:bodyPr/>
-                    <a:lstStyle/>
-                    <a:p>
-                      <a:pPr algn="ctr" fontAlgn="b"/>
-                      <a:r>
-                        <a:rPr lang="en-US" sz="2000" b="0" i="0" u="none" strike="noStrike" dirty="0">
-                          <a:solidFill>
-                            <a:srgbClr val="000000"/>
-                          </a:solidFill>
-                          <a:effectLst/>
-                          <a:latin typeface="Calibri" panose="020F0502020204030204" pitchFamily="34" charset="0"/>
-                        </a:rPr>
-                        <a:t>pt00001</a:t>
-                      </a:r>
-                    </a:p>
-                  </a:txBody>
-                  <a:tcPr marL="9525" marR="9525" marT="9525" marB="0" anchor="b">
-                    <a:lnL w="12700" cap="flat" cmpd="sng" algn="ctr">
-                      <a:solidFill>
-                        <a:schemeClr val="tx1"/>
-                      </a:solidFill>
-                      <a:prstDash val="solid"/>
-                      <a:round/>
-                      <a:headEnd type="none" w="med" len="med"/>
-                      <a:tailEnd type="none" w="med" len="med"/>
-                    </a:lnL>
-                    <a:lnR w="12700" cap="flat" cmpd="sng" algn="ctr">
-                      <a:solidFill>
-                        <a:schemeClr val="tx1"/>
-                      </a:solidFill>
-                      <a:prstDash val="solid"/>
-                      <a:round/>
-                      <a:headEnd type="none" w="med" len="med"/>
-                      <a:tailEnd type="none" w="med" len="med"/>
-                    </a:lnR>
-                    <a:lnT w="12700" cap="flat" cmpd="sng" algn="ctr">
-                      <a:solidFill>
-                        <a:schemeClr val="tx1"/>
-                      </a:solidFill>
-                      <a:prstDash val="solid"/>
-                      <a:round/>
-                      <a:headEnd type="none" w="med" len="med"/>
-                      <a:tailEnd type="none" w="med" len="med"/>
-                    </a:lnT>
-                    <a:lnB w="12700" cap="flat" cmpd="sng" algn="ctr">
-                      <a:solidFill>
-                        <a:schemeClr val="tx1"/>
-                      </a:solidFill>
-                      <a:prstDash val="solid"/>
-                      <a:round/>
-                      <a:headEnd type="none" w="med" len="med"/>
-                      <a:tailEnd type="none" w="med" len="med"/>
-                    </a:lnB>
-                  </a:tcPr>
-                </a:tc>
-                <a:tc>
-                  <a:txBody>
-                    <a:bodyPr/>
-                    <a:lstStyle/>
-                    <a:p>
-                      <a:pPr algn="ctr" fontAlgn="b"/>
-                      <a:r>
-                        <a:rPr lang="en-US" sz="2000" b="0" i="0" u="none" strike="noStrike">
-                          <a:solidFill>
-                            <a:srgbClr val="000000"/>
-                          </a:solidFill>
-                          <a:effectLst/>
-                          <a:latin typeface="Calibri" panose="020F0502020204030204" pitchFamily="34" charset="0"/>
-                        </a:rPr>
-                        <a:t>TRUE</a:t>
-                      </a:r>
-                    </a:p>
-                  </a:txBody>
-                  <a:tcPr marL="9525" marR="9525" marT="9525" marB="0" anchor="b">
-                    <a:lnL w="12700" cap="flat" cmpd="sng" algn="ctr">
-                      <a:solidFill>
-                        <a:schemeClr val="tx1"/>
-                      </a:solidFill>
-                      <a:prstDash val="solid"/>
-                      <a:round/>
-                      <a:headEnd type="none" w="med" len="med"/>
-                      <a:tailEnd type="none" w="med" len="med"/>
-                    </a:lnL>
-                    <a:lnR w="12700" cap="flat" cmpd="sng" algn="ctr">
-                      <a:solidFill>
-                        <a:schemeClr val="tx1"/>
-                      </a:solidFill>
-                      <a:prstDash val="solid"/>
-                      <a:round/>
-                      <a:headEnd type="none" w="med" len="med"/>
-                      <a:tailEnd type="none" w="med" len="med"/>
-                    </a:lnR>
-                    <a:lnT w="12700" cap="flat" cmpd="sng" algn="ctr">
-                      <a:solidFill>
-                        <a:schemeClr val="tx1"/>
-                      </a:solidFill>
-                      <a:prstDash val="solid"/>
-                      <a:round/>
-                      <a:headEnd type="none" w="med" len="med"/>
-                      <a:tailEnd type="none" w="med" len="med"/>
-                    </a:lnT>
-                    <a:lnB w="12700" cap="flat" cmpd="sng" algn="ctr">
-                      <a:solidFill>
-                        <a:schemeClr val="tx1"/>
-                      </a:solidFill>
-                      <a:prstDash val="solid"/>
-                      <a:round/>
-                      <a:headEnd type="none" w="med" len="med"/>
-                      <a:tailEnd type="none" w="med" len="med"/>
-                    </a:lnB>
-                  </a:tcPr>
-                </a:tc>
-                <a:tc>
-                  <a:txBody>
-                    <a:bodyPr/>
-                    <a:lstStyle/>
-                    <a:p>
-                      <a:pPr algn="ctr" fontAlgn="b"/>
-                      <a:r>
-                        <a:rPr lang="en-US" sz="2000" b="0" i="0" u="none" strike="noStrike">
-                          <a:solidFill>
-                            <a:srgbClr val="000000"/>
-                          </a:solidFill>
-                          <a:effectLst/>
-                          <a:latin typeface="Calibri" panose="020F0502020204030204" pitchFamily="34" charset="0"/>
-                        </a:rPr>
-                        <a:t>FALSE</a:t>
-                      </a:r>
-                    </a:p>
-                  </a:txBody>
-                  <a:tcPr marL="9525" marR="9525" marT="9525" marB="0" anchor="b">
-                    <a:lnL w="12700" cap="flat" cmpd="sng" algn="ctr">
-                      <a:solidFill>
-                        <a:schemeClr val="tx1"/>
-                      </a:solidFill>
-                      <a:prstDash val="solid"/>
-                      <a:round/>
-                      <a:headEnd type="none" w="med" len="med"/>
-                      <a:tailEnd type="none" w="med" len="med"/>
-                    </a:lnL>
-                    <a:lnR w="12700" cap="flat" cmpd="sng" algn="ctr">
-                      <a:solidFill>
-                        <a:schemeClr val="tx1"/>
-                      </a:solidFill>
-                      <a:prstDash val="solid"/>
-                      <a:round/>
-                      <a:headEnd type="none" w="med" len="med"/>
-                      <a:tailEnd type="none" w="med" len="med"/>
-                    </a:lnR>
-                    <a:lnT w="12700" cap="flat" cmpd="sng" algn="ctr">
-                      <a:solidFill>
-                        <a:schemeClr val="tx1"/>
-                      </a:solidFill>
-                      <a:prstDash val="solid"/>
-                      <a:round/>
-                      <a:headEnd type="none" w="med" len="med"/>
-                      <a:tailEnd type="none" w="med" len="med"/>
-                    </a:lnT>
-                    <a:lnB w="12700" cap="flat" cmpd="sng" algn="ctr">
-                      <a:solidFill>
-                        <a:schemeClr val="tx1"/>
-                      </a:solidFill>
-                      <a:prstDash val="solid"/>
-                      <a:round/>
-                      <a:headEnd type="none" w="med" len="med"/>
-                      <a:tailEnd type="none" w="med" len="med"/>
-                    </a:lnB>
-                  </a:tcPr>
-                </a:tc>
-                <a:tc>
-                  <a:txBody>
-                    <a:bodyPr/>
-                    <a:lstStyle/>
-                    <a:p>
-                      <a:pPr algn="ctr" fontAlgn="b"/>
-                      <a:r>
-                        <a:rPr lang="en-US" sz="2000" b="0" i="0" u="none" strike="noStrike">
-                          <a:solidFill>
-                            <a:srgbClr val="000000"/>
-                          </a:solidFill>
-                          <a:effectLst/>
-                          <a:latin typeface="Calibri" panose="020F0502020204030204" pitchFamily="34" charset="0"/>
-                        </a:rPr>
-                        <a:t>9114402.2</a:t>
-                      </a:r>
-                    </a:p>
-                  </a:txBody>
-                  <a:tcPr marL="9525" marR="9525" marT="9525" marB="0" anchor="b">
-                    <a:lnL w="12700" cap="flat" cmpd="sng" algn="ctr">
-                      <a:solidFill>
-                        <a:schemeClr val="tx1"/>
-                      </a:solidFill>
-                      <a:prstDash val="solid"/>
-                      <a:round/>
-                      <a:headEnd type="none" w="med" len="med"/>
-                      <a:tailEnd type="none" w="med" len="med"/>
-                    </a:lnL>
-                    <a:lnR w="12700" cap="flat" cmpd="sng" algn="ctr">
-                      <a:solidFill>
-                        <a:schemeClr val="tx1"/>
-                      </a:solidFill>
-                      <a:prstDash val="solid"/>
-                      <a:round/>
-                      <a:headEnd type="none" w="med" len="med"/>
-                      <a:tailEnd type="none" w="med" len="med"/>
-                    </a:lnR>
-                    <a:lnT w="12700" cap="flat" cmpd="sng" algn="ctr">
-                      <a:solidFill>
-                        <a:schemeClr val="tx1"/>
-                      </a:solidFill>
-                      <a:prstDash val="solid"/>
-                      <a:round/>
-                      <a:headEnd type="none" w="med" len="med"/>
-                      <a:tailEnd type="none" w="med" len="med"/>
-                    </a:lnT>
-                    <a:lnB w="12700" cap="flat" cmpd="sng" algn="ctr">
-                      <a:solidFill>
-                        <a:schemeClr val="tx1"/>
-                      </a:solidFill>
-                      <a:prstDash val="solid"/>
-                      <a:round/>
-                      <a:headEnd type="none" w="med" len="med"/>
-                      <a:tailEnd type="none" w="med" len="med"/>
-                    </a:lnB>
-                  </a:tcPr>
-                </a:tc>
-                <a:extLst>
-                  <a:ext uri="{0D108BD9-81ED-4DB2-BD59-A6C34878D82A}">
-                    <a16:rowId xmlns:a16="http://schemas.microsoft.com/office/drawing/2014/main" val="1652950446"/>
-                  </a:ext>
-                </a:extLst>
-              </a:tr>
-              <a:tr h="203200">
-                <a:tc>
-                  <a:txBody>
-                    <a:bodyPr/>
-                    <a:lstStyle/>
-                    <a:p>
-                      <a:pPr algn="l" fontAlgn="b"/>
-                      <a:r>
-                        <a:rPr lang="en-US" sz="2000" b="0" i="0" u="none" strike="noStrike">
-                          <a:solidFill>
-                            <a:srgbClr val="000000"/>
-                          </a:solidFill>
-                          <a:effectLst/>
-                          <a:latin typeface="Calibri" panose="020F0502020204030204" pitchFamily="34" charset="0"/>
-                        </a:rPr>
-                        <a:t>pt01_Mtb</a:t>
-                      </a:r>
-                    </a:p>
-                  </a:txBody>
-                  <a:tcPr marL="9525" marR="9525" marT="9525" marB="0" anchor="b">
-                    <a:lnL w="12700" cap="flat" cmpd="sng" algn="ctr">
-                      <a:solidFill>
-                        <a:schemeClr val="tx1"/>
-                      </a:solidFill>
-                      <a:prstDash val="solid"/>
-                      <a:round/>
-                      <a:headEnd type="none" w="med" len="med"/>
-                      <a:tailEnd type="none" w="med" len="med"/>
-                    </a:lnL>
-                    <a:lnR w="12700" cap="flat" cmpd="sng" algn="ctr">
-                      <a:solidFill>
-                        <a:schemeClr val="tx1"/>
-                      </a:solidFill>
-                      <a:prstDash val="solid"/>
-                      <a:round/>
-                      <a:headEnd type="none" w="med" len="med"/>
-                      <a:tailEnd type="none" w="med" len="med"/>
-                    </a:lnR>
-                    <a:lnT w="12700" cap="flat" cmpd="sng" algn="ctr">
-                      <a:solidFill>
-                        <a:schemeClr val="tx1"/>
-                      </a:solidFill>
-                      <a:prstDash val="solid"/>
-                      <a:round/>
-                      <a:headEnd type="none" w="med" len="med"/>
-                      <a:tailEnd type="none" w="med" len="med"/>
-                    </a:lnT>
-                    <a:lnB w="12700" cap="flat" cmpd="sng" algn="ctr">
-                      <a:solidFill>
-                        <a:schemeClr val="tx1"/>
-                      </a:solidFill>
-                      <a:prstDash val="solid"/>
-                      <a:round/>
-                      <a:headEnd type="none" w="med" len="med"/>
-                      <a:tailEnd type="none" w="med" len="med"/>
-                    </a:lnB>
-                  </a:tcPr>
-                </a:tc>
-                <a:tc>
-                  <a:txBody>
-                    <a:bodyPr/>
-                    <a:lstStyle/>
-                    <a:p>
-                      <a:pPr algn="ctr" fontAlgn="b"/>
-                      <a:r>
-                        <a:rPr lang="en-US" sz="2000" b="0" i="0" u="none" strike="noStrike">
-                          <a:solidFill>
-                            <a:srgbClr val="000000"/>
-                          </a:solidFill>
-                          <a:effectLst/>
-                          <a:latin typeface="Calibri" panose="020F0502020204030204" pitchFamily="34" charset="0"/>
-                        </a:rPr>
-                        <a:t>pt01</a:t>
-                      </a:r>
-                    </a:p>
-                  </a:txBody>
-                  <a:tcPr marL="9525" marR="9525" marT="9525" marB="0" anchor="b">
-                    <a:lnL w="12700" cap="flat" cmpd="sng" algn="ctr">
-                      <a:solidFill>
-                        <a:schemeClr val="tx1"/>
-                      </a:solidFill>
-                      <a:prstDash val="solid"/>
-                      <a:round/>
-                      <a:headEnd type="none" w="med" len="med"/>
-                      <a:tailEnd type="none" w="med" len="med"/>
-                    </a:lnL>
-                    <a:lnR w="12700" cap="flat" cmpd="sng" algn="ctr">
-                      <a:solidFill>
-                        <a:schemeClr val="tx1"/>
-                      </a:solidFill>
-                      <a:prstDash val="solid"/>
-                      <a:round/>
-                      <a:headEnd type="none" w="med" len="med"/>
-                      <a:tailEnd type="none" w="med" len="med"/>
-                    </a:lnR>
-                    <a:lnT w="12700" cap="flat" cmpd="sng" algn="ctr">
-                      <a:solidFill>
-                        <a:schemeClr val="tx1"/>
-                      </a:solidFill>
-                      <a:prstDash val="solid"/>
-                      <a:round/>
-                      <a:headEnd type="none" w="med" len="med"/>
-                      <a:tailEnd type="none" w="med" len="med"/>
-                    </a:lnT>
-                    <a:lnB w="12700" cap="flat" cmpd="sng" algn="ctr">
-                      <a:solidFill>
-                        <a:schemeClr val="tx1"/>
-                      </a:solidFill>
-                      <a:prstDash val="solid"/>
-                      <a:round/>
-                      <a:headEnd type="none" w="med" len="med"/>
-                      <a:tailEnd type="none" w="med" len="med"/>
-                    </a:lnB>
-                  </a:tcPr>
-                </a:tc>
-                <a:tc>
-                  <a:txBody>
-                    <a:bodyPr/>
-                    <a:lstStyle/>
-                    <a:p>
-                      <a:pPr algn="ctr" fontAlgn="b"/>
-                      <a:r>
-                        <a:rPr lang="en-US" sz="2000" b="0" i="0" u="none" strike="noStrike">
-                          <a:solidFill>
-                            <a:srgbClr val="000000"/>
-                          </a:solidFill>
-                          <a:effectLst/>
-                          <a:latin typeface="Calibri" panose="020F0502020204030204" pitchFamily="34" charset="0"/>
-                        </a:rPr>
-                        <a:t>Mtb</a:t>
-                      </a:r>
-                    </a:p>
-                  </a:txBody>
-                  <a:tcPr marL="9525" marR="9525" marT="9525" marB="0" anchor="b">
-                    <a:lnL w="12700" cap="flat" cmpd="sng" algn="ctr">
-                      <a:solidFill>
-                        <a:schemeClr val="tx1"/>
-                      </a:solidFill>
-                      <a:prstDash val="solid"/>
-                      <a:round/>
-                      <a:headEnd type="none" w="med" len="med"/>
-                      <a:tailEnd type="none" w="med" len="med"/>
-                    </a:lnL>
-                    <a:lnR w="12700" cap="flat" cmpd="sng" algn="ctr">
-                      <a:solidFill>
-                        <a:schemeClr val="tx1"/>
-                      </a:solidFill>
-                      <a:prstDash val="solid"/>
-                      <a:round/>
-                      <a:headEnd type="none" w="med" len="med"/>
-                      <a:tailEnd type="none" w="med" len="med"/>
-                    </a:lnR>
-                    <a:lnT w="12700" cap="flat" cmpd="sng" algn="ctr">
-                      <a:solidFill>
-                        <a:schemeClr val="tx1"/>
-                      </a:solidFill>
-                      <a:prstDash val="solid"/>
-                      <a:round/>
-                      <a:headEnd type="none" w="med" len="med"/>
-                      <a:tailEnd type="none" w="med" len="med"/>
-                    </a:lnT>
-                    <a:lnB w="12700" cap="flat" cmpd="sng" algn="ctr">
-                      <a:solidFill>
-                        <a:schemeClr val="tx1"/>
-                      </a:solidFill>
-                      <a:prstDash val="solid"/>
-                      <a:round/>
-                      <a:headEnd type="none" w="med" len="med"/>
-                      <a:tailEnd type="none" w="med" len="med"/>
-                    </a:lnB>
-                  </a:tcPr>
-                </a:tc>
-                <a:tc>
-                  <a:txBody>
-                    <a:bodyPr/>
-                    <a:lstStyle/>
-                    <a:p>
-                      <a:pPr algn="ctr" fontAlgn="b"/>
-                      <a:r>
-                        <a:rPr lang="en-US" sz="2000" b="0" i="0" u="none" strike="noStrike">
-                          <a:solidFill>
-                            <a:srgbClr val="000000"/>
-                          </a:solidFill>
-                          <a:effectLst/>
-                          <a:latin typeface="Calibri" panose="020F0502020204030204" pitchFamily="34" charset="0"/>
-                        </a:rPr>
-                        <a:t>12410</a:t>
-                      </a:r>
-                    </a:p>
-                  </a:txBody>
-                  <a:tcPr marL="9525" marR="9525" marT="9525" marB="0" anchor="b">
-                    <a:lnL w="12700" cap="flat" cmpd="sng" algn="ctr">
-                      <a:solidFill>
-                        <a:schemeClr val="tx1"/>
-                      </a:solidFill>
-                      <a:prstDash val="solid"/>
-                      <a:round/>
-                      <a:headEnd type="none" w="med" len="med"/>
-                      <a:tailEnd type="none" w="med" len="med"/>
-                    </a:lnL>
-                    <a:lnR w="12700" cap="flat" cmpd="sng" algn="ctr">
-                      <a:solidFill>
-                        <a:schemeClr val="tx1"/>
-                      </a:solidFill>
-                      <a:prstDash val="solid"/>
-                      <a:round/>
-                      <a:headEnd type="none" w="med" len="med"/>
-                      <a:tailEnd type="none" w="med" len="med"/>
-                    </a:lnR>
-                    <a:lnT w="12700" cap="flat" cmpd="sng" algn="ctr">
-                      <a:solidFill>
-                        <a:schemeClr val="tx1"/>
-                      </a:solidFill>
-                      <a:prstDash val="solid"/>
-                      <a:round/>
-                      <a:headEnd type="none" w="med" len="med"/>
-                      <a:tailEnd type="none" w="med" len="med"/>
-                    </a:lnT>
-                    <a:lnB w="12700" cap="flat" cmpd="sng" algn="ctr">
-                      <a:solidFill>
-                        <a:schemeClr val="tx1"/>
-                      </a:solidFill>
-                      <a:prstDash val="solid"/>
-                      <a:round/>
-                      <a:headEnd type="none" w="med" len="med"/>
-                      <a:tailEnd type="none" w="med" len="med"/>
-                    </a:lnB>
-                  </a:tcPr>
-                </a:tc>
-                <a:tc>
-                  <a:txBody>
-                    <a:bodyPr/>
-                    <a:lstStyle/>
-                    <a:p>
-                      <a:pPr algn="ctr" fontAlgn="b"/>
-                      <a:r>
-                        <a:rPr lang="en-US" sz="2000" b="0" i="0" u="none" strike="noStrike">
-                          <a:solidFill>
-                            <a:srgbClr val="000000"/>
-                          </a:solidFill>
-                          <a:effectLst/>
-                          <a:latin typeface="Calibri" panose="020F0502020204030204" pitchFamily="34" charset="0"/>
-                        </a:rPr>
-                        <a:t>M</a:t>
-                      </a:r>
-                    </a:p>
-                  </a:txBody>
-                  <a:tcPr marL="9525" marR="9525" marT="9525" marB="0" anchor="b">
-                    <a:lnL w="12700" cap="flat" cmpd="sng" algn="ctr">
-                      <a:solidFill>
-                        <a:schemeClr val="tx1"/>
-                      </a:solidFill>
-                      <a:prstDash val="solid"/>
-                      <a:round/>
-                      <a:headEnd type="none" w="med" len="med"/>
-                      <a:tailEnd type="none" w="med" len="med"/>
-                    </a:lnL>
-                    <a:lnR w="12700" cap="flat" cmpd="sng" algn="ctr">
-                      <a:solidFill>
-                        <a:schemeClr val="tx1"/>
-                      </a:solidFill>
-                      <a:prstDash val="solid"/>
-                      <a:round/>
-                      <a:headEnd type="none" w="med" len="med"/>
-                      <a:tailEnd type="none" w="med" len="med"/>
-                    </a:lnR>
-                    <a:lnT w="12700" cap="flat" cmpd="sng" algn="ctr">
-                      <a:solidFill>
-                        <a:schemeClr val="tx1"/>
-                      </a:solidFill>
-                      <a:prstDash val="solid"/>
-                      <a:round/>
-                      <a:headEnd type="none" w="med" len="med"/>
-                      <a:tailEnd type="none" w="med" len="med"/>
-                    </a:lnT>
-                    <a:lnB w="12700" cap="flat" cmpd="sng" algn="ctr">
-                      <a:solidFill>
-                        <a:schemeClr val="tx1"/>
-                      </a:solidFill>
-                      <a:prstDash val="solid"/>
-                      <a:round/>
-                      <a:headEnd type="none" w="med" len="med"/>
-                      <a:tailEnd type="none" w="med" len="med"/>
-                    </a:lnB>
-                  </a:tcPr>
-                </a:tc>
-                <a:tc>
-                  <a:txBody>
-                    <a:bodyPr/>
-                    <a:lstStyle/>
-                    <a:p>
-                      <a:pPr algn="ctr" fontAlgn="b"/>
-                      <a:r>
-                        <a:rPr lang="en-US" sz="2000" b="0" i="0" u="none" strike="noStrike">
-                          <a:solidFill>
-                            <a:srgbClr val="000000"/>
-                          </a:solidFill>
-                          <a:effectLst/>
-                          <a:latin typeface="Calibri" panose="020F0502020204030204" pitchFamily="34" charset="0"/>
-                        </a:rPr>
-                        <a:t>pt00001</a:t>
-                      </a:r>
-                    </a:p>
-                  </a:txBody>
-                  <a:tcPr marL="9525" marR="9525" marT="9525" marB="0" anchor="b">
-                    <a:lnL w="12700" cap="flat" cmpd="sng" algn="ctr">
-                      <a:solidFill>
-                        <a:schemeClr val="tx1"/>
-                      </a:solidFill>
-                      <a:prstDash val="solid"/>
-                      <a:round/>
-                      <a:headEnd type="none" w="med" len="med"/>
-                      <a:tailEnd type="none" w="med" len="med"/>
-                    </a:lnL>
-                    <a:lnR w="12700" cap="flat" cmpd="sng" algn="ctr">
-                      <a:solidFill>
-                        <a:schemeClr val="tx1"/>
-                      </a:solidFill>
-                      <a:prstDash val="solid"/>
-                      <a:round/>
-                      <a:headEnd type="none" w="med" len="med"/>
-                      <a:tailEnd type="none" w="med" len="med"/>
-                    </a:lnR>
-                    <a:lnT w="12700" cap="flat" cmpd="sng" algn="ctr">
-                      <a:solidFill>
-                        <a:schemeClr val="tx1"/>
-                      </a:solidFill>
-                      <a:prstDash val="solid"/>
-                      <a:round/>
-                      <a:headEnd type="none" w="med" len="med"/>
-                      <a:tailEnd type="none" w="med" len="med"/>
-                    </a:lnT>
-                    <a:lnB w="12700" cap="flat" cmpd="sng" algn="ctr">
-                      <a:solidFill>
-                        <a:schemeClr val="tx1"/>
-                      </a:solidFill>
-                      <a:prstDash val="solid"/>
-                      <a:round/>
-                      <a:headEnd type="none" w="med" len="med"/>
-                      <a:tailEnd type="none" w="med" len="med"/>
-                    </a:lnB>
-                  </a:tcPr>
-                </a:tc>
-                <a:tc>
-                  <a:txBody>
-                    <a:bodyPr/>
-                    <a:lstStyle/>
-                    <a:p>
-                      <a:pPr algn="ctr" fontAlgn="b"/>
-                      <a:r>
-                        <a:rPr lang="en-US" sz="2000" b="0" i="0" u="none" strike="noStrike" dirty="0">
-                          <a:solidFill>
-                            <a:srgbClr val="000000"/>
-                          </a:solidFill>
-                          <a:effectLst/>
-                          <a:latin typeface="Calibri" panose="020F0502020204030204" pitchFamily="34" charset="0"/>
-                        </a:rPr>
-                        <a:t>TRUE</a:t>
-                      </a:r>
-                    </a:p>
-                  </a:txBody>
-                  <a:tcPr marL="9525" marR="9525" marT="9525" marB="0" anchor="b">
-                    <a:lnL w="12700" cap="flat" cmpd="sng" algn="ctr">
-                      <a:solidFill>
-                        <a:schemeClr val="tx1"/>
-                      </a:solidFill>
-                      <a:prstDash val="solid"/>
-                      <a:round/>
-                      <a:headEnd type="none" w="med" len="med"/>
-                      <a:tailEnd type="none" w="med" len="med"/>
-                    </a:lnL>
-                    <a:lnR w="12700" cap="flat" cmpd="sng" algn="ctr">
-                      <a:solidFill>
-                        <a:schemeClr val="tx1"/>
-                      </a:solidFill>
-                      <a:prstDash val="solid"/>
-                      <a:round/>
-                      <a:headEnd type="none" w="med" len="med"/>
-                      <a:tailEnd type="none" w="med" len="med"/>
-                    </a:lnR>
-                    <a:lnT w="12700" cap="flat" cmpd="sng" algn="ctr">
-                      <a:solidFill>
-                        <a:schemeClr val="tx1"/>
-                      </a:solidFill>
-                      <a:prstDash val="solid"/>
-                      <a:round/>
-                      <a:headEnd type="none" w="med" len="med"/>
-                      <a:tailEnd type="none" w="med" len="med"/>
-                    </a:lnT>
-                    <a:lnB w="12700" cap="flat" cmpd="sng" algn="ctr">
-                      <a:solidFill>
-                        <a:schemeClr val="tx1"/>
-                      </a:solidFill>
-                      <a:prstDash val="solid"/>
-                      <a:round/>
-                      <a:headEnd type="none" w="med" len="med"/>
-                      <a:tailEnd type="none" w="med" len="med"/>
-                    </a:lnB>
-                  </a:tcPr>
-                </a:tc>
-                <a:tc>
-                  <a:txBody>
-                    <a:bodyPr/>
-                    <a:lstStyle/>
-                    <a:p>
-                      <a:pPr algn="ctr" fontAlgn="b"/>
-                      <a:r>
-                        <a:rPr lang="en-US" sz="2000" b="0" i="0" u="none" strike="noStrike" dirty="0">
-                          <a:solidFill>
-                            <a:srgbClr val="000000"/>
-                          </a:solidFill>
-                          <a:effectLst/>
-                          <a:latin typeface="Calibri" panose="020F0502020204030204" pitchFamily="34" charset="0"/>
-                        </a:rPr>
-                        <a:t>FALSE</a:t>
-                      </a:r>
-                    </a:p>
-                  </a:txBody>
-                  <a:tcPr marL="9525" marR="9525" marT="9525" marB="0" anchor="b">
-                    <a:lnL w="12700" cap="flat" cmpd="sng" algn="ctr">
-                      <a:solidFill>
-                        <a:schemeClr val="tx1"/>
-                      </a:solidFill>
-                      <a:prstDash val="solid"/>
-                      <a:round/>
-                      <a:headEnd type="none" w="med" len="med"/>
-                      <a:tailEnd type="none" w="med" len="med"/>
-                    </a:lnL>
-                    <a:lnR w="12700" cap="flat" cmpd="sng" algn="ctr">
-                      <a:solidFill>
-                        <a:schemeClr val="tx1"/>
-                      </a:solidFill>
-                      <a:prstDash val="solid"/>
-                      <a:round/>
-                      <a:headEnd type="none" w="med" len="med"/>
-                      <a:tailEnd type="none" w="med" len="med"/>
-                    </a:lnR>
-                    <a:lnT w="12700" cap="flat" cmpd="sng" algn="ctr">
-                      <a:solidFill>
-                        <a:schemeClr val="tx1"/>
-                      </a:solidFill>
-                      <a:prstDash val="solid"/>
-                      <a:round/>
-                      <a:headEnd type="none" w="med" len="med"/>
-                      <a:tailEnd type="none" w="med" len="med"/>
-                    </a:lnT>
-                    <a:lnB w="12700" cap="flat" cmpd="sng" algn="ctr">
-                      <a:solidFill>
-                        <a:schemeClr val="tx1"/>
-                      </a:solidFill>
-                      <a:prstDash val="solid"/>
-                      <a:round/>
-                      <a:headEnd type="none" w="med" len="med"/>
-                      <a:tailEnd type="none" w="med" len="med"/>
-                    </a:lnB>
-                  </a:tcPr>
-                </a:tc>
-                <a:tc>
-                  <a:txBody>
-                    <a:bodyPr/>
-                    <a:lstStyle/>
-                    <a:p>
-                      <a:pPr algn="ctr" fontAlgn="b"/>
-                      <a:r>
-                        <a:rPr lang="en-US" sz="2000" b="0" i="0" u="none" strike="noStrike">
-                          <a:solidFill>
-                            <a:srgbClr val="000000"/>
-                          </a:solidFill>
-                          <a:effectLst/>
-                          <a:latin typeface="Calibri" panose="020F0502020204030204" pitchFamily="34" charset="0"/>
-                        </a:rPr>
-                        <a:t>8918699.42</a:t>
-                      </a:r>
-                    </a:p>
-                  </a:txBody>
-                  <a:tcPr marL="9525" marR="9525" marT="9525" marB="0" anchor="b">
-                    <a:lnL w="12700" cap="flat" cmpd="sng" algn="ctr">
-                      <a:solidFill>
-                        <a:schemeClr val="tx1"/>
-                      </a:solidFill>
-                      <a:prstDash val="solid"/>
-                      <a:round/>
-                      <a:headEnd type="none" w="med" len="med"/>
-                      <a:tailEnd type="none" w="med" len="med"/>
-                    </a:lnL>
-                    <a:lnR w="12700" cap="flat" cmpd="sng" algn="ctr">
-                      <a:solidFill>
-                        <a:schemeClr val="tx1"/>
-                      </a:solidFill>
-                      <a:prstDash val="solid"/>
-                      <a:round/>
-                      <a:headEnd type="none" w="med" len="med"/>
-                      <a:tailEnd type="none" w="med" len="med"/>
-                    </a:lnR>
-                    <a:lnT w="12700" cap="flat" cmpd="sng" algn="ctr">
-                      <a:solidFill>
-                        <a:schemeClr val="tx1"/>
-                      </a:solidFill>
-                      <a:prstDash val="solid"/>
-                      <a:round/>
-                      <a:headEnd type="none" w="med" len="med"/>
-                      <a:tailEnd type="none" w="med" len="med"/>
-                    </a:lnT>
-                    <a:lnB w="12700" cap="flat" cmpd="sng" algn="ctr">
-                      <a:solidFill>
-                        <a:schemeClr val="tx1"/>
-                      </a:solidFill>
-                      <a:prstDash val="solid"/>
-                      <a:round/>
-                      <a:headEnd type="none" w="med" len="med"/>
-                      <a:tailEnd type="none" w="med" len="med"/>
-                    </a:lnB>
-                  </a:tcPr>
-                </a:tc>
-                <a:extLst>
-                  <a:ext uri="{0D108BD9-81ED-4DB2-BD59-A6C34878D82A}">
-                    <a16:rowId xmlns:a16="http://schemas.microsoft.com/office/drawing/2014/main" val="3979530720"/>
-                  </a:ext>
-                </a:extLst>
-              </a:tr>
-              <a:tr h="203200">
-                <a:tc>
-                  <a:txBody>
-                    <a:bodyPr/>
-                    <a:lstStyle/>
-                    <a:p>
-                      <a:pPr algn="l" fontAlgn="b"/>
-                      <a:r>
-                        <a:rPr lang="en-US" sz="2000" b="0" i="0" u="none" strike="noStrike">
-                          <a:solidFill>
-                            <a:srgbClr val="000000"/>
-                          </a:solidFill>
-                          <a:effectLst/>
-                          <a:latin typeface="Calibri" panose="020F0502020204030204" pitchFamily="34" charset="0"/>
-                        </a:rPr>
-                        <a:t>pt02_Media</a:t>
-                      </a:r>
-                    </a:p>
-                  </a:txBody>
-                  <a:tcPr marL="9525" marR="9525" marT="9525" marB="0" anchor="b">
-                    <a:lnL w="12700" cap="flat" cmpd="sng" algn="ctr">
-                      <a:solidFill>
-                        <a:schemeClr val="tx1"/>
-                      </a:solidFill>
-                      <a:prstDash val="solid"/>
-                      <a:round/>
-                      <a:headEnd type="none" w="med" len="med"/>
-                      <a:tailEnd type="none" w="med" len="med"/>
-                    </a:lnL>
-                    <a:lnR w="12700" cap="flat" cmpd="sng" algn="ctr">
-                      <a:solidFill>
-                        <a:schemeClr val="tx1"/>
-                      </a:solidFill>
-                      <a:prstDash val="solid"/>
-                      <a:round/>
-                      <a:headEnd type="none" w="med" len="med"/>
-                      <a:tailEnd type="none" w="med" len="med"/>
-                    </a:lnR>
-                    <a:lnT w="12700" cap="flat" cmpd="sng" algn="ctr">
-                      <a:solidFill>
-                        <a:schemeClr val="tx1"/>
-                      </a:solidFill>
-                      <a:prstDash val="solid"/>
-                      <a:round/>
-                      <a:headEnd type="none" w="med" len="med"/>
-                      <a:tailEnd type="none" w="med" len="med"/>
-                    </a:lnT>
-                    <a:lnB w="12700" cap="flat" cmpd="sng" algn="ctr">
-                      <a:solidFill>
-                        <a:schemeClr val="tx1"/>
-                      </a:solidFill>
-                      <a:prstDash val="solid"/>
-                      <a:round/>
-                      <a:headEnd type="none" w="med" len="med"/>
-                      <a:tailEnd type="none" w="med" len="med"/>
-                    </a:lnB>
-                  </a:tcPr>
-                </a:tc>
-                <a:tc>
-                  <a:txBody>
-                    <a:bodyPr/>
-                    <a:lstStyle/>
-                    <a:p>
-                      <a:pPr algn="ctr" fontAlgn="b"/>
-                      <a:r>
-                        <a:rPr lang="en-US" sz="2000" b="0" i="0" u="none" strike="noStrike">
-                          <a:solidFill>
-                            <a:srgbClr val="000000"/>
-                          </a:solidFill>
-                          <a:effectLst/>
-                          <a:latin typeface="Calibri" panose="020F0502020204030204" pitchFamily="34" charset="0"/>
-                        </a:rPr>
-                        <a:t>pt02</a:t>
-                      </a:r>
-                    </a:p>
-                  </a:txBody>
-                  <a:tcPr marL="9525" marR="9525" marT="9525" marB="0" anchor="b">
-                    <a:lnL w="12700" cap="flat" cmpd="sng" algn="ctr">
-                      <a:solidFill>
-                        <a:schemeClr val="tx1"/>
-                      </a:solidFill>
-                      <a:prstDash val="solid"/>
-                      <a:round/>
-                      <a:headEnd type="none" w="med" len="med"/>
-                      <a:tailEnd type="none" w="med" len="med"/>
-                    </a:lnL>
-                    <a:lnR w="12700" cap="flat" cmpd="sng" algn="ctr">
-                      <a:solidFill>
-                        <a:schemeClr val="tx1"/>
-                      </a:solidFill>
-                      <a:prstDash val="solid"/>
-                      <a:round/>
-                      <a:headEnd type="none" w="med" len="med"/>
-                      <a:tailEnd type="none" w="med" len="med"/>
-                    </a:lnR>
-                    <a:lnT w="12700" cap="flat" cmpd="sng" algn="ctr">
-                      <a:solidFill>
-                        <a:schemeClr val="tx1"/>
-                      </a:solidFill>
-                      <a:prstDash val="solid"/>
-                      <a:round/>
-                      <a:headEnd type="none" w="med" len="med"/>
-                      <a:tailEnd type="none" w="med" len="med"/>
-                    </a:lnT>
-                    <a:lnB w="12700" cap="flat" cmpd="sng" algn="ctr">
-                      <a:solidFill>
-                        <a:schemeClr val="tx1"/>
-                      </a:solidFill>
-                      <a:prstDash val="solid"/>
-                      <a:round/>
-                      <a:headEnd type="none" w="med" len="med"/>
-                      <a:tailEnd type="none" w="med" len="med"/>
-                    </a:lnB>
-                  </a:tcPr>
-                </a:tc>
-                <a:tc>
-                  <a:txBody>
-                    <a:bodyPr/>
-                    <a:lstStyle/>
-                    <a:p>
-                      <a:pPr algn="ctr" fontAlgn="b"/>
-                      <a:r>
-                        <a:rPr lang="en-US" sz="2000" b="0" i="0" u="none" strike="noStrike">
-                          <a:solidFill>
-                            <a:srgbClr val="000000"/>
-                          </a:solidFill>
-                          <a:effectLst/>
-                          <a:latin typeface="Calibri" panose="020F0502020204030204" pitchFamily="34" charset="0"/>
-                        </a:rPr>
-                        <a:t>Media</a:t>
-                      </a:r>
-                    </a:p>
-                  </a:txBody>
-                  <a:tcPr marL="9525" marR="9525" marT="9525" marB="0" anchor="b">
-                    <a:lnL w="12700" cap="flat" cmpd="sng" algn="ctr">
-                      <a:solidFill>
-                        <a:schemeClr val="tx1"/>
-                      </a:solidFill>
-                      <a:prstDash val="solid"/>
-                      <a:round/>
-                      <a:headEnd type="none" w="med" len="med"/>
-                      <a:tailEnd type="none" w="med" len="med"/>
-                    </a:lnL>
-                    <a:lnR w="12700" cap="flat" cmpd="sng" algn="ctr">
-                      <a:solidFill>
-                        <a:schemeClr val="tx1"/>
-                      </a:solidFill>
-                      <a:prstDash val="solid"/>
-                      <a:round/>
-                      <a:headEnd type="none" w="med" len="med"/>
-                      <a:tailEnd type="none" w="med" len="med"/>
-                    </a:lnR>
-                    <a:lnT w="12700" cap="flat" cmpd="sng" algn="ctr">
-                      <a:solidFill>
-                        <a:schemeClr val="tx1"/>
-                      </a:solidFill>
-                      <a:prstDash val="solid"/>
-                      <a:round/>
-                      <a:headEnd type="none" w="med" len="med"/>
-                      <a:tailEnd type="none" w="med" len="med"/>
-                    </a:lnT>
-                    <a:lnB w="12700" cap="flat" cmpd="sng" algn="ctr">
-                      <a:solidFill>
-                        <a:schemeClr val="tx1"/>
-                      </a:solidFill>
-                      <a:prstDash val="solid"/>
-                      <a:round/>
-                      <a:headEnd type="none" w="med" len="med"/>
-                      <a:tailEnd type="none" w="med" len="med"/>
-                    </a:lnB>
-                  </a:tcPr>
-                </a:tc>
-                <a:tc>
-                  <a:txBody>
-                    <a:bodyPr/>
-                    <a:lstStyle/>
-                    <a:p>
-                      <a:pPr algn="ctr" fontAlgn="b"/>
-                      <a:r>
-                        <a:rPr lang="en-US" sz="2000" b="0" i="0" u="none" strike="noStrike">
-                          <a:solidFill>
-                            <a:srgbClr val="000000"/>
-                          </a:solidFill>
-                          <a:effectLst/>
-                          <a:latin typeface="Calibri" panose="020F0502020204030204" pitchFamily="34" charset="0"/>
-                        </a:rPr>
-                        <a:t>12775</a:t>
-                      </a:r>
-                    </a:p>
-                  </a:txBody>
-                  <a:tcPr marL="9525" marR="9525" marT="9525" marB="0" anchor="b">
-                    <a:lnL w="12700" cap="flat" cmpd="sng" algn="ctr">
-                      <a:solidFill>
-                        <a:schemeClr val="tx1"/>
-                      </a:solidFill>
-                      <a:prstDash val="solid"/>
-                      <a:round/>
-                      <a:headEnd type="none" w="med" len="med"/>
-                      <a:tailEnd type="none" w="med" len="med"/>
-                    </a:lnL>
-                    <a:lnR w="12700" cap="flat" cmpd="sng" algn="ctr">
-                      <a:solidFill>
-                        <a:schemeClr val="tx1"/>
-                      </a:solidFill>
-                      <a:prstDash val="solid"/>
-                      <a:round/>
-                      <a:headEnd type="none" w="med" len="med"/>
-                      <a:tailEnd type="none" w="med" len="med"/>
-                    </a:lnR>
-                    <a:lnT w="12700" cap="flat" cmpd="sng" algn="ctr">
-                      <a:solidFill>
-                        <a:schemeClr val="tx1"/>
-                      </a:solidFill>
-                      <a:prstDash val="solid"/>
-                      <a:round/>
-                      <a:headEnd type="none" w="med" len="med"/>
-                      <a:tailEnd type="none" w="med" len="med"/>
-                    </a:lnT>
-                    <a:lnB w="12700" cap="flat" cmpd="sng" algn="ctr">
-                      <a:solidFill>
-                        <a:schemeClr val="tx1"/>
-                      </a:solidFill>
-                      <a:prstDash val="solid"/>
-                      <a:round/>
-                      <a:headEnd type="none" w="med" len="med"/>
-                      <a:tailEnd type="none" w="med" len="med"/>
-                    </a:lnB>
-                  </a:tcPr>
-                </a:tc>
-                <a:tc>
-                  <a:txBody>
-                    <a:bodyPr/>
-                    <a:lstStyle/>
-                    <a:p>
-                      <a:pPr algn="ctr" fontAlgn="b"/>
-                      <a:r>
-                        <a:rPr lang="en-US" sz="2000" b="0" i="0" u="none" strike="noStrike">
-                          <a:solidFill>
-                            <a:srgbClr val="000000"/>
-                          </a:solidFill>
-                          <a:effectLst/>
-                          <a:latin typeface="Calibri" panose="020F0502020204030204" pitchFamily="34" charset="0"/>
-                        </a:rPr>
-                        <a:t>M</a:t>
-                      </a:r>
-                    </a:p>
-                  </a:txBody>
-                  <a:tcPr marL="9525" marR="9525" marT="9525" marB="0" anchor="b">
-                    <a:lnL w="12700" cap="flat" cmpd="sng" algn="ctr">
-                      <a:solidFill>
-                        <a:schemeClr val="tx1"/>
-                      </a:solidFill>
-                      <a:prstDash val="solid"/>
-                      <a:round/>
-                      <a:headEnd type="none" w="med" len="med"/>
-                      <a:tailEnd type="none" w="med" len="med"/>
-                    </a:lnL>
-                    <a:lnR w="12700" cap="flat" cmpd="sng" algn="ctr">
-                      <a:solidFill>
-                        <a:schemeClr val="tx1"/>
-                      </a:solidFill>
-                      <a:prstDash val="solid"/>
-                      <a:round/>
-                      <a:headEnd type="none" w="med" len="med"/>
-                      <a:tailEnd type="none" w="med" len="med"/>
-                    </a:lnR>
-                    <a:lnT w="12700" cap="flat" cmpd="sng" algn="ctr">
-                      <a:solidFill>
-                        <a:schemeClr val="tx1"/>
-                      </a:solidFill>
-                      <a:prstDash val="solid"/>
-                      <a:round/>
-                      <a:headEnd type="none" w="med" len="med"/>
-                      <a:tailEnd type="none" w="med" len="med"/>
-                    </a:lnT>
-                    <a:lnB w="12700" cap="flat" cmpd="sng" algn="ctr">
-                      <a:solidFill>
-                        <a:schemeClr val="tx1"/>
-                      </a:solidFill>
-                      <a:prstDash val="solid"/>
-                      <a:round/>
-                      <a:headEnd type="none" w="med" len="med"/>
-                      <a:tailEnd type="none" w="med" len="med"/>
-                    </a:lnB>
-                  </a:tcPr>
-                </a:tc>
-                <a:tc>
-                  <a:txBody>
-                    <a:bodyPr/>
-                    <a:lstStyle/>
-                    <a:p>
-                      <a:pPr algn="ctr" fontAlgn="b"/>
-                      <a:r>
-                        <a:rPr lang="en-US" sz="2000" b="0" i="0" u="none" strike="noStrike">
-                          <a:solidFill>
-                            <a:srgbClr val="000000"/>
-                          </a:solidFill>
-                          <a:effectLst/>
-                          <a:latin typeface="Calibri" panose="020F0502020204030204" pitchFamily="34" charset="0"/>
-                        </a:rPr>
-                        <a:t>pt00002</a:t>
-                      </a:r>
-                    </a:p>
-                  </a:txBody>
-                  <a:tcPr marL="9525" marR="9525" marT="9525" marB="0" anchor="b">
-                    <a:lnL w="12700" cap="flat" cmpd="sng" algn="ctr">
-                      <a:solidFill>
-                        <a:schemeClr val="tx1"/>
-                      </a:solidFill>
-                      <a:prstDash val="solid"/>
-                      <a:round/>
-                      <a:headEnd type="none" w="med" len="med"/>
-                      <a:tailEnd type="none" w="med" len="med"/>
-                    </a:lnL>
-                    <a:lnR w="12700" cap="flat" cmpd="sng" algn="ctr">
-                      <a:solidFill>
-                        <a:schemeClr val="tx1"/>
-                      </a:solidFill>
-                      <a:prstDash val="solid"/>
-                      <a:round/>
-                      <a:headEnd type="none" w="med" len="med"/>
-                      <a:tailEnd type="none" w="med" len="med"/>
-                    </a:lnR>
-                    <a:lnT w="12700" cap="flat" cmpd="sng" algn="ctr">
-                      <a:solidFill>
-                        <a:schemeClr val="tx1"/>
-                      </a:solidFill>
-                      <a:prstDash val="solid"/>
-                      <a:round/>
-                      <a:headEnd type="none" w="med" len="med"/>
-                      <a:tailEnd type="none" w="med" len="med"/>
-                    </a:lnT>
-                    <a:lnB w="12700" cap="flat" cmpd="sng" algn="ctr">
-                      <a:solidFill>
-                        <a:schemeClr val="tx1"/>
-                      </a:solidFill>
-                      <a:prstDash val="solid"/>
-                      <a:round/>
-                      <a:headEnd type="none" w="med" len="med"/>
-                      <a:tailEnd type="none" w="med" len="med"/>
-                    </a:lnB>
-                  </a:tcPr>
-                </a:tc>
-                <a:tc>
-                  <a:txBody>
-                    <a:bodyPr/>
-                    <a:lstStyle/>
-                    <a:p>
-                      <a:pPr algn="ctr" fontAlgn="b"/>
-                      <a:r>
-                        <a:rPr lang="en-US" sz="2000" b="0" i="0" u="none" strike="noStrike">
-                          <a:solidFill>
-                            <a:srgbClr val="000000"/>
-                          </a:solidFill>
-                          <a:effectLst/>
-                          <a:latin typeface="Calibri" panose="020F0502020204030204" pitchFamily="34" charset="0"/>
-                        </a:rPr>
-                        <a:t>TRUE</a:t>
-                      </a:r>
-                    </a:p>
-                  </a:txBody>
-                  <a:tcPr marL="9525" marR="9525" marT="9525" marB="0" anchor="b">
-                    <a:lnL w="12700" cap="flat" cmpd="sng" algn="ctr">
-                      <a:solidFill>
-                        <a:schemeClr val="tx1"/>
-                      </a:solidFill>
-                      <a:prstDash val="solid"/>
-                      <a:round/>
-                      <a:headEnd type="none" w="med" len="med"/>
-                      <a:tailEnd type="none" w="med" len="med"/>
-                    </a:lnL>
-                    <a:lnR w="12700" cap="flat" cmpd="sng" algn="ctr">
-                      <a:solidFill>
-                        <a:schemeClr val="tx1"/>
-                      </a:solidFill>
-                      <a:prstDash val="solid"/>
-                      <a:round/>
-                      <a:headEnd type="none" w="med" len="med"/>
-                      <a:tailEnd type="none" w="med" len="med"/>
-                    </a:lnR>
-                    <a:lnT w="12700" cap="flat" cmpd="sng" algn="ctr">
-                      <a:solidFill>
-                        <a:schemeClr val="tx1"/>
-                      </a:solidFill>
-                      <a:prstDash val="solid"/>
-                      <a:round/>
-                      <a:headEnd type="none" w="med" len="med"/>
-                      <a:tailEnd type="none" w="med" len="med"/>
-                    </a:lnT>
-                    <a:lnB w="12700" cap="flat" cmpd="sng" algn="ctr">
-                      <a:solidFill>
-                        <a:schemeClr val="tx1"/>
-                      </a:solidFill>
-                      <a:prstDash val="solid"/>
-                      <a:round/>
-                      <a:headEnd type="none" w="med" len="med"/>
-                      <a:tailEnd type="none" w="med" len="med"/>
-                    </a:lnB>
-                  </a:tcPr>
-                </a:tc>
-                <a:tc>
-                  <a:txBody>
-                    <a:bodyPr/>
-                    <a:lstStyle/>
-                    <a:p>
-                      <a:pPr algn="ctr" fontAlgn="b"/>
-                      <a:r>
-                        <a:rPr lang="en-US" sz="2000" b="0" i="0" u="none" strike="noStrike" dirty="0">
-                          <a:solidFill>
-                            <a:srgbClr val="000000"/>
-                          </a:solidFill>
-                          <a:effectLst/>
-                          <a:latin typeface="Calibri" panose="020F0502020204030204" pitchFamily="34" charset="0"/>
-                        </a:rPr>
-                        <a:t>FALSE</a:t>
-                      </a:r>
-                    </a:p>
-                  </a:txBody>
-                  <a:tcPr marL="9525" marR="9525" marT="9525" marB="0" anchor="b">
-                    <a:lnL w="12700" cap="flat" cmpd="sng" algn="ctr">
-                      <a:solidFill>
-                        <a:schemeClr val="tx1"/>
-                      </a:solidFill>
-                      <a:prstDash val="solid"/>
-                      <a:round/>
-                      <a:headEnd type="none" w="med" len="med"/>
-                      <a:tailEnd type="none" w="med" len="med"/>
-                    </a:lnL>
-                    <a:lnR w="12700" cap="flat" cmpd="sng" algn="ctr">
-                      <a:solidFill>
-                        <a:schemeClr val="tx1"/>
-                      </a:solidFill>
-                      <a:prstDash val="solid"/>
-                      <a:round/>
-                      <a:headEnd type="none" w="med" len="med"/>
-                      <a:tailEnd type="none" w="med" len="med"/>
-                    </a:lnR>
-                    <a:lnT w="12700" cap="flat" cmpd="sng" algn="ctr">
-                      <a:solidFill>
-                        <a:schemeClr val="tx1"/>
-                      </a:solidFill>
-                      <a:prstDash val="solid"/>
-                      <a:round/>
-                      <a:headEnd type="none" w="med" len="med"/>
-                      <a:tailEnd type="none" w="med" len="med"/>
-                    </a:lnT>
-                    <a:lnB w="12700" cap="flat" cmpd="sng" algn="ctr">
-                      <a:solidFill>
-                        <a:schemeClr val="tx1"/>
-                      </a:solidFill>
-                      <a:prstDash val="solid"/>
-                      <a:round/>
-                      <a:headEnd type="none" w="med" len="med"/>
-                      <a:tailEnd type="none" w="med" len="med"/>
-                    </a:lnB>
-                  </a:tcPr>
-                </a:tc>
-                <a:tc>
-                  <a:txBody>
-                    <a:bodyPr/>
-                    <a:lstStyle/>
-                    <a:p>
-                      <a:pPr algn="ctr" fontAlgn="b"/>
-                      <a:r>
-                        <a:rPr lang="en-US" sz="2000" b="0" i="0" u="none" strike="noStrike" dirty="0">
-                          <a:solidFill>
-                            <a:srgbClr val="000000"/>
-                          </a:solidFill>
-                          <a:effectLst/>
-                          <a:latin typeface="Calibri" panose="020F0502020204030204" pitchFamily="34" charset="0"/>
-                        </a:rPr>
-                        <a:t>9221554.97</a:t>
-                      </a:r>
-                    </a:p>
-                  </a:txBody>
-                  <a:tcPr marL="9525" marR="9525" marT="9525" marB="0" anchor="b">
-                    <a:lnL w="12700" cap="flat" cmpd="sng" algn="ctr">
-                      <a:solidFill>
-                        <a:schemeClr val="tx1"/>
-                      </a:solidFill>
-                      <a:prstDash val="solid"/>
-                      <a:round/>
-                      <a:headEnd type="none" w="med" len="med"/>
-                      <a:tailEnd type="none" w="med" len="med"/>
-                    </a:lnL>
-                    <a:lnR w="12700" cap="flat" cmpd="sng" algn="ctr">
-                      <a:solidFill>
-                        <a:schemeClr val="tx1"/>
-                      </a:solidFill>
-                      <a:prstDash val="solid"/>
-                      <a:round/>
-                      <a:headEnd type="none" w="med" len="med"/>
-                      <a:tailEnd type="none" w="med" len="med"/>
-                    </a:lnR>
-                    <a:lnT w="12700" cap="flat" cmpd="sng" algn="ctr">
-                      <a:solidFill>
-                        <a:schemeClr val="tx1"/>
-                      </a:solidFill>
-                      <a:prstDash val="solid"/>
-                      <a:round/>
-                      <a:headEnd type="none" w="med" len="med"/>
-                      <a:tailEnd type="none" w="med" len="med"/>
-                    </a:lnT>
-                    <a:lnB w="12700" cap="flat" cmpd="sng" algn="ctr">
-                      <a:solidFill>
-                        <a:schemeClr val="tx1"/>
-                      </a:solidFill>
-                      <a:prstDash val="solid"/>
-                      <a:round/>
-                      <a:headEnd type="none" w="med" len="med"/>
-                      <a:tailEnd type="none" w="med" len="med"/>
-                    </a:lnB>
-                  </a:tcPr>
-                </a:tc>
-                <a:extLst>
-                  <a:ext uri="{0D108BD9-81ED-4DB2-BD59-A6C34878D82A}">
-                    <a16:rowId xmlns:a16="http://schemas.microsoft.com/office/drawing/2014/main" val="2169451055"/>
-                  </a:ext>
-                </a:extLst>
-              </a:tr>
-              <a:tr h="203200">
-                <a:tc>
-                  <a:txBody>
-                    <a:bodyPr/>
-                    <a:lstStyle/>
-                    <a:p>
-                      <a:pPr algn="l" fontAlgn="b"/>
-                      <a:r>
-                        <a:rPr lang="en-US" sz="2000" b="0" i="0" u="none" strike="noStrike" dirty="0">
-                          <a:solidFill>
-                            <a:srgbClr val="000000"/>
-                          </a:solidFill>
-                          <a:effectLst/>
-                          <a:latin typeface="Calibri" panose="020F0502020204030204" pitchFamily="34" charset="0"/>
-                        </a:rPr>
-                        <a:t>pt02_Mtb</a:t>
-                      </a:r>
-                    </a:p>
-                  </a:txBody>
-                  <a:tcPr marL="9525" marR="9525" marT="9525" marB="0" anchor="b">
-                    <a:lnL w="12700" cap="flat" cmpd="sng" algn="ctr">
-                      <a:solidFill>
-                        <a:schemeClr val="tx1"/>
-                      </a:solidFill>
-                      <a:prstDash val="solid"/>
-                      <a:round/>
-                      <a:headEnd type="none" w="med" len="med"/>
-                      <a:tailEnd type="none" w="med" len="med"/>
-                    </a:lnL>
-                    <a:lnR w="12700" cap="flat" cmpd="sng" algn="ctr">
-                      <a:solidFill>
-                        <a:schemeClr val="tx1"/>
-                      </a:solidFill>
-                      <a:prstDash val="solid"/>
-                      <a:round/>
-                      <a:headEnd type="none" w="med" len="med"/>
-                      <a:tailEnd type="none" w="med" len="med"/>
-                    </a:lnR>
-                    <a:lnT w="12700" cap="flat" cmpd="sng" algn="ctr">
-                      <a:solidFill>
-                        <a:schemeClr val="tx1"/>
-                      </a:solidFill>
-                      <a:prstDash val="solid"/>
-                      <a:round/>
-                      <a:headEnd type="none" w="med" len="med"/>
-                      <a:tailEnd type="none" w="med" len="med"/>
-                    </a:lnT>
-                    <a:lnB w="12700" cap="flat" cmpd="sng" algn="ctr">
-                      <a:solidFill>
-                        <a:schemeClr val="tx1"/>
-                      </a:solidFill>
-                      <a:prstDash val="solid"/>
-                      <a:round/>
-                      <a:headEnd type="none" w="med" len="med"/>
-                      <a:tailEnd type="none" w="med" len="med"/>
-                    </a:lnB>
-                  </a:tcPr>
-                </a:tc>
-                <a:tc>
-                  <a:txBody>
-                    <a:bodyPr/>
-                    <a:lstStyle/>
-                    <a:p>
-                      <a:pPr algn="ctr" fontAlgn="b"/>
-                      <a:r>
-                        <a:rPr lang="en-US" sz="2000" b="0" i="0" u="none" strike="noStrike">
-                          <a:solidFill>
-                            <a:srgbClr val="000000"/>
-                          </a:solidFill>
-                          <a:effectLst/>
-                          <a:latin typeface="Calibri" panose="020F0502020204030204" pitchFamily="34" charset="0"/>
-                        </a:rPr>
-                        <a:t>pt02</a:t>
-                      </a:r>
-                    </a:p>
-                  </a:txBody>
-                  <a:tcPr marL="9525" marR="9525" marT="9525" marB="0" anchor="b">
-                    <a:lnL w="12700" cap="flat" cmpd="sng" algn="ctr">
-                      <a:solidFill>
-                        <a:schemeClr val="tx1"/>
-                      </a:solidFill>
-                      <a:prstDash val="solid"/>
-                      <a:round/>
-                      <a:headEnd type="none" w="med" len="med"/>
-                      <a:tailEnd type="none" w="med" len="med"/>
-                    </a:lnL>
-                    <a:lnR w="12700" cap="flat" cmpd="sng" algn="ctr">
-                      <a:solidFill>
-                        <a:schemeClr val="tx1"/>
-                      </a:solidFill>
-                      <a:prstDash val="solid"/>
-                      <a:round/>
-                      <a:headEnd type="none" w="med" len="med"/>
-                      <a:tailEnd type="none" w="med" len="med"/>
-                    </a:lnR>
-                    <a:lnT w="12700" cap="flat" cmpd="sng" algn="ctr">
-                      <a:solidFill>
-                        <a:schemeClr val="tx1"/>
-                      </a:solidFill>
-                      <a:prstDash val="solid"/>
-                      <a:round/>
-                      <a:headEnd type="none" w="med" len="med"/>
-                      <a:tailEnd type="none" w="med" len="med"/>
-                    </a:lnT>
-                    <a:lnB w="12700" cap="flat" cmpd="sng" algn="ctr">
-                      <a:solidFill>
-                        <a:schemeClr val="tx1"/>
-                      </a:solidFill>
-                      <a:prstDash val="solid"/>
-                      <a:round/>
-                      <a:headEnd type="none" w="med" len="med"/>
-                      <a:tailEnd type="none" w="med" len="med"/>
-                    </a:lnB>
-                  </a:tcPr>
-                </a:tc>
-                <a:tc>
-                  <a:txBody>
-                    <a:bodyPr/>
-                    <a:lstStyle/>
-                    <a:p>
-                      <a:pPr algn="ctr" fontAlgn="b"/>
-                      <a:r>
-                        <a:rPr lang="en-US" sz="2000" b="0" i="0" u="none" strike="noStrike">
-                          <a:solidFill>
-                            <a:srgbClr val="000000"/>
-                          </a:solidFill>
-                          <a:effectLst/>
-                          <a:latin typeface="Calibri" panose="020F0502020204030204" pitchFamily="34" charset="0"/>
-                        </a:rPr>
-                        <a:t>Mtb</a:t>
-                      </a:r>
-                    </a:p>
-                  </a:txBody>
-                  <a:tcPr marL="9525" marR="9525" marT="9525" marB="0" anchor="b">
-                    <a:lnL w="12700" cap="flat" cmpd="sng" algn="ctr">
-                      <a:solidFill>
-                        <a:schemeClr val="tx1"/>
-                      </a:solidFill>
-                      <a:prstDash val="solid"/>
-                      <a:round/>
-                      <a:headEnd type="none" w="med" len="med"/>
-                      <a:tailEnd type="none" w="med" len="med"/>
-                    </a:lnL>
-                    <a:lnR w="12700" cap="flat" cmpd="sng" algn="ctr">
-                      <a:solidFill>
-                        <a:schemeClr val="tx1"/>
-                      </a:solidFill>
-                      <a:prstDash val="solid"/>
-                      <a:round/>
-                      <a:headEnd type="none" w="med" len="med"/>
-                      <a:tailEnd type="none" w="med" len="med"/>
-                    </a:lnR>
-                    <a:lnT w="12700" cap="flat" cmpd="sng" algn="ctr">
-                      <a:solidFill>
-                        <a:schemeClr val="tx1"/>
-                      </a:solidFill>
-                      <a:prstDash val="solid"/>
-                      <a:round/>
-                      <a:headEnd type="none" w="med" len="med"/>
-                      <a:tailEnd type="none" w="med" len="med"/>
-                    </a:lnT>
-                    <a:lnB w="12700" cap="flat" cmpd="sng" algn="ctr">
-                      <a:solidFill>
-                        <a:schemeClr val="tx1"/>
-                      </a:solidFill>
-                      <a:prstDash val="solid"/>
-                      <a:round/>
-                      <a:headEnd type="none" w="med" len="med"/>
-                      <a:tailEnd type="none" w="med" len="med"/>
-                    </a:lnB>
-                  </a:tcPr>
-                </a:tc>
-                <a:tc>
-                  <a:txBody>
-                    <a:bodyPr/>
-                    <a:lstStyle/>
-                    <a:p>
-                      <a:pPr algn="ctr" fontAlgn="b"/>
-                      <a:r>
-                        <a:rPr lang="en-US" sz="2000" b="0" i="0" u="none" strike="noStrike">
-                          <a:solidFill>
-                            <a:srgbClr val="000000"/>
-                          </a:solidFill>
-                          <a:effectLst/>
-                          <a:latin typeface="Calibri" panose="020F0502020204030204" pitchFamily="34" charset="0"/>
-                        </a:rPr>
-                        <a:t>12775</a:t>
-                      </a:r>
-                    </a:p>
-                  </a:txBody>
-                  <a:tcPr marL="9525" marR="9525" marT="9525" marB="0" anchor="b">
-                    <a:lnL w="12700" cap="flat" cmpd="sng" algn="ctr">
-                      <a:solidFill>
-                        <a:schemeClr val="tx1"/>
-                      </a:solidFill>
-                      <a:prstDash val="solid"/>
-                      <a:round/>
-                      <a:headEnd type="none" w="med" len="med"/>
-                      <a:tailEnd type="none" w="med" len="med"/>
-                    </a:lnL>
-                    <a:lnR w="12700" cap="flat" cmpd="sng" algn="ctr">
-                      <a:solidFill>
-                        <a:schemeClr val="tx1"/>
-                      </a:solidFill>
-                      <a:prstDash val="solid"/>
-                      <a:round/>
-                      <a:headEnd type="none" w="med" len="med"/>
-                      <a:tailEnd type="none" w="med" len="med"/>
-                    </a:lnR>
-                    <a:lnT w="12700" cap="flat" cmpd="sng" algn="ctr">
-                      <a:solidFill>
-                        <a:schemeClr val="tx1"/>
-                      </a:solidFill>
-                      <a:prstDash val="solid"/>
-                      <a:round/>
-                      <a:headEnd type="none" w="med" len="med"/>
-                      <a:tailEnd type="none" w="med" len="med"/>
-                    </a:lnT>
-                    <a:lnB w="12700" cap="flat" cmpd="sng" algn="ctr">
-                      <a:solidFill>
-                        <a:schemeClr val="tx1"/>
-                      </a:solidFill>
-                      <a:prstDash val="solid"/>
-                      <a:round/>
-                      <a:headEnd type="none" w="med" len="med"/>
-                      <a:tailEnd type="none" w="med" len="med"/>
-                    </a:lnB>
-                  </a:tcPr>
-                </a:tc>
-                <a:tc>
-                  <a:txBody>
-                    <a:bodyPr/>
-                    <a:lstStyle/>
-                    <a:p>
-                      <a:pPr algn="ctr" fontAlgn="b"/>
-                      <a:r>
-                        <a:rPr lang="en-US" sz="2000" b="0" i="0" u="none" strike="noStrike">
-                          <a:solidFill>
-                            <a:srgbClr val="000000"/>
-                          </a:solidFill>
-                          <a:effectLst/>
-                          <a:latin typeface="Calibri" panose="020F0502020204030204" pitchFamily="34" charset="0"/>
-                        </a:rPr>
-                        <a:t>M</a:t>
-                      </a:r>
-                    </a:p>
-                  </a:txBody>
-                  <a:tcPr marL="9525" marR="9525" marT="9525" marB="0" anchor="b">
-                    <a:lnL w="12700" cap="flat" cmpd="sng" algn="ctr">
-                      <a:solidFill>
-                        <a:schemeClr val="tx1"/>
-                      </a:solidFill>
-                      <a:prstDash val="solid"/>
-                      <a:round/>
-                      <a:headEnd type="none" w="med" len="med"/>
-                      <a:tailEnd type="none" w="med" len="med"/>
-                    </a:lnL>
-                    <a:lnR w="12700" cap="flat" cmpd="sng" algn="ctr">
-                      <a:solidFill>
-                        <a:schemeClr val="tx1"/>
-                      </a:solidFill>
-                      <a:prstDash val="solid"/>
-                      <a:round/>
-                      <a:headEnd type="none" w="med" len="med"/>
-                      <a:tailEnd type="none" w="med" len="med"/>
-                    </a:lnR>
-                    <a:lnT w="12700" cap="flat" cmpd="sng" algn="ctr">
-                      <a:solidFill>
-                        <a:schemeClr val="tx1"/>
-                      </a:solidFill>
-                      <a:prstDash val="solid"/>
-                      <a:round/>
-                      <a:headEnd type="none" w="med" len="med"/>
-                      <a:tailEnd type="none" w="med" len="med"/>
-                    </a:lnT>
-                    <a:lnB w="12700" cap="flat" cmpd="sng" algn="ctr">
-                      <a:solidFill>
-                        <a:schemeClr val="tx1"/>
-                      </a:solidFill>
-                      <a:prstDash val="solid"/>
-                      <a:round/>
-                      <a:headEnd type="none" w="med" len="med"/>
-                      <a:tailEnd type="none" w="med" len="med"/>
-                    </a:lnB>
-                  </a:tcPr>
-                </a:tc>
-                <a:tc>
-                  <a:txBody>
-                    <a:bodyPr/>
-                    <a:lstStyle/>
-                    <a:p>
-                      <a:pPr algn="ctr" fontAlgn="b"/>
-                      <a:r>
-                        <a:rPr lang="en-US" sz="2000" b="0" i="0" u="none" strike="noStrike">
-                          <a:solidFill>
-                            <a:srgbClr val="000000"/>
-                          </a:solidFill>
-                          <a:effectLst/>
-                          <a:latin typeface="Calibri" panose="020F0502020204030204" pitchFamily="34" charset="0"/>
-                        </a:rPr>
-                        <a:t>pt00002</a:t>
-                      </a:r>
-                    </a:p>
-                  </a:txBody>
-                  <a:tcPr marL="9525" marR="9525" marT="9525" marB="0" anchor="b">
-                    <a:lnL w="12700" cap="flat" cmpd="sng" algn="ctr">
-                      <a:solidFill>
-                        <a:schemeClr val="tx1"/>
-                      </a:solidFill>
-                      <a:prstDash val="solid"/>
-                      <a:round/>
-                      <a:headEnd type="none" w="med" len="med"/>
-                      <a:tailEnd type="none" w="med" len="med"/>
-                    </a:lnL>
-                    <a:lnR w="12700" cap="flat" cmpd="sng" algn="ctr">
-                      <a:solidFill>
-                        <a:schemeClr val="tx1"/>
-                      </a:solidFill>
-                      <a:prstDash val="solid"/>
-                      <a:round/>
-                      <a:headEnd type="none" w="med" len="med"/>
-                      <a:tailEnd type="none" w="med" len="med"/>
-                    </a:lnR>
-                    <a:lnT w="12700" cap="flat" cmpd="sng" algn="ctr">
-                      <a:solidFill>
-                        <a:schemeClr val="tx1"/>
-                      </a:solidFill>
-                      <a:prstDash val="solid"/>
-                      <a:round/>
-                      <a:headEnd type="none" w="med" len="med"/>
-                      <a:tailEnd type="none" w="med" len="med"/>
-                    </a:lnT>
-                    <a:lnB w="12700" cap="flat" cmpd="sng" algn="ctr">
-                      <a:solidFill>
-                        <a:schemeClr val="tx1"/>
-                      </a:solidFill>
-                      <a:prstDash val="solid"/>
-                      <a:round/>
-                      <a:headEnd type="none" w="med" len="med"/>
-                      <a:tailEnd type="none" w="med" len="med"/>
-                    </a:lnB>
-                  </a:tcPr>
-                </a:tc>
-                <a:tc>
-                  <a:txBody>
-                    <a:bodyPr/>
-                    <a:lstStyle/>
-                    <a:p>
-                      <a:pPr algn="ctr" fontAlgn="b"/>
-                      <a:r>
-                        <a:rPr lang="en-US" sz="2000" b="0" i="0" u="none" strike="noStrike">
-                          <a:solidFill>
-                            <a:srgbClr val="000000"/>
-                          </a:solidFill>
-                          <a:effectLst/>
-                          <a:latin typeface="Calibri" panose="020F0502020204030204" pitchFamily="34" charset="0"/>
-                        </a:rPr>
-                        <a:t>TRUE</a:t>
-                      </a:r>
-                    </a:p>
-                  </a:txBody>
-                  <a:tcPr marL="9525" marR="9525" marT="9525" marB="0" anchor="b">
-                    <a:lnL w="12700" cap="flat" cmpd="sng" algn="ctr">
-                      <a:solidFill>
-                        <a:schemeClr val="tx1"/>
-                      </a:solidFill>
-                      <a:prstDash val="solid"/>
-                      <a:round/>
-                      <a:headEnd type="none" w="med" len="med"/>
-                      <a:tailEnd type="none" w="med" len="med"/>
-                    </a:lnL>
-                    <a:lnR w="12700" cap="flat" cmpd="sng" algn="ctr">
-                      <a:solidFill>
-                        <a:schemeClr val="tx1"/>
-                      </a:solidFill>
-                      <a:prstDash val="solid"/>
-                      <a:round/>
-                      <a:headEnd type="none" w="med" len="med"/>
-                      <a:tailEnd type="none" w="med" len="med"/>
-                    </a:lnR>
-                    <a:lnT w="12700" cap="flat" cmpd="sng" algn="ctr">
-                      <a:solidFill>
-                        <a:schemeClr val="tx1"/>
-                      </a:solidFill>
-                      <a:prstDash val="solid"/>
-                      <a:round/>
-                      <a:headEnd type="none" w="med" len="med"/>
-                      <a:tailEnd type="none" w="med" len="med"/>
-                    </a:lnT>
-                    <a:lnB w="12700" cap="flat" cmpd="sng" algn="ctr">
-                      <a:solidFill>
-                        <a:schemeClr val="tx1"/>
-                      </a:solidFill>
-                      <a:prstDash val="solid"/>
-                      <a:round/>
-                      <a:headEnd type="none" w="med" len="med"/>
-                      <a:tailEnd type="none" w="med" len="med"/>
-                    </a:lnB>
-                  </a:tcPr>
-                </a:tc>
-                <a:tc>
-                  <a:txBody>
-                    <a:bodyPr/>
-                    <a:lstStyle/>
-                    <a:p>
-                      <a:pPr algn="ctr" fontAlgn="b"/>
-                      <a:r>
-                        <a:rPr lang="en-US" sz="2000" b="0" i="0" u="none" strike="noStrike">
-                          <a:solidFill>
-                            <a:srgbClr val="000000"/>
-                          </a:solidFill>
-                          <a:effectLst/>
-                          <a:latin typeface="Calibri" panose="020F0502020204030204" pitchFamily="34" charset="0"/>
-                        </a:rPr>
-                        <a:t>FALSE</a:t>
-                      </a:r>
-                    </a:p>
-                  </a:txBody>
-                  <a:tcPr marL="9525" marR="9525" marT="9525" marB="0" anchor="b">
-                    <a:lnL w="12700" cap="flat" cmpd="sng" algn="ctr">
-                      <a:solidFill>
-                        <a:schemeClr val="tx1"/>
-                      </a:solidFill>
-                      <a:prstDash val="solid"/>
-                      <a:round/>
-                      <a:headEnd type="none" w="med" len="med"/>
-                      <a:tailEnd type="none" w="med" len="med"/>
-                    </a:lnL>
-                    <a:lnR w="12700" cap="flat" cmpd="sng" algn="ctr">
-                      <a:solidFill>
-                        <a:schemeClr val="tx1"/>
-                      </a:solidFill>
-                      <a:prstDash val="solid"/>
-                      <a:round/>
-                      <a:headEnd type="none" w="med" len="med"/>
-                      <a:tailEnd type="none" w="med" len="med"/>
-                    </a:lnR>
-                    <a:lnT w="12700" cap="flat" cmpd="sng" algn="ctr">
-                      <a:solidFill>
-                        <a:schemeClr val="tx1"/>
-                      </a:solidFill>
-                      <a:prstDash val="solid"/>
-                      <a:round/>
-                      <a:headEnd type="none" w="med" len="med"/>
-                      <a:tailEnd type="none" w="med" len="med"/>
-                    </a:lnT>
-                    <a:lnB w="12700" cap="flat" cmpd="sng" algn="ctr">
-                      <a:solidFill>
-                        <a:schemeClr val="tx1"/>
-                      </a:solidFill>
-                      <a:prstDash val="solid"/>
-                      <a:round/>
-                      <a:headEnd type="none" w="med" len="med"/>
-                      <a:tailEnd type="none" w="med" len="med"/>
-                    </a:lnB>
-                  </a:tcPr>
-                </a:tc>
-                <a:tc>
-                  <a:txBody>
-                    <a:bodyPr/>
-                    <a:lstStyle/>
-                    <a:p>
-                      <a:pPr algn="ctr" fontAlgn="b"/>
-                      <a:r>
-                        <a:rPr lang="en-US" sz="2000" b="0" i="0" u="none" strike="noStrike" dirty="0">
-                          <a:solidFill>
-                            <a:srgbClr val="000000"/>
-                          </a:solidFill>
-                          <a:effectLst/>
-                          <a:latin typeface="Calibri" panose="020F0502020204030204" pitchFamily="34" charset="0"/>
-                        </a:rPr>
-                        <a:t>7733260.22</a:t>
-                      </a:r>
-                    </a:p>
-                  </a:txBody>
-                  <a:tcPr marL="9525" marR="9525" marT="9525" marB="0" anchor="b">
-                    <a:lnL w="12700" cap="flat" cmpd="sng" algn="ctr">
-                      <a:solidFill>
-                        <a:schemeClr val="tx1"/>
-                      </a:solidFill>
-                      <a:prstDash val="solid"/>
-                      <a:round/>
-                      <a:headEnd type="none" w="med" len="med"/>
-                      <a:tailEnd type="none" w="med" len="med"/>
-                    </a:lnL>
-                    <a:lnR w="12700" cap="flat" cmpd="sng" algn="ctr">
-                      <a:solidFill>
-                        <a:schemeClr val="tx1"/>
-                      </a:solidFill>
-                      <a:prstDash val="solid"/>
-                      <a:round/>
-                      <a:headEnd type="none" w="med" len="med"/>
-                      <a:tailEnd type="none" w="med" len="med"/>
-                    </a:lnR>
-                    <a:lnT w="12700" cap="flat" cmpd="sng" algn="ctr">
-                      <a:solidFill>
-                        <a:schemeClr val="tx1"/>
-                      </a:solidFill>
-                      <a:prstDash val="solid"/>
-                      <a:round/>
-                      <a:headEnd type="none" w="med" len="med"/>
-                      <a:tailEnd type="none" w="med" len="med"/>
-                    </a:lnT>
-                    <a:lnB w="12700" cap="flat" cmpd="sng" algn="ctr">
-                      <a:solidFill>
-                        <a:schemeClr val="tx1"/>
-                      </a:solidFill>
-                      <a:prstDash val="solid"/>
-                      <a:round/>
-                      <a:headEnd type="none" w="med" len="med"/>
-                      <a:tailEnd type="none" w="med" len="med"/>
-                    </a:lnB>
-                  </a:tcPr>
-                </a:tc>
-                <a:extLst>
-                  <a:ext uri="{0D108BD9-81ED-4DB2-BD59-A6C34878D82A}">
-                    <a16:rowId xmlns:a16="http://schemas.microsoft.com/office/drawing/2014/main" val="263485807"/>
-                  </a:ext>
-                </a:extLst>
-              </a:tr>
-              <a:tr h="203200">
-                <a:tc>
-                  <a:txBody>
-                    <a:bodyPr/>
-                    <a:lstStyle/>
-                    <a:p>
-                      <a:pPr algn="l" fontAlgn="b"/>
-                      <a:r>
-                        <a:rPr lang="en-US" sz="2000" b="0" i="0" u="none" strike="noStrike" dirty="0">
-                          <a:solidFill>
-                            <a:srgbClr val="000000"/>
-                          </a:solidFill>
-                          <a:effectLst/>
-                          <a:latin typeface="Calibri" panose="020F0502020204030204" pitchFamily="34" charset="0"/>
-                        </a:rPr>
-                        <a:t>   … </a:t>
-                      </a:r>
-                    </a:p>
-                  </a:txBody>
-                  <a:tcPr marL="9525" marR="9525" marT="9525" marB="0" anchor="b">
-                    <a:lnL w="12700" cap="flat" cmpd="sng" algn="ctr">
-                      <a:solidFill>
-                        <a:schemeClr val="tx1"/>
-                      </a:solidFill>
-                      <a:prstDash val="solid"/>
-                      <a:round/>
-                      <a:headEnd type="none" w="med" len="med"/>
-                      <a:tailEnd type="none" w="med" len="med"/>
-                    </a:lnL>
-                    <a:lnR w="12700" cap="flat" cmpd="sng" algn="ctr">
-                      <a:solidFill>
-                        <a:schemeClr val="tx1"/>
-                      </a:solidFill>
-                      <a:prstDash val="solid"/>
-                      <a:round/>
-                      <a:headEnd type="none" w="med" len="med"/>
-                      <a:tailEnd type="none" w="med" len="med"/>
-                    </a:lnR>
-                    <a:lnT w="12700" cap="flat" cmpd="sng" algn="ctr">
-                      <a:solidFill>
-                        <a:schemeClr val="tx1"/>
-                      </a:solidFill>
-                      <a:prstDash val="solid"/>
-                      <a:round/>
-                      <a:headEnd type="none" w="med" len="med"/>
-                      <a:tailEnd type="none" w="med" len="med"/>
-                    </a:lnT>
-                    <a:lnB w="12700" cap="flat" cmpd="sng" algn="ctr">
-                      <a:solidFill>
-                        <a:schemeClr val="tx1"/>
-                      </a:solidFill>
-                      <a:prstDash val="solid"/>
-                      <a:round/>
-                      <a:headEnd type="none" w="med" len="med"/>
-                      <a:tailEnd type="none" w="med" len="med"/>
-                    </a:lnB>
-                  </a:tcPr>
-                </a:tc>
-                <a:tc>
-                  <a:txBody>
-                    <a:bodyPr/>
-                    <a:lstStyle/>
-                    <a:p>
-                      <a:pPr algn="l" fontAlgn="b"/>
-                      <a:endParaRPr lang="en-US" sz="2000" b="0" i="0" u="none" strike="noStrike">
-                        <a:solidFill>
-                          <a:srgbClr val="000000"/>
-                        </a:solidFill>
-                        <a:effectLst/>
-                        <a:latin typeface="Calibri" panose="020F0502020204030204" pitchFamily="34" charset="0"/>
-                      </a:endParaRPr>
-                    </a:p>
-                  </a:txBody>
-                  <a:tcPr marL="9525" marR="9525" marT="9525" marB="0" anchor="b">
-                    <a:lnL w="12700" cap="flat" cmpd="sng" algn="ctr">
-                      <a:solidFill>
-                        <a:schemeClr val="tx1"/>
-                      </a:solidFill>
-                      <a:prstDash val="solid"/>
-                      <a:round/>
-                      <a:headEnd type="none" w="med" len="med"/>
-                      <a:tailEnd type="none" w="med" len="med"/>
-                    </a:lnL>
-                    <a:lnR w="12700" cap="flat" cmpd="sng" algn="ctr">
-                      <a:solidFill>
-                        <a:schemeClr val="tx1"/>
-                      </a:solidFill>
-                      <a:prstDash val="solid"/>
-                      <a:round/>
-                      <a:headEnd type="none" w="med" len="med"/>
-                      <a:tailEnd type="none" w="med" len="med"/>
-                    </a:lnR>
-                    <a:lnT w="12700" cap="flat" cmpd="sng" algn="ctr">
-                      <a:solidFill>
-                        <a:schemeClr val="tx1"/>
-                      </a:solidFill>
-                      <a:prstDash val="solid"/>
-                      <a:round/>
-                      <a:headEnd type="none" w="med" len="med"/>
-                      <a:tailEnd type="none" w="med" len="med"/>
-                    </a:lnT>
-                    <a:lnB w="12700" cap="flat" cmpd="sng" algn="ctr">
-                      <a:solidFill>
-                        <a:schemeClr val="tx1"/>
-                      </a:solidFill>
-                      <a:prstDash val="solid"/>
-                      <a:round/>
-                      <a:headEnd type="none" w="med" len="med"/>
-                      <a:tailEnd type="none" w="med" len="med"/>
-                    </a:lnB>
-                  </a:tcPr>
-                </a:tc>
-                <a:tc>
-                  <a:txBody>
-                    <a:bodyPr/>
-                    <a:lstStyle/>
-                    <a:p>
-                      <a:pPr algn="l" fontAlgn="b"/>
-                      <a:endParaRPr lang="en-US" sz="2000" b="0" i="0" u="none" strike="noStrike">
-                        <a:solidFill>
-                          <a:srgbClr val="000000"/>
-                        </a:solidFill>
-                        <a:effectLst/>
-                        <a:latin typeface="Calibri" panose="020F0502020204030204" pitchFamily="34" charset="0"/>
-                      </a:endParaRPr>
-                    </a:p>
-                  </a:txBody>
-                  <a:tcPr marL="9525" marR="9525" marT="9525" marB="0" anchor="b">
-                    <a:lnL w="12700" cap="flat" cmpd="sng" algn="ctr">
-                      <a:solidFill>
-                        <a:schemeClr val="tx1"/>
-                      </a:solidFill>
-                      <a:prstDash val="solid"/>
-                      <a:round/>
-                      <a:headEnd type="none" w="med" len="med"/>
-                      <a:tailEnd type="none" w="med" len="med"/>
-                    </a:lnL>
-                    <a:lnR w="12700" cap="flat" cmpd="sng" algn="ctr">
-                      <a:solidFill>
-                        <a:schemeClr val="tx1"/>
-                      </a:solidFill>
-                      <a:prstDash val="solid"/>
-                      <a:round/>
-                      <a:headEnd type="none" w="med" len="med"/>
-                      <a:tailEnd type="none" w="med" len="med"/>
-                    </a:lnR>
-                    <a:lnT w="12700" cap="flat" cmpd="sng" algn="ctr">
-                      <a:solidFill>
-                        <a:schemeClr val="tx1"/>
-                      </a:solidFill>
-                      <a:prstDash val="solid"/>
-                      <a:round/>
-                      <a:headEnd type="none" w="med" len="med"/>
-                      <a:tailEnd type="none" w="med" len="med"/>
-                    </a:lnT>
-                    <a:lnB w="12700" cap="flat" cmpd="sng" algn="ctr">
-                      <a:solidFill>
-                        <a:schemeClr val="tx1"/>
-                      </a:solidFill>
-                      <a:prstDash val="solid"/>
-                      <a:round/>
-                      <a:headEnd type="none" w="med" len="med"/>
-                      <a:tailEnd type="none" w="med" len="med"/>
-                    </a:lnB>
-                  </a:tcPr>
-                </a:tc>
-                <a:tc>
-                  <a:txBody>
-                    <a:bodyPr/>
-                    <a:lstStyle/>
-                    <a:p>
-                      <a:pPr algn="r" fontAlgn="b"/>
-                      <a:endParaRPr lang="en-US" sz="2000" b="0" i="0" u="none" strike="noStrike">
-                        <a:solidFill>
-                          <a:srgbClr val="000000"/>
-                        </a:solidFill>
-                        <a:effectLst/>
-                        <a:latin typeface="Calibri" panose="020F0502020204030204" pitchFamily="34" charset="0"/>
-                      </a:endParaRPr>
-                    </a:p>
-                  </a:txBody>
-                  <a:tcPr marL="9525" marR="9525" marT="9525" marB="0" anchor="b">
-                    <a:lnL w="12700" cap="flat" cmpd="sng" algn="ctr">
-                      <a:solidFill>
-                        <a:schemeClr val="tx1"/>
-                      </a:solidFill>
-                      <a:prstDash val="solid"/>
-                      <a:round/>
-                      <a:headEnd type="none" w="med" len="med"/>
-                      <a:tailEnd type="none" w="med" len="med"/>
-                    </a:lnL>
-                    <a:lnR w="12700" cap="flat" cmpd="sng" algn="ctr">
-                      <a:solidFill>
-                        <a:schemeClr val="tx1"/>
-                      </a:solidFill>
-                      <a:prstDash val="solid"/>
-                      <a:round/>
-                      <a:headEnd type="none" w="med" len="med"/>
-                      <a:tailEnd type="none" w="med" len="med"/>
-                    </a:lnR>
-                    <a:lnT w="12700" cap="flat" cmpd="sng" algn="ctr">
-                      <a:solidFill>
-                        <a:schemeClr val="tx1"/>
-                      </a:solidFill>
-                      <a:prstDash val="solid"/>
-                      <a:round/>
-                      <a:headEnd type="none" w="med" len="med"/>
-                      <a:tailEnd type="none" w="med" len="med"/>
-                    </a:lnT>
-                    <a:lnB w="12700" cap="flat" cmpd="sng" algn="ctr">
-                      <a:solidFill>
-                        <a:schemeClr val="tx1"/>
-                      </a:solidFill>
-                      <a:prstDash val="solid"/>
-                      <a:round/>
-                      <a:headEnd type="none" w="med" len="med"/>
-                      <a:tailEnd type="none" w="med" len="med"/>
-                    </a:lnB>
-                  </a:tcPr>
-                </a:tc>
-                <a:tc>
-                  <a:txBody>
-                    <a:bodyPr/>
-                    <a:lstStyle/>
-                    <a:p>
-                      <a:pPr algn="l" fontAlgn="b"/>
-                      <a:endParaRPr lang="en-US" sz="2000" b="0" i="0" u="none" strike="noStrike">
-                        <a:solidFill>
-                          <a:srgbClr val="000000"/>
-                        </a:solidFill>
-                        <a:effectLst/>
-                        <a:latin typeface="Calibri" panose="020F0502020204030204" pitchFamily="34" charset="0"/>
-                      </a:endParaRPr>
-                    </a:p>
-                  </a:txBody>
-                  <a:tcPr marL="9525" marR="9525" marT="9525" marB="0" anchor="b">
-                    <a:lnL w="12700" cap="flat" cmpd="sng" algn="ctr">
-                      <a:solidFill>
-                        <a:schemeClr val="tx1"/>
-                      </a:solidFill>
-                      <a:prstDash val="solid"/>
-                      <a:round/>
-                      <a:headEnd type="none" w="med" len="med"/>
-                      <a:tailEnd type="none" w="med" len="med"/>
-                    </a:lnL>
-                    <a:lnR w="12700" cap="flat" cmpd="sng" algn="ctr">
-                      <a:solidFill>
-                        <a:schemeClr val="tx1"/>
-                      </a:solidFill>
-                      <a:prstDash val="solid"/>
-                      <a:round/>
-                      <a:headEnd type="none" w="med" len="med"/>
-                      <a:tailEnd type="none" w="med" len="med"/>
-                    </a:lnR>
-                    <a:lnT w="12700" cap="flat" cmpd="sng" algn="ctr">
-                      <a:solidFill>
-                        <a:schemeClr val="tx1"/>
-                      </a:solidFill>
-                      <a:prstDash val="solid"/>
-                      <a:round/>
-                      <a:headEnd type="none" w="med" len="med"/>
-                      <a:tailEnd type="none" w="med" len="med"/>
-                    </a:lnT>
-                    <a:lnB w="12700" cap="flat" cmpd="sng" algn="ctr">
-                      <a:solidFill>
-                        <a:schemeClr val="tx1"/>
-                      </a:solidFill>
-                      <a:prstDash val="solid"/>
-                      <a:round/>
-                      <a:headEnd type="none" w="med" len="med"/>
-                      <a:tailEnd type="none" w="med" len="med"/>
-                    </a:lnB>
-                  </a:tcPr>
-                </a:tc>
-                <a:tc>
-                  <a:txBody>
-                    <a:bodyPr/>
-                    <a:lstStyle/>
-                    <a:p>
-                      <a:pPr algn="l" fontAlgn="b"/>
-                      <a:endParaRPr lang="en-US" sz="2000" b="0" i="0" u="none" strike="noStrike">
-                        <a:solidFill>
-                          <a:srgbClr val="000000"/>
-                        </a:solidFill>
-                        <a:effectLst/>
-                        <a:latin typeface="Calibri" panose="020F0502020204030204" pitchFamily="34" charset="0"/>
-                      </a:endParaRPr>
-                    </a:p>
-                  </a:txBody>
-                  <a:tcPr marL="9525" marR="9525" marT="9525" marB="0" anchor="b">
-                    <a:lnL w="12700" cap="flat" cmpd="sng" algn="ctr">
-                      <a:solidFill>
-                        <a:schemeClr val="tx1"/>
-                      </a:solidFill>
-                      <a:prstDash val="solid"/>
-                      <a:round/>
-                      <a:headEnd type="none" w="med" len="med"/>
-                      <a:tailEnd type="none" w="med" len="med"/>
-                    </a:lnL>
-                    <a:lnR w="12700" cap="flat" cmpd="sng" algn="ctr">
-                      <a:solidFill>
-                        <a:schemeClr val="tx1"/>
-                      </a:solidFill>
-                      <a:prstDash val="solid"/>
-                      <a:round/>
-                      <a:headEnd type="none" w="med" len="med"/>
-                      <a:tailEnd type="none" w="med" len="med"/>
-                    </a:lnR>
-                    <a:lnT w="12700" cap="flat" cmpd="sng" algn="ctr">
-                      <a:solidFill>
-                        <a:schemeClr val="tx1"/>
-                      </a:solidFill>
-                      <a:prstDash val="solid"/>
-                      <a:round/>
-                      <a:headEnd type="none" w="med" len="med"/>
-                      <a:tailEnd type="none" w="med" len="med"/>
-                    </a:lnT>
-                    <a:lnB w="12700" cap="flat" cmpd="sng" algn="ctr">
-                      <a:solidFill>
-                        <a:schemeClr val="tx1"/>
-                      </a:solidFill>
-                      <a:prstDash val="solid"/>
-                      <a:round/>
-                      <a:headEnd type="none" w="med" len="med"/>
-                      <a:tailEnd type="none" w="med" len="med"/>
-                    </a:lnB>
-                  </a:tcPr>
-                </a:tc>
-                <a:tc>
-                  <a:txBody>
-                    <a:bodyPr/>
-                    <a:lstStyle/>
-                    <a:p>
-                      <a:pPr algn="ctr" fontAlgn="b"/>
-                      <a:endParaRPr lang="en-US" sz="2000" b="0" i="0" u="none" strike="noStrike">
-                        <a:solidFill>
-                          <a:srgbClr val="000000"/>
-                        </a:solidFill>
-                        <a:effectLst/>
-                        <a:latin typeface="Calibri" panose="020F0502020204030204" pitchFamily="34" charset="0"/>
-                      </a:endParaRPr>
-                    </a:p>
-                  </a:txBody>
-                  <a:tcPr marL="9525" marR="9525" marT="9525" marB="0" anchor="b">
-                    <a:lnL w="12700" cap="flat" cmpd="sng" algn="ctr">
-                      <a:solidFill>
-                        <a:schemeClr val="tx1"/>
-                      </a:solidFill>
-                      <a:prstDash val="solid"/>
-                      <a:round/>
-                      <a:headEnd type="none" w="med" len="med"/>
-                      <a:tailEnd type="none" w="med" len="med"/>
-                    </a:lnL>
-                    <a:lnR w="12700" cap="flat" cmpd="sng" algn="ctr">
-                      <a:solidFill>
-                        <a:schemeClr val="tx1"/>
-                      </a:solidFill>
-                      <a:prstDash val="solid"/>
-                      <a:round/>
-                      <a:headEnd type="none" w="med" len="med"/>
-                      <a:tailEnd type="none" w="med" len="med"/>
-                    </a:lnR>
-                    <a:lnT w="12700" cap="flat" cmpd="sng" algn="ctr">
-                      <a:solidFill>
-                        <a:schemeClr val="tx1"/>
-                      </a:solidFill>
-                      <a:prstDash val="solid"/>
-                      <a:round/>
-                      <a:headEnd type="none" w="med" len="med"/>
-                      <a:tailEnd type="none" w="med" len="med"/>
-                    </a:lnT>
-                    <a:lnB w="12700" cap="flat" cmpd="sng" algn="ctr">
-                      <a:solidFill>
-                        <a:schemeClr val="tx1"/>
-                      </a:solidFill>
-                      <a:prstDash val="solid"/>
-                      <a:round/>
-                      <a:headEnd type="none" w="med" len="med"/>
-                      <a:tailEnd type="none" w="med" len="med"/>
-                    </a:lnB>
-                  </a:tcPr>
-                </a:tc>
-                <a:tc>
-                  <a:txBody>
-                    <a:bodyPr/>
-                    <a:lstStyle/>
-                    <a:p>
-                      <a:pPr algn="ctr" fontAlgn="b"/>
-                      <a:endParaRPr lang="en-US" sz="2000" b="0" i="0" u="none" strike="noStrike">
-                        <a:solidFill>
-                          <a:srgbClr val="000000"/>
-                        </a:solidFill>
-                        <a:effectLst/>
-                        <a:latin typeface="Calibri" panose="020F0502020204030204" pitchFamily="34" charset="0"/>
-                      </a:endParaRPr>
-                    </a:p>
-                  </a:txBody>
-                  <a:tcPr marL="9525" marR="9525" marT="9525" marB="0" anchor="b">
-                    <a:lnL w="12700" cap="flat" cmpd="sng" algn="ctr">
-                      <a:solidFill>
-                        <a:schemeClr val="tx1"/>
-                      </a:solidFill>
-                      <a:prstDash val="solid"/>
-                      <a:round/>
-                      <a:headEnd type="none" w="med" len="med"/>
-                      <a:tailEnd type="none" w="med" len="med"/>
-                    </a:lnL>
-                    <a:lnR w="12700" cap="flat" cmpd="sng" algn="ctr">
-                      <a:solidFill>
-                        <a:schemeClr val="tx1"/>
-                      </a:solidFill>
-                      <a:prstDash val="solid"/>
-                      <a:round/>
-                      <a:headEnd type="none" w="med" len="med"/>
-                      <a:tailEnd type="none" w="med" len="med"/>
-                    </a:lnR>
-                    <a:lnT w="12700" cap="flat" cmpd="sng" algn="ctr">
-                      <a:solidFill>
-                        <a:schemeClr val="tx1"/>
-                      </a:solidFill>
-                      <a:prstDash val="solid"/>
-                      <a:round/>
-                      <a:headEnd type="none" w="med" len="med"/>
-                      <a:tailEnd type="none" w="med" len="med"/>
-                    </a:lnT>
-                    <a:lnB w="12700" cap="flat" cmpd="sng" algn="ctr">
-                      <a:solidFill>
-                        <a:schemeClr val="tx1"/>
-                      </a:solidFill>
-                      <a:prstDash val="solid"/>
-                      <a:round/>
-                      <a:headEnd type="none" w="med" len="med"/>
-                      <a:tailEnd type="none" w="med" len="med"/>
-                    </a:lnB>
-                  </a:tcPr>
-                </a:tc>
-                <a:tc>
-                  <a:txBody>
-                    <a:bodyPr/>
-                    <a:lstStyle/>
-                    <a:p>
-                      <a:pPr algn="r" fontAlgn="b"/>
-                      <a:endParaRPr lang="en-US" sz="2000" b="0" i="0" u="none" strike="noStrike" dirty="0">
-                        <a:solidFill>
-                          <a:srgbClr val="000000"/>
-                        </a:solidFill>
-                        <a:effectLst/>
-                        <a:latin typeface="Calibri" panose="020F0502020204030204" pitchFamily="34" charset="0"/>
-                      </a:endParaRPr>
-                    </a:p>
-                  </a:txBody>
-                  <a:tcPr marL="9525" marR="9525" marT="9525" marB="0" anchor="b">
-                    <a:lnL w="12700" cap="flat" cmpd="sng" algn="ctr">
-                      <a:solidFill>
-                        <a:schemeClr val="tx1"/>
-                      </a:solidFill>
-                      <a:prstDash val="solid"/>
-                      <a:round/>
-                      <a:headEnd type="none" w="med" len="med"/>
-                      <a:tailEnd type="none" w="med" len="med"/>
-                    </a:lnL>
-                    <a:lnR w="12700" cap="flat" cmpd="sng" algn="ctr">
-                      <a:solidFill>
-                        <a:schemeClr val="tx1"/>
-                      </a:solidFill>
-                      <a:prstDash val="solid"/>
-                      <a:round/>
-                      <a:headEnd type="none" w="med" len="med"/>
-                      <a:tailEnd type="none" w="med" len="med"/>
-                    </a:lnR>
-                    <a:lnT w="12700" cap="flat" cmpd="sng" algn="ctr">
-                      <a:solidFill>
-                        <a:schemeClr val="tx1"/>
-                      </a:solidFill>
-                      <a:prstDash val="solid"/>
-                      <a:round/>
-                      <a:headEnd type="none" w="med" len="med"/>
-                      <a:tailEnd type="none" w="med" len="med"/>
-                    </a:lnT>
-                    <a:lnB w="12700" cap="flat" cmpd="sng" algn="ctr">
-                      <a:solidFill>
-                        <a:schemeClr val="tx1"/>
-                      </a:solidFill>
-                      <a:prstDash val="solid"/>
-                      <a:round/>
-                      <a:headEnd type="none" w="med" len="med"/>
-                      <a:tailEnd type="none" w="med" len="med"/>
-                    </a:lnB>
-                  </a:tcPr>
-                </a:tc>
-                <a:extLst>
-                  <a:ext uri="{0D108BD9-81ED-4DB2-BD59-A6C34878D82A}">
-                    <a16:rowId xmlns:a16="http://schemas.microsoft.com/office/drawing/2014/main" val="1254436609"/>
-                  </a:ext>
-                </a:extLst>
-              </a:tr>
-            </a:tbl>
-          </a:graphicData>
-        </a:graphic>
-      </p:graphicFrame>
-    </p:spTree>
-    <p:extLst>
-      <p:ext uri="{BB962C8B-B14F-4D97-AF65-F5344CB8AC3E}">
-        <p14:creationId xmlns:p14="http://schemas.microsoft.com/office/powerpoint/2010/main" val="461748815"/>
       </p:ext>
     </p:extLst>
   </p:cSld>
@@ -17408,7 +14123,7 @@
         <p:spPr>
           <a:xfrm>
             <a:off x="838200" y="1555660"/>
-            <a:ext cx="10515600" cy="760821"/>
+            <a:ext cx="8585200" cy="760821"/>
           </a:xfrm>
         </p:spPr>
         <p:txBody>
@@ -17417,7 +14132,7 @@
           </a:bodyPr>
           <a:lstStyle/>
           <a:p>
-            <a:pPr marL="0" indent="0">
+            <a:pPr marL="463550" indent="-463550">
               <a:buNone/>
             </a:pPr>
             <a:r>
@@ -17557,7 +14272,16 @@
           <a:bodyPr/>
           <a:lstStyle/>
           <a:p>
-            <a:pPr marL="0" indent="0">
+            <a:pPr marL="0" indent="0" algn="just">
+              <a:buNone/>
+            </a:pPr>
+            <a:r>
+              <a:rPr lang="en-US" dirty="0"/>
+              <a:t>Dill-McFarland KA, Schwartz JT, Zhao H, Shao B, Fulkerson PC, Altman MC, Gill MA. 2022. Eosinophil-mediated suppression and Anti-IL-5 enhancement of plasmacytoid dendritic cell interferon responses in asthma. J Allergy Clin Immunol. 150(3): 666-675</a:t>
+            </a:r>
+          </a:p>
+          <a:p>
+            <a:pPr marL="0" indent="0" algn="just">
               <a:buNone/>
             </a:pPr>
             <a:endParaRPr lang="en-US" dirty="0"/>
@@ -17567,35 +14291,11 @@
               <a:buNone/>
             </a:pPr>
             <a:r>
-              <a:rPr lang="en-US" dirty="0"/>
-              <a:t>Simmons JD, Dill-McFarland KA, </a:t>
-            </a:r>
-            <a:r>
-              <a:rPr lang="en-US" i="1" dirty="0"/>
-              <a:t>et al</a:t>
-            </a:r>
-            <a:r>
-              <a:rPr lang="en-US" dirty="0"/>
-              <a:t>. 2022. Monocyte transcriptional responses to </a:t>
-            </a:r>
-            <a:r>
-              <a:rPr lang="en-US" i="1" dirty="0"/>
-              <a:t>Mycobacterium tuberculosis</a:t>
-            </a:r>
-            <a:r>
-              <a:rPr lang="en-US" dirty="0"/>
-              <a:t> associate with resistance to tuberculin skin test and interferon gamma release assay conversion. </a:t>
-            </a:r>
-            <a:r>
-              <a:rPr lang="en-US" dirty="0" err="1"/>
-              <a:t>mSphere</a:t>
-            </a:r>
-            <a:r>
-              <a:rPr lang="en-US" dirty="0"/>
-              <a:t>. In press.</a:t>
-            </a:r>
-          </a:p>
-          <a:p>
+              <a:rPr lang="en-US" dirty="0">
+                <a:hlinkClick r:id="rId2"/>
+              </a:rPr>
+              <a:t>10.1016/j.jaci.2022.03.025</a:t>
+            </a:r>
             <a:endParaRPr lang="en-US" dirty="0"/>
           </a:p>
           <a:p>
@@ -17632,7 +14332,7 @@
                   <a:srgbClr val="0070C0"/>
                 </a:solidFill>
               </a:rPr>
-              <a:t>hawn</a:t>
+              <a:t>altman</a:t>
             </a:r>
             <a:r>
               <a:rPr lang="en-US" dirty="0">
@@ -17640,21 +14340,8 @@
                   <a:srgbClr val="0070C0"/>
                 </a:solidFill>
               </a:rPr>
-              <a:t>-lab/</a:t>
-            </a:r>
-            <a:r>
-              <a:rPr lang="en-US" dirty="0" err="1">
-                <a:solidFill>
-                  <a:srgbClr val="0070C0"/>
-                </a:solidFill>
-              </a:rPr>
-              <a:t>RSTR_RNAseq_Mtb_public</a:t>
-            </a:r>
-            <a:endParaRPr lang="en-US" dirty="0">
-              <a:solidFill>
-                <a:srgbClr val="0070C0"/>
-              </a:solidFill>
-            </a:endParaRPr>
+              <a:t>-lab/P259_pDC_public</a:t>
+            </a:r>
           </a:p>
         </p:txBody>
       </p:sp>
@@ -17735,7 +14422,7 @@
         <p:spPr/>
         <p:txBody>
           <a:bodyPr>
-            <a:normAutofit/>
+            <a:normAutofit lnSpcReduction="10000"/>
           </a:bodyPr>
           <a:lstStyle/>
           <a:p>
@@ -17743,57 +14430,73 @@
           </a:p>
           <a:p>
             <a:r>
+              <a:rPr lang="en-US" dirty="0"/>
+              <a:t>Human plasmacytoid dendritic cells (</a:t>
+            </a:r>
+            <a:r>
+              <a:rPr lang="en-US" dirty="0" err="1"/>
+              <a:t>pDC</a:t>
+            </a:r>
+            <a:r>
+              <a:rPr lang="en-US" dirty="0"/>
+              <a:t>)</a:t>
+            </a:r>
+          </a:p>
+          <a:p>
+            <a:r>
+              <a:rPr lang="en-US" dirty="0"/>
+              <a:t>+/- Rhinovirus (RV)</a:t>
+            </a:r>
+          </a:p>
+          <a:p>
+            <a:r>
+              <a:rPr lang="en-US" dirty="0"/>
+              <a:t>+/- Asthma</a:t>
+            </a:r>
+          </a:p>
+          <a:p>
+            <a:r>
+              <a:rPr lang="en-US" dirty="0"/>
+              <a:t>+/- Anti-IL-5Ra therapy (</a:t>
+            </a:r>
+            <a:r>
               <a:rPr lang="en-US" i="1" dirty="0"/>
-              <a:t>Mycobacterium tuberculosis </a:t>
+              <a:t>not explored in this workshop</a:t>
             </a:r>
             <a:r>
               <a:rPr lang="en-US" dirty="0"/>
-              <a:t>(</a:t>
-            </a:r>
+              <a:t>)</a:t>
+            </a:r>
+          </a:p>
+          <a:p>
+            <a:endParaRPr lang="en-US" dirty="0"/>
+          </a:p>
+          <a:p>
             <a:r>
               <a:rPr lang="en-US" dirty="0" err="1"/>
-              <a:t>Mtb</a:t>
+              <a:t>pDC</a:t>
             </a:r>
             <a:r>
               <a:rPr lang="en-US" dirty="0"/>
-              <a:t>) is the causative agent of tuberculosis (TB)</a:t>
-            </a:r>
-          </a:p>
-          <a:p>
+              <a:t> are antigen-presenting cells with high IFN</a:t>
+            </a:r>
+            <a:r>
+              <a:rPr lang="el-GR" dirty="0"/>
+              <a:t>α </a:t>
+            </a:r>
             <a:r>
               <a:rPr lang="en-US" dirty="0"/>
-              <a:t>TB is among the top infectious killers worldwide… and had been for centuries</a:t>
-            </a:r>
-          </a:p>
-          <a:p>
-            <a:r>
-              <a:rPr lang="en-US" dirty="0" err="1"/>
-              <a:t>Mtb</a:t>
-            </a:r>
+              <a:t>response to virus</a:t>
+            </a:r>
+          </a:p>
+          <a:p>
             <a:r>
               <a:rPr lang="en-US" dirty="0"/>
-              <a:t> predominantly infects lung macrophages</a:t>
-            </a:r>
-          </a:p>
-          <a:p>
-            <a:r>
-              <a:rPr lang="en-US" dirty="0"/>
-              <a:t>Exposure to </a:t>
-            </a:r>
-            <a:r>
-              <a:rPr lang="en-US" dirty="0" err="1"/>
-              <a:t>Mtb</a:t>
-            </a:r>
-            <a:r>
-              <a:rPr lang="en-US" dirty="0"/>
-              <a:t> results in infection that is cleared, contained, or progresses to disease</a:t>
-            </a:r>
-          </a:p>
-          <a:p>
-            <a:r>
-              <a:rPr lang="en-US" dirty="0"/>
-              <a:t>Mechanisms that distinguish these outcomes are unknown</a:t>
-            </a:r>
+              <a:t>RV is a leading cause of exacerbation among asthmatic children (commonly referred to as “asthma attack”)</a:t>
+            </a:r>
+          </a:p>
+          <a:p>
+            <a:endParaRPr lang="en-US" dirty="0"/>
           </a:p>
         </p:txBody>
       </p:sp>

--- a/2023.01.30_RNAseq.i4TB/welcome.pptx
+++ b/2023.01.30_RNAseq.i4TB/welcome.pptx
@@ -9073,7 +9073,7 @@
         </p:spPr>
         <p:txBody>
           <a:bodyPr>
-            <a:normAutofit/>
+            <a:normAutofit lnSpcReduction="10000"/>
           </a:bodyPr>
           <a:lstStyle/>
           <a:p>
@@ -9469,6 +9469,65 @@
                 <a:cs typeface="Courier New" panose="02070309020205020404" pitchFamily="49" charset="0"/>
               </a:rPr>
               <a:t>")</a:t>
+            </a:r>
+          </a:p>
+          <a:p>
+            <a:pPr marL="7938" lvl="1" indent="0">
+              <a:buNone/>
+            </a:pPr>
+            <a:r>
+              <a:rPr lang="en-US" sz="2000" dirty="0">
+                <a:latin typeface="Calibri" panose="020F0502020204030204" pitchFamily="34" charset="0"/>
+                <a:cs typeface="Calibri" panose="020F0502020204030204" pitchFamily="34" charset="0"/>
+              </a:rPr>
+              <a:t>(Can copy from </a:t>
+            </a:r>
+            <a:r>
+              <a:rPr lang="en-US" sz="2000" dirty="0">
+                <a:solidFill>
+                  <a:srgbClr val="0070C0"/>
+                </a:solidFill>
+                <a:latin typeface="Calibri" panose="020F0502020204030204" pitchFamily="34" charset="0"/>
+                <a:cs typeface="Calibri" panose="020F0502020204030204" pitchFamily="34" charset="0"/>
+              </a:rPr>
+              <a:t>https://</a:t>
+            </a:r>
+            <a:r>
+              <a:rPr lang="en-US" sz="2000" dirty="0" err="1">
+                <a:solidFill>
+                  <a:srgbClr val="0070C0"/>
+                </a:solidFill>
+                <a:latin typeface="Calibri" panose="020F0502020204030204" pitchFamily="34" charset="0"/>
+                <a:cs typeface="Calibri" panose="020F0502020204030204" pitchFamily="34" charset="0"/>
+              </a:rPr>
+              <a:t>bigslu.github.io</a:t>
+            </a:r>
+            <a:r>
+              <a:rPr lang="en-US" sz="2000" dirty="0">
+                <a:solidFill>
+                  <a:srgbClr val="0070C0"/>
+                </a:solidFill>
+                <a:latin typeface="Calibri" panose="020F0502020204030204" pitchFamily="34" charset="0"/>
+                <a:cs typeface="Calibri" panose="020F0502020204030204" pitchFamily="34" charset="0"/>
+              </a:rPr>
+              <a:t>/workshops/setup/</a:t>
+            </a:r>
+            <a:r>
+              <a:rPr lang="en-US" sz="2000" dirty="0" err="1">
+                <a:solidFill>
+                  <a:srgbClr val="0070C0"/>
+                </a:solidFill>
+                <a:latin typeface="Calibri" panose="020F0502020204030204" pitchFamily="34" charset="0"/>
+                <a:cs typeface="Calibri" panose="020F0502020204030204" pitchFamily="34" charset="0"/>
+              </a:rPr>
+              <a:t>setup.html</a:t>
+            </a:r>
+            <a:r>
+              <a:rPr lang="en-US" sz="2000" dirty="0">
+                <a:latin typeface="Calibri" panose="020F0502020204030204" pitchFamily="34" charset="0"/>
+                <a:cs typeface="Calibri" panose="020F0502020204030204" pitchFamily="34" charset="0"/>
+              </a:rPr>
+              <a:t>)</a:t>
             </a:r>
           </a:p>
         </p:txBody>
